--- a/Assets/Presentation/Group Project Presentation.pptx
+++ b/Assets/Presentation/Group Project Presentation.pptx
@@ -1,27 +1,27 @@
 
 <file path=ppt/presentation.xml><?xml version="1.0" encoding="utf-8"?>
-<p:presentation xmlns:a="http://schemas.openxmlformats.org/drawingml/2006/main" xmlns:r="http://schemas.openxmlformats.org/officeDocument/2006/relationships" xmlns:mc="http://schemas.openxmlformats.org/markup-compatibility/2006" xmlns:mv="urn:schemas-microsoft-com:mac:vml" xmlns:p="http://schemas.openxmlformats.org/presentationml/2006/main" xmlns:c="http://schemas.openxmlformats.org/drawingml/2006/chart" xmlns:dgm="http://schemas.openxmlformats.org/drawingml/2006/diagram" xmlns:o="urn:schemas-microsoft-com:office:office" xmlns:v="urn:schemas-microsoft-com:vml" xmlns:pvml="urn:schemas-microsoft-com:office:powerpoint" xmlns:com="http://schemas.openxmlformats.org/drawingml/2006/compatibility" xmlns:p14="http://schemas.microsoft.com/office/powerpoint/2010/main" xmlns:p15="http://schemas.microsoft.com/office/powerpoint/2012/main" xmlns:ahyp="http://schemas.microsoft.com/office/drawing/2018/hyperlinkcolor" autoCompressPictures="0" strictFirstAndLastChars="0" saveSubsetFonts="1">
+<p:presentation xmlns:a="http://schemas.openxmlformats.org/drawingml/2006/main" xmlns:r="http://schemas.openxmlformats.org/officeDocument/2006/relationships" xmlns:p="http://schemas.openxmlformats.org/presentationml/2006/main" strictFirstAndLastChars="0" saveSubsetFonts="1" autoCompressPictures="0">
   <p:sldMasterIdLst>
-    <p:sldMasterId id="2147483659" r:id="rId3"/>
+    <p:sldMasterId id="2147483659" r:id="rId1"/>
   </p:sldMasterIdLst>
   <p:notesMasterIdLst>
-    <p:notesMasterId r:id="rId4"/>
+    <p:notesMasterId r:id="rId11"/>
   </p:notesMasterIdLst>
   <p:sldIdLst>
-    <p:sldId id="256" r:id="rId5"/>
-    <p:sldId id="257" r:id="rId6"/>
-    <p:sldId id="258" r:id="rId7"/>
-    <p:sldId id="259" r:id="rId8"/>
-    <p:sldId id="260" r:id="rId9"/>
-    <p:sldId id="261" r:id="rId10"/>
-    <p:sldId id="262" r:id="rId11"/>
-    <p:sldId id="263" r:id="rId12"/>
-    <p:sldId id="264" r:id="rId13"/>
+    <p:sldId id="256" r:id="rId2"/>
+    <p:sldId id="257" r:id="rId3"/>
+    <p:sldId id="265" r:id="rId4"/>
+    <p:sldId id="259" r:id="rId5"/>
+    <p:sldId id="260" r:id="rId6"/>
+    <p:sldId id="261" r:id="rId7"/>
+    <p:sldId id="262" r:id="rId8"/>
+    <p:sldId id="263" r:id="rId9"/>
+    <p:sldId id="264" r:id="rId10"/>
   </p:sldIdLst>
-  <p:sldSz cy="5143500" cx="9144000"/>
+  <p:sldSz cx="9144000" cy="5143500" type="screen16x9"/>
   <p:notesSz cx="6858000" cy="9144000"/>
   <p:defaultTextStyle>
-    <a:defPPr lvl="0" marR="0" rtl="0" algn="l">
+    <a:defPPr marR="0" lvl="0" algn="l" rtl="0">
       <a:lnSpc>
         <a:spcPct val="100000"/>
       </a:lnSpc>
@@ -32,7 +32,7 @@
         <a:spcPts val="0"/>
       </a:spcAft>
     </a:defPPr>
-    <a:lvl1pPr lvl="0" marR="0" rtl="0" algn="l">
+    <a:lvl1pPr marR="0" lvl="0" algn="l" rtl="0">
       <a:lnSpc>
         <a:spcPct val="100000"/>
       </a:lnSpc>
@@ -46,7 +46,7 @@
         <a:srgbClr val="000000"/>
       </a:buClr>
       <a:buFont typeface="Arial"/>
-      <a:defRPr b="0" i="0" sz="1400" u="none" cap="none" strike="noStrike">
+      <a:defRPr sz="1400" b="0" i="0" u="none" strike="noStrike" cap="none">
         <a:solidFill>
           <a:srgbClr val="000000"/>
         </a:solidFill>
@@ -56,7 +56,7 @@
         <a:sym typeface="Arial"/>
       </a:defRPr>
     </a:lvl1pPr>
-    <a:lvl2pPr lvl="1" marR="0" rtl="0" algn="l">
+    <a:lvl2pPr marR="0" lvl="1" algn="l" rtl="0">
       <a:lnSpc>
         <a:spcPct val="100000"/>
       </a:lnSpc>
@@ -70,7 +70,7 @@
         <a:srgbClr val="000000"/>
       </a:buClr>
       <a:buFont typeface="Arial"/>
-      <a:defRPr b="0" i="0" sz="1400" u="none" cap="none" strike="noStrike">
+      <a:defRPr sz="1400" b="0" i="0" u="none" strike="noStrike" cap="none">
         <a:solidFill>
           <a:srgbClr val="000000"/>
         </a:solidFill>
@@ -80,7 +80,7 @@
         <a:sym typeface="Arial"/>
       </a:defRPr>
     </a:lvl2pPr>
-    <a:lvl3pPr lvl="2" marR="0" rtl="0" algn="l">
+    <a:lvl3pPr marR="0" lvl="2" algn="l" rtl="0">
       <a:lnSpc>
         <a:spcPct val="100000"/>
       </a:lnSpc>
@@ -94,7 +94,7 @@
         <a:srgbClr val="000000"/>
       </a:buClr>
       <a:buFont typeface="Arial"/>
-      <a:defRPr b="0" i="0" sz="1400" u="none" cap="none" strike="noStrike">
+      <a:defRPr sz="1400" b="0" i="0" u="none" strike="noStrike" cap="none">
         <a:solidFill>
           <a:srgbClr val="000000"/>
         </a:solidFill>
@@ -104,7 +104,7 @@
         <a:sym typeface="Arial"/>
       </a:defRPr>
     </a:lvl3pPr>
-    <a:lvl4pPr lvl="3" marR="0" rtl="0" algn="l">
+    <a:lvl4pPr marR="0" lvl="3" algn="l" rtl="0">
       <a:lnSpc>
         <a:spcPct val="100000"/>
       </a:lnSpc>
@@ -118,7 +118,7 @@
         <a:srgbClr val="000000"/>
       </a:buClr>
       <a:buFont typeface="Arial"/>
-      <a:defRPr b="0" i="0" sz="1400" u="none" cap="none" strike="noStrike">
+      <a:defRPr sz="1400" b="0" i="0" u="none" strike="noStrike" cap="none">
         <a:solidFill>
           <a:srgbClr val="000000"/>
         </a:solidFill>
@@ -128,7 +128,7 @@
         <a:sym typeface="Arial"/>
       </a:defRPr>
     </a:lvl4pPr>
-    <a:lvl5pPr lvl="4" marR="0" rtl="0" algn="l">
+    <a:lvl5pPr marR="0" lvl="4" algn="l" rtl="0">
       <a:lnSpc>
         <a:spcPct val="100000"/>
       </a:lnSpc>
@@ -142,7 +142,7 @@
         <a:srgbClr val="000000"/>
       </a:buClr>
       <a:buFont typeface="Arial"/>
-      <a:defRPr b="0" i="0" sz="1400" u="none" cap="none" strike="noStrike">
+      <a:defRPr sz="1400" b="0" i="0" u="none" strike="noStrike" cap="none">
         <a:solidFill>
           <a:srgbClr val="000000"/>
         </a:solidFill>
@@ -152,7 +152,7 @@
         <a:sym typeface="Arial"/>
       </a:defRPr>
     </a:lvl5pPr>
-    <a:lvl6pPr lvl="5" marR="0" rtl="0" algn="l">
+    <a:lvl6pPr marR="0" lvl="5" algn="l" rtl="0">
       <a:lnSpc>
         <a:spcPct val="100000"/>
       </a:lnSpc>
@@ -166,7 +166,7 @@
         <a:srgbClr val="000000"/>
       </a:buClr>
       <a:buFont typeface="Arial"/>
-      <a:defRPr b="0" i="0" sz="1400" u="none" cap="none" strike="noStrike">
+      <a:defRPr sz="1400" b="0" i="0" u="none" strike="noStrike" cap="none">
         <a:solidFill>
           <a:srgbClr val="000000"/>
         </a:solidFill>
@@ -176,7 +176,7 @@
         <a:sym typeface="Arial"/>
       </a:defRPr>
     </a:lvl6pPr>
-    <a:lvl7pPr lvl="6" marR="0" rtl="0" algn="l">
+    <a:lvl7pPr marR="0" lvl="6" algn="l" rtl="0">
       <a:lnSpc>
         <a:spcPct val="100000"/>
       </a:lnSpc>
@@ -190,7 +190,7 @@
         <a:srgbClr val="000000"/>
       </a:buClr>
       <a:buFont typeface="Arial"/>
-      <a:defRPr b="0" i="0" sz="1400" u="none" cap="none" strike="noStrike">
+      <a:defRPr sz="1400" b="0" i="0" u="none" strike="noStrike" cap="none">
         <a:solidFill>
           <a:srgbClr val="000000"/>
         </a:solidFill>
@@ -200,7 +200,7 @@
         <a:sym typeface="Arial"/>
       </a:defRPr>
     </a:lvl7pPr>
-    <a:lvl8pPr lvl="7" marR="0" rtl="0" algn="l">
+    <a:lvl8pPr marR="0" lvl="7" algn="l" rtl="0">
       <a:lnSpc>
         <a:spcPct val="100000"/>
       </a:lnSpc>
@@ -214,7 +214,7 @@
         <a:srgbClr val="000000"/>
       </a:buClr>
       <a:buFont typeface="Arial"/>
-      <a:defRPr b="0" i="0" sz="1400" u="none" cap="none" strike="noStrike">
+      <a:defRPr sz="1400" b="0" i="0" u="none" strike="noStrike" cap="none">
         <a:solidFill>
           <a:srgbClr val="000000"/>
         </a:solidFill>
@@ -224,7 +224,7 @@
         <a:sym typeface="Arial"/>
       </a:defRPr>
     </a:lvl8pPr>
-    <a:lvl9pPr lvl="8" marR="0" rtl="0" algn="l">
+    <a:lvl9pPr marR="0" lvl="8" algn="l" rtl="0">
       <a:lnSpc>
         <a:spcPct val="100000"/>
       </a:lnSpc>
@@ -238,7 +238,7 @@
         <a:srgbClr val="000000"/>
       </a:buClr>
       <a:buFont typeface="Arial"/>
-      <a:defRPr b="0" i="0" sz="1400" u="none" cap="none" strike="noStrike">
+      <a:defRPr sz="1400" b="0" i="0" u="none" strike="noStrike" cap="none">
         <a:solidFill>
           <a:srgbClr val="000000"/>
         </a:solidFill>
@@ -253,11 +253,16 @@
 </file>
 
 <file path=ppt/notesMasters/notesMaster1.xml><?xml version="1.0" encoding="utf-8"?>
-<p:notesMaster xmlns:a="http://schemas.openxmlformats.org/drawingml/2006/main" xmlns:r="http://schemas.openxmlformats.org/officeDocument/2006/relationships" xmlns:mc="http://schemas.openxmlformats.org/markup-compatibility/2006" xmlns:mv="urn:schemas-microsoft-com:mac:vml" xmlns:p="http://schemas.openxmlformats.org/presentationml/2006/main" xmlns:c="http://schemas.openxmlformats.org/drawingml/2006/chart" xmlns:dgm="http://schemas.openxmlformats.org/drawingml/2006/diagram" xmlns:o="urn:schemas-microsoft-com:office:office" xmlns:v="urn:schemas-microsoft-com:vml" xmlns:pvml="urn:schemas-microsoft-com:office:powerpoint" xmlns:com="http://schemas.openxmlformats.org/drawingml/2006/compatibility" xmlns:p14="http://schemas.microsoft.com/office/powerpoint/2010/main" xmlns:p15="http://schemas.microsoft.com/office/powerpoint/2012/main" xmlns:ahyp="http://schemas.microsoft.com/office/drawing/2018/hyperlinkcolor">
+<p:notesMaster xmlns:a="http://schemas.openxmlformats.org/drawingml/2006/main" xmlns:r="http://schemas.openxmlformats.org/officeDocument/2006/relationships" xmlns:p="http://schemas.openxmlformats.org/presentationml/2006/main">
   <p:cSld>
+    <p:bg>
+      <p:bgRef idx="1001">
+        <a:schemeClr val="bg1"/>
+      </p:bgRef>
+    </p:bg>
     <p:spTree>
       <p:nvGrpSpPr>
-        <p:cNvPr id="2" name="Shape 2"/>
+        <p:cNvPr id="1" name="Shape 2"/>
         <p:cNvGrpSpPr/>
         <p:nvPr/>
       </p:nvGrpSpPr>
@@ -272,9 +277,11 @@
       <p:sp>
         <p:nvSpPr>
           <p:cNvPr id="3" name="Google Shape;3;n"/>
-          <p:cNvSpPr/>
+          <p:cNvSpPr>
+            <a:spLocks noGrp="1" noRot="1" noChangeAspect="1"/>
+          </p:cNvSpPr>
           <p:nvPr>
-            <p:ph idx="2" type="sldImg"/>
+            <p:ph type="sldImg" idx="2"/>
           </p:nvPr>
         </p:nvSpPr>
         <p:spPr>
@@ -283,9 +290,13 @@
             <a:ext cx="6096075" cy="3429000"/>
           </a:xfrm>
           <a:custGeom>
-            <a:rect b="b" l="l" r="r" t="t"/>
+            <a:avLst/>
+            <a:gdLst/>
+            <a:ahLst/>
+            <a:cxnLst/>
+            <a:rect l="l" t="t" r="r" b="b"/>
             <a:pathLst>
-              <a:path extrusionOk="0" h="120000" w="120000">
+              <a:path w="120000" h="120000" extrusionOk="0">
                 <a:moveTo>
                   <a:pt x="0" y="0"/>
                 </a:moveTo>
@@ -303,23 +314,25 @@
             </a:pathLst>
           </a:custGeom>
           <a:noFill/>
-          <a:ln cap="flat" cmpd="sng" w="9525">
+          <a:ln w="9525" cap="flat" cmpd="sng">
             <a:solidFill>
               <a:srgbClr val="000000"/>
             </a:solidFill>
             <a:prstDash val="solid"/>
             <a:round/>
-            <a:headEnd len="sm" w="sm" type="none"/>
-            <a:tailEnd len="sm" w="sm" type="none"/>
+            <a:headEnd type="none" w="sm" len="sm"/>
+            <a:tailEnd type="none" w="sm" len="sm"/>
           </a:ln>
         </p:spPr>
       </p:sp>
       <p:sp>
         <p:nvSpPr>
           <p:cNvPr id="4" name="Google Shape;4;n"/>
-          <p:cNvSpPr txBox="1"/>
+          <p:cNvSpPr txBox="1">
+            <a:spLocks noGrp="1"/>
+          </p:cNvSpPr>
           <p:nvPr>
-            <p:ph idx="1" type="body"/>
+            <p:ph type="body" idx="1"/>
           </p:nvPr>
         </p:nvSpPr>
         <p:spPr>
@@ -336,11 +349,11 @@
           </a:ln>
         </p:spPr>
         <p:txBody>
-          <a:bodyPr anchorCtr="0" anchor="t" bIns="91425" lIns="91425" spcFirstLastPara="1" rIns="91425" wrap="square" tIns="91425">
+          <a:bodyPr spcFirstLastPara="1" wrap="square" lIns="91425" tIns="91425" rIns="91425" bIns="91425" anchor="t" anchorCtr="0">
             <a:noAutofit/>
           </a:bodyPr>
           <a:lstStyle>
-            <a:lvl1pPr indent="-298450" lvl="0" marL="457200">
+            <a:lvl1pPr marL="457200" lvl="0" indent="-298450">
               <a:spcBef>
                 <a:spcPts val="0"/>
               </a:spcBef>
@@ -351,7 +364,7 @@
               <a:buChar char="●"/>
               <a:defRPr sz="1100"/>
             </a:lvl1pPr>
-            <a:lvl2pPr indent="-298450" lvl="1" marL="914400">
+            <a:lvl2pPr marL="914400" lvl="1" indent="-298450">
               <a:spcBef>
                 <a:spcPts val="0"/>
               </a:spcBef>
@@ -362,7 +375,7 @@
               <a:buChar char="○"/>
               <a:defRPr sz="1100"/>
             </a:lvl2pPr>
-            <a:lvl3pPr indent="-298450" lvl="2" marL="1371600">
+            <a:lvl3pPr marL="1371600" lvl="2" indent="-298450">
               <a:spcBef>
                 <a:spcPts val="0"/>
               </a:spcBef>
@@ -373,7 +386,7 @@
               <a:buChar char="■"/>
               <a:defRPr sz="1100"/>
             </a:lvl3pPr>
-            <a:lvl4pPr indent="-298450" lvl="3" marL="1828800">
+            <a:lvl4pPr marL="1828800" lvl="3" indent="-298450">
               <a:spcBef>
                 <a:spcPts val="0"/>
               </a:spcBef>
@@ -384,7 +397,7 @@
               <a:buChar char="●"/>
               <a:defRPr sz="1100"/>
             </a:lvl4pPr>
-            <a:lvl5pPr indent="-298450" lvl="4" marL="2286000">
+            <a:lvl5pPr marL="2286000" lvl="4" indent="-298450">
               <a:spcBef>
                 <a:spcPts val="0"/>
               </a:spcBef>
@@ -395,7 +408,7 @@
               <a:buChar char="○"/>
               <a:defRPr sz="1100"/>
             </a:lvl5pPr>
-            <a:lvl6pPr indent="-298450" lvl="5" marL="2743200">
+            <a:lvl6pPr marL="2743200" lvl="5" indent="-298450">
               <a:spcBef>
                 <a:spcPts val="0"/>
               </a:spcBef>
@@ -406,7 +419,7 @@
               <a:buChar char="■"/>
               <a:defRPr sz="1100"/>
             </a:lvl6pPr>
-            <a:lvl7pPr indent="-298450" lvl="6" marL="3200400">
+            <a:lvl7pPr marL="3200400" lvl="6" indent="-298450">
               <a:spcBef>
                 <a:spcPts val="0"/>
               </a:spcBef>
@@ -417,7 +430,7 @@
               <a:buChar char="●"/>
               <a:defRPr sz="1100"/>
             </a:lvl7pPr>
-            <a:lvl8pPr indent="-298450" lvl="7" marL="3657600">
+            <a:lvl8pPr marL="3657600" lvl="7" indent="-298450">
               <a:spcBef>
                 <a:spcPts val="0"/>
               </a:spcBef>
@@ -428,7 +441,7 @@
               <a:buChar char="○"/>
               <a:defRPr sz="1100"/>
             </a:lvl8pPr>
-            <a:lvl9pPr indent="-298450" lvl="8" marL="4114800">
+            <a:lvl9pPr marL="4114800" lvl="8" indent="-298450">
               <a:spcBef>
                 <a:spcPts val="0"/>
               </a:spcBef>
@@ -440,14 +453,16 @@
               <a:defRPr sz="1100"/>
             </a:lvl9pPr>
           </a:lstStyle>
-          <a:p/>
+          <a:p>
+            <a:endParaRPr/>
+          </a:p>
         </p:txBody>
       </p:sp>
     </p:spTree>
   </p:cSld>
-  <p:clrMap accent1="accent1" accent2="accent2" accent3="accent3" accent4="accent4" accent5="accent5" accent6="accent6" bg1="lt1" bg2="dk2" tx1="dk1" tx2="lt2" folHlink="folHlink" hlink="hlink"/>
+  <p:clrMap bg1="lt1" tx1="dk1" bg2="dk2" tx2="lt2" accent1="accent1" accent2="accent2" accent3="accent3" accent4="accent4" accent5="accent5" accent6="accent6" hlink="hlink" folHlink="folHlink"/>
   <p:notesStyle>
-    <a:defPPr lvl="0" marR="0" rtl="0" algn="l">
+    <a:defPPr marR="0" lvl="0" algn="l" rtl="0">
       <a:lnSpc>
         <a:spcPct val="100000"/>
       </a:lnSpc>
@@ -458,7 +473,7 @@
         <a:spcPts val="0"/>
       </a:spcAft>
     </a:defPPr>
-    <a:lvl1pPr lvl="0" marR="0" rtl="0" algn="l">
+    <a:lvl1pPr marR="0" lvl="0" algn="l" rtl="0">
       <a:lnSpc>
         <a:spcPct val="100000"/>
       </a:lnSpc>
@@ -472,7 +487,7 @@
         <a:srgbClr val="000000"/>
       </a:buClr>
       <a:buFont typeface="Arial"/>
-      <a:defRPr b="0" i="0" sz="1400" u="none" cap="none" strike="noStrike">
+      <a:defRPr sz="1400" b="0" i="0" u="none" strike="noStrike" cap="none">
         <a:solidFill>
           <a:srgbClr val="000000"/>
         </a:solidFill>
@@ -482,7 +497,7 @@
         <a:sym typeface="Arial"/>
       </a:defRPr>
     </a:lvl1pPr>
-    <a:lvl2pPr lvl="1" marR="0" rtl="0" algn="l">
+    <a:lvl2pPr marR="0" lvl="1" algn="l" rtl="0">
       <a:lnSpc>
         <a:spcPct val="100000"/>
       </a:lnSpc>
@@ -496,7 +511,7 @@
         <a:srgbClr val="000000"/>
       </a:buClr>
       <a:buFont typeface="Arial"/>
-      <a:defRPr b="0" i="0" sz="1400" u="none" cap="none" strike="noStrike">
+      <a:defRPr sz="1400" b="0" i="0" u="none" strike="noStrike" cap="none">
         <a:solidFill>
           <a:srgbClr val="000000"/>
         </a:solidFill>
@@ -506,7 +521,7 @@
         <a:sym typeface="Arial"/>
       </a:defRPr>
     </a:lvl2pPr>
-    <a:lvl3pPr lvl="2" marR="0" rtl="0" algn="l">
+    <a:lvl3pPr marR="0" lvl="2" algn="l" rtl="0">
       <a:lnSpc>
         <a:spcPct val="100000"/>
       </a:lnSpc>
@@ -520,7 +535,7 @@
         <a:srgbClr val="000000"/>
       </a:buClr>
       <a:buFont typeface="Arial"/>
-      <a:defRPr b="0" i="0" sz="1400" u="none" cap="none" strike="noStrike">
+      <a:defRPr sz="1400" b="0" i="0" u="none" strike="noStrike" cap="none">
         <a:solidFill>
           <a:srgbClr val="000000"/>
         </a:solidFill>
@@ -530,7 +545,7 @@
         <a:sym typeface="Arial"/>
       </a:defRPr>
     </a:lvl3pPr>
-    <a:lvl4pPr lvl="3" marR="0" rtl="0" algn="l">
+    <a:lvl4pPr marR="0" lvl="3" algn="l" rtl="0">
       <a:lnSpc>
         <a:spcPct val="100000"/>
       </a:lnSpc>
@@ -544,7 +559,7 @@
         <a:srgbClr val="000000"/>
       </a:buClr>
       <a:buFont typeface="Arial"/>
-      <a:defRPr b="0" i="0" sz="1400" u="none" cap="none" strike="noStrike">
+      <a:defRPr sz="1400" b="0" i="0" u="none" strike="noStrike" cap="none">
         <a:solidFill>
           <a:srgbClr val="000000"/>
         </a:solidFill>
@@ -554,7 +569,7 @@
         <a:sym typeface="Arial"/>
       </a:defRPr>
     </a:lvl4pPr>
-    <a:lvl5pPr lvl="4" marR="0" rtl="0" algn="l">
+    <a:lvl5pPr marR="0" lvl="4" algn="l" rtl="0">
       <a:lnSpc>
         <a:spcPct val="100000"/>
       </a:lnSpc>
@@ -568,7 +583,7 @@
         <a:srgbClr val="000000"/>
       </a:buClr>
       <a:buFont typeface="Arial"/>
-      <a:defRPr b="0" i="0" sz="1400" u="none" cap="none" strike="noStrike">
+      <a:defRPr sz="1400" b="0" i="0" u="none" strike="noStrike" cap="none">
         <a:solidFill>
           <a:srgbClr val="000000"/>
         </a:solidFill>
@@ -578,7 +593,7 @@
         <a:sym typeface="Arial"/>
       </a:defRPr>
     </a:lvl5pPr>
-    <a:lvl6pPr lvl="5" marR="0" rtl="0" algn="l">
+    <a:lvl6pPr marR="0" lvl="5" algn="l" rtl="0">
       <a:lnSpc>
         <a:spcPct val="100000"/>
       </a:lnSpc>
@@ -592,7 +607,7 @@
         <a:srgbClr val="000000"/>
       </a:buClr>
       <a:buFont typeface="Arial"/>
-      <a:defRPr b="0" i="0" sz="1400" u="none" cap="none" strike="noStrike">
+      <a:defRPr sz="1400" b="0" i="0" u="none" strike="noStrike" cap="none">
         <a:solidFill>
           <a:srgbClr val="000000"/>
         </a:solidFill>
@@ -602,7 +617,7 @@
         <a:sym typeface="Arial"/>
       </a:defRPr>
     </a:lvl6pPr>
-    <a:lvl7pPr lvl="6" marR="0" rtl="0" algn="l">
+    <a:lvl7pPr marR="0" lvl="6" algn="l" rtl="0">
       <a:lnSpc>
         <a:spcPct val="100000"/>
       </a:lnSpc>
@@ -616,7 +631,7 @@
         <a:srgbClr val="000000"/>
       </a:buClr>
       <a:buFont typeface="Arial"/>
-      <a:defRPr b="0" i="0" sz="1400" u="none" cap="none" strike="noStrike">
+      <a:defRPr sz="1400" b="0" i="0" u="none" strike="noStrike" cap="none">
         <a:solidFill>
           <a:srgbClr val="000000"/>
         </a:solidFill>
@@ -626,7 +641,7 @@
         <a:sym typeface="Arial"/>
       </a:defRPr>
     </a:lvl7pPr>
-    <a:lvl8pPr lvl="7" marR="0" rtl="0" algn="l">
+    <a:lvl8pPr marR="0" lvl="7" algn="l" rtl="0">
       <a:lnSpc>
         <a:spcPct val="100000"/>
       </a:lnSpc>
@@ -640,7 +655,7 @@
         <a:srgbClr val="000000"/>
       </a:buClr>
       <a:buFont typeface="Arial"/>
-      <a:defRPr b="0" i="0" sz="1400" u="none" cap="none" strike="noStrike">
+      <a:defRPr sz="1400" b="0" i="0" u="none" strike="noStrike" cap="none">
         <a:solidFill>
           <a:srgbClr val="000000"/>
         </a:solidFill>
@@ -650,7 +665,7 @@
         <a:sym typeface="Arial"/>
       </a:defRPr>
     </a:lvl8pPr>
-    <a:lvl9pPr lvl="8" marR="0" rtl="0" algn="l">
+    <a:lvl9pPr marR="0" lvl="8" algn="l" rtl="0">
       <a:lnSpc>
         <a:spcPct val="100000"/>
       </a:lnSpc>
@@ -664,7 +679,7 @@
         <a:srgbClr val="000000"/>
       </a:buClr>
       <a:buFont typeface="Arial"/>
-      <a:defRPr b="0" i="0" sz="1400" u="none" cap="none" strike="noStrike">
+      <a:defRPr sz="1400" b="0" i="0" u="none" strike="noStrike" cap="none">
         <a:solidFill>
           <a:srgbClr val="000000"/>
         </a:solidFill>
@@ -679,11 +694,11 @@
 </file>
 
 <file path=ppt/notesSlides/notesSlide1.xml><?xml version="1.0" encoding="utf-8"?>
-<p:notes xmlns:a="http://schemas.openxmlformats.org/drawingml/2006/main" xmlns:r="http://schemas.openxmlformats.org/officeDocument/2006/relationships" xmlns:mc="http://schemas.openxmlformats.org/markup-compatibility/2006" xmlns:mv="urn:schemas-microsoft-com:mac:vml" xmlns:p="http://schemas.openxmlformats.org/presentationml/2006/main" xmlns:c="http://schemas.openxmlformats.org/drawingml/2006/chart" xmlns:dgm="http://schemas.openxmlformats.org/drawingml/2006/diagram" xmlns:o="urn:schemas-microsoft-com:office:office" xmlns:v="urn:schemas-microsoft-com:vml" xmlns:pvml="urn:schemas-microsoft-com:office:powerpoint" xmlns:com="http://schemas.openxmlformats.org/drawingml/2006/compatibility" xmlns:p14="http://schemas.microsoft.com/office/powerpoint/2010/main" xmlns:p15="http://schemas.microsoft.com/office/powerpoint/2012/main" xmlns:ahyp="http://schemas.microsoft.com/office/drawing/2018/hyperlinkcolor" showMasterPhAnim="0" showMasterSp="0">
+<p:notes xmlns:a="http://schemas.openxmlformats.org/drawingml/2006/main" xmlns:r="http://schemas.openxmlformats.org/officeDocument/2006/relationships" xmlns:p="http://schemas.openxmlformats.org/presentationml/2006/main" showMasterSp="0" showMasterPhAnim="0">
   <p:cSld>
     <p:spTree>
       <p:nvGrpSpPr>
-        <p:cNvPr id="50" name="Shape 50"/>
+        <p:cNvPr id="1" name="Shape 50"/>
         <p:cNvGrpSpPr/>
         <p:nvPr/>
       </p:nvGrpSpPr>
@@ -698,20 +713,26 @@
       <p:sp>
         <p:nvSpPr>
           <p:cNvPr id="51" name="Google Shape;51;p:notes"/>
-          <p:cNvSpPr/>
+          <p:cNvSpPr>
+            <a:spLocks noGrp="1" noRot="1" noChangeAspect="1"/>
+          </p:cNvSpPr>
           <p:nvPr>
-            <p:ph idx="2" type="sldImg"/>
+            <p:ph type="sldImg" idx="2"/>
           </p:nvPr>
         </p:nvSpPr>
         <p:spPr>
           <a:xfrm>
-            <a:off x="381300" y="685800"/>
-            <a:ext cx="6096075" cy="3429000"/>
+            <a:off x="381000" y="685800"/>
+            <a:ext cx="6096000" cy="3429000"/>
           </a:xfrm>
           <a:custGeom>
-            <a:rect b="b" l="l" r="r" t="t"/>
+            <a:avLst/>
+            <a:gdLst/>
+            <a:ahLst/>
+            <a:cxnLst/>
+            <a:rect l="l" t="t" r="r" b="b"/>
             <a:pathLst>
-              <a:path extrusionOk="0" h="120000" w="120000">
+              <a:path w="120000" h="120000" extrusionOk="0">
                 <a:moveTo>
                   <a:pt x="0" y="0"/>
                 </a:moveTo>
@@ -733,9 +754,11 @@
       <p:sp>
         <p:nvSpPr>
           <p:cNvPr id="52" name="Google Shape;52;p:notes"/>
-          <p:cNvSpPr txBox="1"/>
+          <p:cNvSpPr txBox="1">
+            <a:spLocks noGrp="1"/>
+          </p:cNvSpPr>
           <p:nvPr>
-            <p:ph idx="1" type="body"/>
+            <p:ph type="body" idx="1"/>
           </p:nvPr>
         </p:nvSpPr>
         <p:spPr>
@@ -748,12 +771,12 @@
           </a:prstGeom>
         </p:spPr>
         <p:txBody>
-          <a:bodyPr anchorCtr="0" anchor="t" bIns="91425" lIns="91425" spcFirstLastPara="1" rIns="91425" wrap="square" tIns="91425">
+          <a:bodyPr spcFirstLastPara="1" wrap="square" lIns="91425" tIns="91425" rIns="91425" bIns="91425" anchor="t" anchorCtr="0">
             <a:noAutofit/>
           </a:bodyPr>
           <a:lstStyle/>
           <a:p>
-            <a:pPr indent="0" lvl="0" marL="0" rtl="0" algn="l">
+            <a:pPr marL="0" lvl="0" indent="0" algn="l" rtl="0">
               <a:spcBef>
                 <a:spcPts val="0"/>
               </a:spcBef>
@@ -762,9 +785,6 @@
               </a:spcAft>
               <a:buNone/>
             </a:pPr>
-            <a:r>
-              <a:t/>
-            </a:r>
             <a:endParaRPr/>
           </a:p>
         </p:txBody>
@@ -778,11 +798,11 @@
 </file>
 
 <file path=ppt/notesSlides/notesSlide2.xml><?xml version="1.0" encoding="utf-8"?>
-<p:notes xmlns:a="http://schemas.openxmlformats.org/drawingml/2006/main" xmlns:r="http://schemas.openxmlformats.org/officeDocument/2006/relationships" xmlns:mc="http://schemas.openxmlformats.org/markup-compatibility/2006" xmlns:mv="urn:schemas-microsoft-com:mac:vml" xmlns:p="http://schemas.openxmlformats.org/presentationml/2006/main" xmlns:c="http://schemas.openxmlformats.org/drawingml/2006/chart" xmlns:dgm="http://schemas.openxmlformats.org/drawingml/2006/diagram" xmlns:o="urn:schemas-microsoft-com:office:office" xmlns:v="urn:schemas-microsoft-com:vml" xmlns:pvml="urn:schemas-microsoft-com:office:powerpoint" xmlns:com="http://schemas.openxmlformats.org/drawingml/2006/compatibility" xmlns:p14="http://schemas.microsoft.com/office/powerpoint/2010/main" xmlns:p15="http://schemas.microsoft.com/office/powerpoint/2012/main" xmlns:ahyp="http://schemas.microsoft.com/office/drawing/2018/hyperlinkcolor" showMasterPhAnim="0" showMasterSp="0">
+<p:notes xmlns:a="http://schemas.openxmlformats.org/drawingml/2006/main" xmlns:r="http://schemas.openxmlformats.org/officeDocument/2006/relationships" xmlns:p="http://schemas.openxmlformats.org/presentationml/2006/main" showMasterSp="0" showMasterPhAnim="0">
   <p:cSld>
     <p:spTree>
       <p:nvGrpSpPr>
-        <p:cNvPr id="55" name="Shape 55"/>
+        <p:cNvPr id="1" name="Shape 55"/>
         <p:cNvGrpSpPr/>
         <p:nvPr/>
       </p:nvGrpSpPr>
@@ -797,9 +817,11 @@
       <p:sp>
         <p:nvSpPr>
           <p:cNvPr id="56" name="Google Shape;56;g320332ed93_1_0:notes"/>
-          <p:cNvSpPr/>
+          <p:cNvSpPr>
+            <a:spLocks noGrp="1" noRot="1" noChangeAspect="1"/>
+          </p:cNvSpPr>
           <p:nvPr>
-            <p:ph idx="2" type="sldImg"/>
+            <p:ph type="sldImg" idx="2"/>
           </p:nvPr>
         </p:nvSpPr>
         <p:spPr>
@@ -808,9 +830,13 @@
             <a:ext cx="6096000" cy="3429000"/>
           </a:xfrm>
           <a:custGeom>
-            <a:rect b="b" l="l" r="r" t="t"/>
+            <a:avLst/>
+            <a:gdLst/>
+            <a:ahLst/>
+            <a:cxnLst/>
+            <a:rect l="l" t="t" r="r" b="b"/>
             <a:pathLst>
-              <a:path extrusionOk="0" h="120000" w="120000">
+              <a:path w="120000" h="120000" extrusionOk="0">
                 <a:moveTo>
                   <a:pt x="0" y="0"/>
                 </a:moveTo>
@@ -832,9 +858,11 @@
       <p:sp>
         <p:nvSpPr>
           <p:cNvPr id="57" name="Google Shape;57;g320332ed93_1_0:notes"/>
-          <p:cNvSpPr txBox="1"/>
+          <p:cNvSpPr txBox="1">
+            <a:spLocks noGrp="1"/>
+          </p:cNvSpPr>
           <p:nvPr>
-            <p:ph idx="1" type="body"/>
+            <p:ph type="body" idx="1"/>
           </p:nvPr>
         </p:nvSpPr>
         <p:spPr>
@@ -847,12 +875,12 @@
           </a:prstGeom>
         </p:spPr>
         <p:txBody>
-          <a:bodyPr anchorCtr="0" anchor="t" bIns="91425" lIns="91425" spcFirstLastPara="1" rIns="91425" wrap="square" tIns="91425">
+          <a:bodyPr spcFirstLastPara="1" wrap="square" lIns="91425" tIns="91425" rIns="91425" bIns="91425" anchor="t" anchorCtr="0">
             <a:noAutofit/>
           </a:bodyPr>
           <a:lstStyle/>
           <a:p>
-            <a:pPr indent="0" lvl="0" marL="0" rtl="0" algn="l">
+            <a:pPr marL="0" lvl="0" indent="0" algn="l" rtl="0">
               <a:spcBef>
                 <a:spcPts val="0"/>
               </a:spcBef>
@@ -861,9 +889,6 @@
               </a:spcAft>
               <a:buNone/>
             </a:pPr>
-            <a:r>
-              <a:t/>
-            </a:r>
             <a:endParaRPr/>
           </a:p>
         </p:txBody>
@@ -877,110 +902,11 @@
 </file>
 
 <file path=ppt/notesSlides/notesSlide3.xml><?xml version="1.0" encoding="utf-8"?>
-<p:notes xmlns:a="http://schemas.openxmlformats.org/drawingml/2006/main" xmlns:r="http://schemas.openxmlformats.org/officeDocument/2006/relationships" xmlns:mc="http://schemas.openxmlformats.org/markup-compatibility/2006" xmlns:mv="urn:schemas-microsoft-com:mac:vml" xmlns:p="http://schemas.openxmlformats.org/presentationml/2006/main" xmlns:c="http://schemas.openxmlformats.org/drawingml/2006/chart" xmlns:dgm="http://schemas.openxmlformats.org/drawingml/2006/diagram" xmlns:o="urn:schemas-microsoft-com:office:office" xmlns:v="urn:schemas-microsoft-com:vml" xmlns:pvml="urn:schemas-microsoft-com:office:powerpoint" xmlns:com="http://schemas.openxmlformats.org/drawingml/2006/compatibility" xmlns:p14="http://schemas.microsoft.com/office/powerpoint/2010/main" xmlns:p15="http://schemas.microsoft.com/office/powerpoint/2012/main" xmlns:ahyp="http://schemas.microsoft.com/office/drawing/2018/hyperlinkcolor" showMasterPhAnim="0" showMasterSp="0">
+<p:notes xmlns:a="http://schemas.openxmlformats.org/drawingml/2006/main" xmlns:r="http://schemas.openxmlformats.org/officeDocument/2006/relationships" xmlns:p="http://schemas.openxmlformats.org/presentationml/2006/main" showMasterSp="0" showMasterPhAnim="0">
   <p:cSld>
     <p:spTree>
       <p:nvGrpSpPr>
-        <p:cNvPr id="59" name="Shape 59"/>
-        <p:cNvGrpSpPr/>
-        <p:nvPr/>
-      </p:nvGrpSpPr>
-      <p:grpSpPr>
-        <a:xfrm>
-          <a:off x="0" y="0"/>
-          <a:ext cx="0" cy="0"/>
-          <a:chOff x="0" y="0"/>
-          <a:chExt cx="0" cy="0"/>
-        </a:xfrm>
-      </p:grpSpPr>
-      <p:sp>
-        <p:nvSpPr>
-          <p:cNvPr id="60" name="Google Shape;60;g10fde82a15c_1_5:notes"/>
-          <p:cNvSpPr/>
-          <p:nvPr>
-            <p:ph idx="2" type="sldImg"/>
-          </p:nvPr>
-        </p:nvSpPr>
-        <p:spPr>
-          <a:xfrm>
-            <a:off x="381300" y="685800"/>
-            <a:ext cx="6096000" cy="3429000"/>
-          </a:xfrm>
-          <a:custGeom>
-            <a:rect b="b" l="l" r="r" t="t"/>
-            <a:pathLst>
-              <a:path extrusionOk="0" h="120000" w="120000">
-                <a:moveTo>
-                  <a:pt x="0" y="0"/>
-                </a:moveTo>
-                <a:lnTo>
-                  <a:pt x="120000" y="0"/>
-                </a:lnTo>
-                <a:lnTo>
-                  <a:pt x="120000" y="120000"/>
-                </a:lnTo>
-                <a:lnTo>
-                  <a:pt x="0" y="120000"/>
-                </a:lnTo>
-                <a:close/>
-              </a:path>
-            </a:pathLst>
-          </a:custGeom>
-        </p:spPr>
-      </p:sp>
-      <p:sp>
-        <p:nvSpPr>
-          <p:cNvPr id="61" name="Google Shape;61;g10fde82a15c_1_5:notes"/>
-          <p:cNvSpPr txBox="1"/>
-          <p:nvPr>
-            <p:ph idx="1" type="body"/>
-          </p:nvPr>
-        </p:nvSpPr>
-        <p:spPr>
-          <a:xfrm>
-            <a:off x="685800" y="4343400"/>
-            <a:ext cx="5486400" cy="4114800"/>
-          </a:xfrm>
-          <a:prstGeom prst="rect">
-            <a:avLst/>
-          </a:prstGeom>
-        </p:spPr>
-        <p:txBody>
-          <a:bodyPr anchorCtr="0" anchor="t" bIns="91425" lIns="91425" spcFirstLastPara="1" rIns="91425" wrap="square" tIns="91425">
-            <a:noAutofit/>
-          </a:bodyPr>
-          <a:lstStyle/>
-          <a:p>
-            <a:pPr indent="0" lvl="0" marL="0" rtl="0" algn="l">
-              <a:spcBef>
-                <a:spcPts val="0"/>
-              </a:spcBef>
-              <a:spcAft>
-                <a:spcPts val="0"/>
-              </a:spcAft>
-              <a:buNone/>
-            </a:pPr>
-            <a:r>
-              <a:t/>
-            </a:r>
-            <a:endParaRPr/>
-          </a:p>
-        </p:txBody>
-      </p:sp>
-    </p:spTree>
-  </p:cSld>
-  <p:clrMapOvr>
-    <a:masterClrMapping/>
-  </p:clrMapOvr>
-</p:notes>
-</file>
-
-<file path=ppt/notesSlides/notesSlide4.xml><?xml version="1.0" encoding="utf-8"?>
-<p:notes xmlns:a="http://schemas.openxmlformats.org/drawingml/2006/main" xmlns:r="http://schemas.openxmlformats.org/officeDocument/2006/relationships" xmlns:mc="http://schemas.openxmlformats.org/markup-compatibility/2006" xmlns:mv="urn:schemas-microsoft-com:mac:vml" xmlns:p="http://schemas.openxmlformats.org/presentationml/2006/main" xmlns:c="http://schemas.openxmlformats.org/drawingml/2006/chart" xmlns:dgm="http://schemas.openxmlformats.org/drawingml/2006/diagram" xmlns:o="urn:schemas-microsoft-com:office:office" xmlns:v="urn:schemas-microsoft-com:vml" xmlns:pvml="urn:schemas-microsoft-com:office:powerpoint" xmlns:com="http://schemas.openxmlformats.org/drawingml/2006/compatibility" xmlns:p14="http://schemas.microsoft.com/office/powerpoint/2010/main" xmlns:p15="http://schemas.microsoft.com/office/powerpoint/2012/main" xmlns:ahyp="http://schemas.microsoft.com/office/drawing/2018/hyperlinkcolor" showMasterPhAnim="0" showMasterSp="0">
-  <p:cSld>
-    <p:spTree>
-      <p:nvGrpSpPr>
-        <p:cNvPr id="63" name="Shape 63"/>
+        <p:cNvPr id="1" name="Shape 63"/>
         <p:cNvGrpSpPr/>
         <p:nvPr/>
       </p:nvGrpSpPr>
@@ -995,9 +921,11 @@
       <p:sp>
         <p:nvSpPr>
           <p:cNvPr id="64" name="Google Shape;64;g10fde82a15c_1_0:notes"/>
-          <p:cNvSpPr/>
+          <p:cNvSpPr>
+            <a:spLocks noGrp="1" noRot="1" noChangeAspect="1"/>
+          </p:cNvSpPr>
           <p:nvPr>
-            <p:ph idx="2" type="sldImg"/>
+            <p:ph type="sldImg" idx="2"/>
           </p:nvPr>
         </p:nvSpPr>
         <p:spPr>
@@ -1006,9 +934,13 @@
             <a:ext cx="6096000" cy="3429000"/>
           </a:xfrm>
           <a:custGeom>
-            <a:rect b="b" l="l" r="r" t="t"/>
+            <a:avLst/>
+            <a:gdLst/>
+            <a:ahLst/>
+            <a:cxnLst/>
+            <a:rect l="l" t="t" r="r" b="b"/>
             <a:pathLst>
-              <a:path extrusionOk="0" h="120000" w="120000">
+              <a:path w="120000" h="120000" extrusionOk="0">
                 <a:moveTo>
                   <a:pt x="0" y="0"/>
                 </a:moveTo>
@@ -1030,9 +962,11 @@
       <p:sp>
         <p:nvSpPr>
           <p:cNvPr id="65" name="Google Shape;65;g10fde82a15c_1_0:notes"/>
-          <p:cNvSpPr txBox="1"/>
+          <p:cNvSpPr txBox="1">
+            <a:spLocks noGrp="1"/>
+          </p:cNvSpPr>
           <p:nvPr>
-            <p:ph idx="1" type="body"/>
+            <p:ph type="body" idx="1"/>
           </p:nvPr>
         </p:nvSpPr>
         <p:spPr>
@@ -1045,12 +979,12 @@
           </a:prstGeom>
         </p:spPr>
         <p:txBody>
-          <a:bodyPr anchorCtr="0" anchor="t" bIns="91425" lIns="91425" spcFirstLastPara="1" rIns="91425" wrap="square" tIns="91425">
+          <a:bodyPr spcFirstLastPara="1" wrap="square" lIns="91425" tIns="91425" rIns="91425" bIns="91425" anchor="t" anchorCtr="0">
             <a:noAutofit/>
           </a:bodyPr>
           <a:lstStyle/>
           <a:p>
-            <a:pPr indent="0" lvl="0" marL="0" rtl="0" algn="l">
+            <a:pPr marL="0" lvl="0" indent="0" algn="l" rtl="0">
               <a:spcBef>
                 <a:spcPts val="0"/>
               </a:spcBef>
@@ -1059,9 +993,6 @@
               </a:spcAft>
               <a:buNone/>
             </a:pPr>
-            <a:r>
-              <a:t/>
-            </a:r>
             <a:endParaRPr/>
           </a:p>
         </p:txBody>
@@ -1074,12 +1005,12 @@
 </p:notes>
 </file>
 
-<file path=ppt/notesSlides/notesSlide5.xml><?xml version="1.0" encoding="utf-8"?>
-<p:notes xmlns:a="http://schemas.openxmlformats.org/drawingml/2006/main" xmlns:r="http://schemas.openxmlformats.org/officeDocument/2006/relationships" xmlns:mc="http://schemas.openxmlformats.org/markup-compatibility/2006" xmlns:mv="urn:schemas-microsoft-com:mac:vml" xmlns:p="http://schemas.openxmlformats.org/presentationml/2006/main" xmlns:c="http://schemas.openxmlformats.org/drawingml/2006/chart" xmlns:dgm="http://schemas.openxmlformats.org/drawingml/2006/diagram" xmlns:o="urn:schemas-microsoft-com:office:office" xmlns:v="urn:schemas-microsoft-com:vml" xmlns:pvml="urn:schemas-microsoft-com:office:powerpoint" xmlns:com="http://schemas.openxmlformats.org/drawingml/2006/compatibility" xmlns:p14="http://schemas.microsoft.com/office/powerpoint/2010/main" xmlns:p15="http://schemas.microsoft.com/office/powerpoint/2012/main" xmlns:ahyp="http://schemas.microsoft.com/office/drawing/2018/hyperlinkcolor" showMasterPhAnim="0" showMasterSp="0">
+<file path=ppt/notesSlides/notesSlide4.xml><?xml version="1.0" encoding="utf-8"?>
+<p:notes xmlns:a="http://schemas.openxmlformats.org/drawingml/2006/main" xmlns:r="http://schemas.openxmlformats.org/officeDocument/2006/relationships" xmlns:p="http://schemas.openxmlformats.org/presentationml/2006/main" showMasterSp="0" showMasterPhAnim="0">
   <p:cSld>
     <p:spTree>
       <p:nvGrpSpPr>
-        <p:cNvPr id="67" name="Shape 67"/>
+        <p:cNvPr id="1" name="Shape 67"/>
         <p:cNvGrpSpPr/>
         <p:nvPr/>
       </p:nvGrpSpPr>
@@ -1094,9 +1025,11 @@
       <p:sp>
         <p:nvSpPr>
           <p:cNvPr id="68" name="Google Shape;68;g10fde82a15c_1_11:notes"/>
-          <p:cNvSpPr/>
+          <p:cNvSpPr>
+            <a:spLocks noGrp="1" noRot="1" noChangeAspect="1"/>
+          </p:cNvSpPr>
           <p:nvPr>
-            <p:ph idx="2" type="sldImg"/>
+            <p:ph type="sldImg" idx="2"/>
           </p:nvPr>
         </p:nvSpPr>
         <p:spPr>
@@ -1105,9 +1038,13 @@
             <a:ext cx="6096000" cy="3429000"/>
           </a:xfrm>
           <a:custGeom>
-            <a:rect b="b" l="l" r="r" t="t"/>
+            <a:avLst/>
+            <a:gdLst/>
+            <a:ahLst/>
+            <a:cxnLst/>
+            <a:rect l="l" t="t" r="r" b="b"/>
             <a:pathLst>
-              <a:path extrusionOk="0" h="120000" w="120000">
+              <a:path w="120000" h="120000" extrusionOk="0">
                 <a:moveTo>
                   <a:pt x="0" y="0"/>
                 </a:moveTo>
@@ -1129,9 +1066,11 @@
       <p:sp>
         <p:nvSpPr>
           <p:cNvPr id="69" name="Google Shape;69;g10fde82a15c_1_11:notes"/>
-          <p:cNvSpPr txBox="1"/>
+          <p:cNvSpPr txBox="1">
+            <a:spLocks noGrp="1"/>
+          </p:cNvSpPr>
           <p:nvPr>
-            <p:ph idx="1" type="body"/>
+            <p:ph type="body" idx="1"/>
           </p:nvPr>
         </p:nvSpPr>
         <p:spPr>
@@ -1144,12 +1083,12 @@
           </a:prstGeom>
         </p:spPr>
         <p:txBody>
-          <a:bodyPr anchorCtr="0" anchor="t" bIns="91425" lIns="91425" spcFirstLastPara="1" rIns="91425" wrap="square" tIns="91425">
+          <a:bodyPr spcFirstLastPara="1" wrap="square" lIns="91425" tIns="91425" rIns="91425" bIns="91425" anchor="t" anchorCtr="0">
             <a:noAutofit/>
           </a:bodyPr>
           <a:lstStyle/>
           <a:p>
-            <a:pPr indent="0" lvl="0" marL="0" rtl="0" algn="l">
+            <a:pPr marL="0" lvl="0" indent="0" algn="l" rtl="0">
               <a:spcBef>
                 <a:spcPts val="0"/>
               </a:spcBef>
@@ -1158,9 +1097,6 @@
               </a:spcAft>
               <a:buNone/>
             </a:pPr>
-            <a:r>
-              <a:t/>
-            </a:r>
             <a:endParaRPr/>
           </a:p>
         </p:txBody>
@@ -1173,12 +1109,12 @@
 </p:notes>
 </file>
 
-<file path=ppt/notesSlides/notesSlide6.xml><?xml version="1.0" encoding="utf-8"?>
-<p:notes xmlns:a="http://schemas.openxmlformats.org/drawingml/2006/main" xmlns:r="http://schemas.openxmlformats.org/officeDocument/2006/relationships" xmlns:mc="http://schemas.openxmlformats.org/markup-compatibility/2006" xmlns:mv="urn:schemas-microsoft-com:mac:vml" xmlns:p="http://schemas.openxmlformats.org/presentationml/2006/main" xmlns:c="http://schemas.openxmlformats.org/drawingml/2006/chart" xmlns:dgm="http://schemas.openxmlformats.org/drawingml/2006/diagram" xmlns:o="urn:schemas-microsoft-com:office:office" xmlns:v="urn:schemas-microsoft-com:vml" xmlns:pvml="urn:schemas-microsoft-com:office:powerpoint" xmlns:com="http://schemas.openxmlformats.org/drawingml/2006/compatibility" xmlns:p14="http://schemas.microsoft.com/office/powerpoint/2010/main" xmlns:p15="http://schemas.microsoft.com/office/powerpoint/2012/main" xmlns:ahyp="http://schemas.microsoft.com/office/drawing/2018/hyperlinkcolor" showMasterPhAnim="0" showMasterSp="0">
+<file path=ppt/notesSlides/notesSlide5.xml><?xml version="1.0" encoding="utf-8"?>
+<p:notes xmlns:a="http://schemas.openxmlformats.org/drawingml/2006/main" xmlns:r="http://schemas.openxmlformats.org/officeDocument/2006/relationships" xmlns:p="http://schemas.openxmlformats.org/presentationml/2006/main" showMasterSp="0" showMasterPhAnim="0">
   <p:cSld>
     <p:spTree>
       <p:nvGrpSpPr>
-        <p:cNvPr id="71" name="Shape 71"/>
+        <p:cNvPr id="1" name="Shape 71"/>
         <p:cNvGrpSpPr/>
         <p:nvPr/>
       </p:nvGrpSpPr>
@@ -1193,9 +1129,11 @@
       <p:sp>
         <p:nvSpPr>
           <p:cNvPr id="72" name="Google Shape;72;g10fde82a15c_1_16:notes"/>
-          <p:cNvSpPr/>
+          <p:cNvSpPr>
+            <a:spLocks noGrp="1" noRot="1" noChangeAspect="1"/>
+          </p:cNvSpPr>
           <p:nvPr>
-            <p:ph idx="2" type="sldImg"/>
+            <p:ph type="sldImg" idx="2"/>
           </p:nvPr>
         </p:nvSpPr>
         <p:spPr>
@@ -1204,9 +1142,13 @@
             <a:ext cx="6096000" cy="3429000"/>
           </a:xfrm>
           <a:custGeom>
-            <a:rect b="b" l="l" r="r" t="t"/>
+            <a:avLst/>
+            <a:gdLst/>
+            <a:ahLst/>
+            <a:cxnLst/>
+            <a:rect l="l" t="t" r="r" b="b"/>
             <a:pathLst>
-              <a:path extrusionOk="0" h="120000" w="120000">
+              <a:path w="120000" h="120000" extrusionOk="0">
                 <a:moveTo>
                   <a:pt x="0" y="0"/>
                 </a:moveTo>
@@ -1228,9 +1170,11 @@
       <p:sp>
         <p:nvSpPr>
           <p:cNvPr id="73" name="Google Shape;73;g10fde82a15c_1_16:notes"/>
-          <p:cNvSpPr txBox="1"/>
+          <p:cNvSpPr txBox="1">
+            <a:spLocks noGrp="1"/>
+          </p:cNvSpPr>
           <p:nvPr>
-            <p:ph idx="1" type="body"/>
+            <p:ph type="body" idx="1"/>
           </p:nvPr>
         </p:nvSpPr>
         <p:spPr>
@@ -1243,12 +1187,12 @@
           </a:prstGeom>
         </p:spPr>
         <p:txBody>
-          <a:bodyPr anchorCtr="0" anchor="t" bIns="91425" lIns="91425" spcFirstLastPara="1" rIns="91425" wrap="square" tIns="91425">
+          <a:bodyPr spcFirstLastPara="1" wrap="square" lIns="91425" tIns="91425" rIns="91425" bIns="91425" anchor="t" anchorCtr="0">
             <a:noAutofit/>
           </a:bodyPr>
           <a:lstStyle/>
           <a:p>
-            <a:pPr indent="0" lvl="0" marL="0" rtl="0" algn="l">
+            <a:pPr marL="0" lvl="0" indent="0" algn="l" rtl="0">
               <a:spcBef>
                 <a:spcPts val="0"/>
               </a:spcBef>
@@ -1257,9 +1201,6 @@
               </a:spcAft>
               <a:buNone/>
             </a:pPr>
-            <a:r>
-              <a:t/>
-            </a:r>
             <a:endParaRPr/>
           </a:p>
         </p:txBody>
@@ -1272,12 +1213,12 @@
 </p:notes>
 </file>
 
-<file path=ppt/notesSlides/notesSlide7.xml><?xml version="1.0" encoding="utf-8"?>
-<p:notes xmlns:a="http://schemas.openxmlformats.org/drawingml/2006/main" xmlns:r="http://schemas.openxmlformats.org/officeDocument/2006/relationships" xmlns:mc="http://schemas.openxmlformats.org/markup-compatibility/2006" xmlns:mv="urn:schemas-microsoft-com:mac:vml" xmlns:p="http://schemas.openxmlformats.org/presentationml/2006/main" xmlns:c="http://schemas.openxmlformats.org/drawingml/2006/chart" xmlns:dgm="http://schemas.openxmlformats.org/drawingml/2006/diagram" xmlns:o="urn:schemas-microsoft-com:office:office" xmlns:v="urn:schemas-microsoft-com:vml" xmlns:pvml="urn:schemas-microsoft-com:office:powerpoint" xmlns:com="http://schemas.openxmlformats.org/drawingml/2006/compatibility" xmlns:p14="http://schemas.microsoft.com/office/powerpoint/2010/main" xmlns:p15="http://schemas.microsoft.com/office/powerpoint/2012/main" xmlns:ahyp="http://schemas.microsoft.com/office/drawing/2018/hyperlinkcolor" showMasterPhAnim="0" showMasterSp="0">
+<file path=ppt/notesSlides/notesSlide6.xml><?xml version="1.0" encoding="utf-8"?>
+<p:notes xmlns:a="http://schemas.openxmlformats.org/drawingml/2006/main" xmlns:r="http://schemas.openxmlformats.org/officeDocument/2006/relationships" xmlns:p="http://schemas.openxmlformats.org/presentationml/2006/main" showMasterSp="0" showMasterPhAnim="0">
   <p:cSld>
     <p:spTree>
       <p:nvGrpSpPr>
-        <p:cNvPr id="75" name="Shape 75"/>
+        <p:cNvPr id="1" name="Shape 75"/>
         <p:cNvGrpSpPr/>
         <p:nvPr/>
       </p:nvGrpSpPr>
@@ -1292,9 +1233,11 @@
       <p:sp>
         <p:nvSpPr>
           <p:cNvPr id="76" name="Google Shape;76;g29f43f0a72_0_15:notes"/>
-          <p:cNvSpPr/>
+          <p:cNvSpPr>
+            <a:spLocks noGrp="1" noRot="1" noChangeAspect="1"/>
+          </p:cNvSpPr>
           <p:nvPr>
-            <p:ph idx="2" type="sldImg"/>
+            <p:ph type="sldImg" idx="2"/>
           </p:nvPr>
         </p:nvSpPr>
         <p:spPr>
@@ -1303,9 +1246,13 @@
             <a:ext cx="6096000" cy="3429000"/>
           </a:xfrm>
           <a:custGeom>
-            <a:rect b="b" l="l" r="r" t="t"/>
+            <a:avLst/>
+            <a:gdLst/>
+            <a:ahLst/>
+            <a:cxnLst/>
+            <a:rect l="l" t="t" r="r" b="b"/>
             <a:pathLst>
-              <a:path extrusionOk="0" h="120000" w="120000">
+              <a:path w="120000" h="120000" extrusionOk="0">
                 <a:moveTo>
                   <a:pt x="0" y="0"/>
                 </a:moveTo>
@@ -1327,9 +1274,11 @@
       <p:sp>
         <p:nvSpPr>
           <p:cNvPr id="77" name="Google Shape;77;g29f43f0a72_0_15:notes"/>
-          <p:cNvSpPr txBox="1"/>
+          <p:cNvSpPr txBox="1">
+            <a:spLocks noGrp="1"/>
+          </p:cNvSpPr>
           <p:nvPr>
-            <p:ph idx="1" type="body"/>
+            <p:ph type="body" idx="1"/>
           </p:nvPr>
         </p:nvSpPr>
         <p:spPr>
@@ -1342,12 +1291,12 @@
           </a:prstGeom>
         </p:spPr>
         <p:txBody>
-          <a:bodyPr anchorCtr="0" anchor="t" bIns="91425" lIns="91425" spcFirstLastPara="1" rIns="91425" wrap="square" tIns="91425">
+          <a:bodyPr spcFirstLastPara="1" wrap="square" lIns="91425" tIns="91425" rIns="91425" bIns="91425" anchor="t" anchorCtr="0">
             <a:noAutofit/>
           </a:bodyPr>
           <a:lstStyle/>
           <a:p>
-            <a:pPr indent="0" lvl="0" marL="0" rtl="0" algn="l">
+            <a:pPr marL="0" lvl="0" indent="0" algn="l" rtl="0">
               <a:spcBef>
                 <a:spcPts val="0"/>
               </a:spcBef>
@@ -1356,9 +1305,6 @@
               </a:spcAft>
               <a:buNone/>
             </a:pPr>
-            <a:r>
-              <a:t/>
-            </a:r>
             <a:endParaRPr/>
           </a:p>
         </p:txBody>
@@ -1371,12 +1317,12 @@
 </p:notes>
 </file>
 
-<file path=ppt/notesSlides/notesSlide8.xml><?xml version="1.0" encoding="utf-8"?>
-<p:notes xmlns:a="http://schemas.openxmlformats.org/drawingml/2006/main" xmlns:r="http://schemas.openxmlformats.org/officeDocument/2006/relationships" xmlns:mc="http://schemas.openxmlformats.org/markup-compatibility/2006" xmlns:mv="urn:schemas-microsoft-com:mac:vml" xmlns:p="http://schemas.openxmlformats.org/presentationml/2006/main" xmlns:c="http://schemas.openxmlformats.org/drawingml/2006/chart" xmlns:dgm="http://schemas.openxmlformats.org/drawingml/2006/diagram" xmlns:o="urn:schemas-microsoft-com:office:office" xmlns:v="urn:schemas-microsoft-com:vml" xmlns:pvml="urn:schemas-microsoft-com:office:powerpoint" xmlns:com="http://schemas.openxmlformats.org/drawingml/2006/compatibility" xmlns:p14="http://schemas.microsoft.com/office/powerpoint/2010/main" xmlns:p15="http://schemas.microsoft.com/office/powerpoint/2012/main" xmlns:ahyp="http://schemas.microsoft.com/office/drawing/2018/hyperlinkcolor" showMasterPhAnim="0" showMasterSp="0">
+<file path=ppt/notesSlides/notesSlide7.xml><?xml version="1.0" encoding="utf-8"?>
+<p:notes xmlns:a="http://schemas.openxmlformats.org/drawingml/2006/main" xmlns:r="http://schemas.openxmlformats.org/officeDocument/2006/relationships" xmlns:p="http://schemas.openxmlformats.org/presentationml/2006/main" showMasterSp="0" showMasterPhAnim="0">
   <p:cSld>
     <p:spTree>
       <p:nvGrpSpPr>
-        <p:cNvPr id="80" name="Shape 80"/>
+        <p:cNvPr id="1" name="Shape 80"/>
         <p:cNvGrpSpPr/>
         <p:nvPr/>
       </p:nvGrpSpPr>
@@ -1391,9 +1337,11 @@
       <p:sp>
         <p:nvSpPr>
           <p:cNvPr id="81" name="Google Shape;81;g10fde82a15c_1_21:notes"/>
-          <p:cNvSpPr/>
+          <p:cNvSpPr>
+            <a:spLocks noGrp="1" noRot="1" noChangeAspect="1"/>
+          </p:cNvSpPr>
           <p:nvPr>
-            <p:ph idx="2" type="sldImg"/>
+            <p:ph type="sldImg" idx="2"/>
           </p:nvPr>
         </p:nvSpPr>
         <p:spPr>
@@ -1402,9 +1350,13 @@
             <a:ext cx="6096000" cy="3429000"/>
           </a:xfrm>
           <a:custGeom>
-            <a:rect b="b" l="l" r="r" t="t"/>
+            <a:avLst/>
+            <a:gdLst/>
+            <a:ahLst/>
+            <a:cxnLst/>
+            <a:rect l="l" t="t" r="r" b="b"/>
             <a:pathLst>
-              <a:path extrusionOk="0" h="120000" w="120000">
+              <a:path w="120000" h="120000" extrusionOk="0">
                 <a:moveTo>
                   <a:pt x="0" y="0"/>
                 </a:moveTo>
@@ -1426,9 +1378,11 @@
       <p:sp>
         <p:nvSpPr>
           <p:cNvPr id="82" name="Google Shape;82;g10fde82a15c_1_21:notes"/>
-          <p:cNvSpPr txBox="1"/>
+          <p:cNvSpPr txBox="1">
+            <a:spLocks noGrp="1"/>
+          </p:cNvSpPr>
           <p:nvPr>
-            <p:ph idx="1" type="body"/>
+            <p:ph type="body" idx="1"/>
           </p:nvPr>
         </p:nvSpPr>
         <p:spPr>
@@ -1441,12 +1395,12 @@
           </a:prstGeom>
         </p:spPr>
         <p:txBody>
-          <a:bodyPr anchorCtr="0" anchor="t" bIns="91425" lIns="91425" spcFirstLastPara="1" rIns="91425" wrap="square" tIns="91425">
+          <a:bodyPr spcFirstLastPara="1" wrap="square" lIns="91425" tIns="91425" rIns="91425" bIns="91425" anchor="t" anchorCtr="0">
             <a:noAutofit/>
           </a:bodyPr>
           <a:lstStyle/>
           <a:p>
-            <a:pPr indent="0" lvl="0" marL="0" rtl="0" algn="l">
+            <a:pPr marL="0" lvl="0" indent="0" algn="l" rtl="0">
               <a:spcBef>
                 <a:spcPts val="0"/>
               </a:spcBef>
@@ -1455,9 +1409,6 @@
               </a:spcAft>
               <a:buNone/>
             </a:pPr>
-            <a:r>
-              <a:t/>
-            </a:r>
             <a:endParaRPr/>
           </a:p>
         </p:txBody>
@@ -1470,12 +1421,12 @@
 </p:notes>
 </file>
 
-<file path=ppt/notesSlides/notesSlide9.xml><?xml version="1.0" encoding="utf-8"?>
-<p:notes xmlns:a="http://schemas.openxmlformats.org/drawingml/2006/main" xmlns:r="http://schemas.openxmlformats.org/officeDocument/2006/relationships" xmlns:mc="http://schemas.openxmlformats.org/markup-compatibility/2006" xmlns:mv="urn:schemas-microsoft-com:mac:vml" xmlns:p="http://schemas.openxmlformats.org/presentationml/2006/main" xmlns:c="http://schemas.openxmlformats.org/drawingml/2006/chart" xmlns:dgm="http://schemas.openxmlformats.org/drawingml/2006/diagram" xmlns:o="urn:schemas-microsoft-com:office:office" xmlns:v="urn:schemas-microsoft-com:vml" xmlns:pvml="urn:schemas-microsoft-com:office:powerpoint" xmlns:com="http://schemas.openxmlformats.org/drawingml/2006/compatibility" xmlns:p14="http://schemas.microsoft.com/office/powerpoint/2010/main" xmlns:p15="http://schemas.microsoft.com/office/powerpoint/2012/main" xmlns:ahyp="http://schemas.microsoft.com/office/drawing/2018/hyperlinkcolor" showMasterPhAnim="0" showMasterSp="0">
+<file path=ppt/notesSlides/notesSlide8.xml><?xml version="1.0" encoding="utf-8"?>
+<p:notes xmlns:a="http://schemas.openxmlformats.org/drawingml/2006/main" xmlns:r="http://schemas.openxmlformats.org/officeDocument/2006/relationships" xmlns:p="http://schemas.openxmlformats.org/presentationml/2006/main" showMasterSp="0" showMasterPhAnim="0">
   <p:cSld>
     <p:spTree>
       <p:nvGrpSpPr>
-        <p:cNvPr id="84" name="Shape 84"/>
+        <p:cNvPr id="1" name="Shape 84"/>
         <p:cNvGrpSpPr/>
         <p:nvPr/>
       </p:nvGrpSpPr>
@@ -1490,9 +1441,11 @@
       <p:sp>
         <p:nvSpPr>
           <p:cNvPr id="85" name="Google Shape;85;g29f43f0a72_0_24:notes"/>
-          <p:cNvSpPr/>
+          <p:cNvSpPr>
+            <a:spLocks noGrp="1" noRot="1" noChangeAspect="1"/>
+          </p:cNvSpPr>
           <p:nvPr>
-            <p:ph idx="2" type="sldImg"/>
+            <p:ph type="sldImg" idx="2"/>
           </p:nvPr>
         </p:nvSpPr>
         <p:spPr>
@@ -1501,9 +1454,13 @@
             <a:ext cx="6096000" cy="3429000"/>
           </a:xfrm>
           <a:custGeom>
-            <a:rect b="b" l="l" r="r" t="t"/>
+            <a:avLst/>
+            <a:gdLst/>
+            <a:ahLst/>
+            <a:cxnLst/>
+            <a:rect l="l" t="t" r="r" b="b"/>
             <a:pathLst>
-              <a:path extrusionOk="0" h="120000" w="120000">
+              <a:path w="120000" h="120000" extrusionOk="0">
                 <a:moveTo>
                   <a:pt x="0" y="0"/>
                 </a:moveTo>
@@ -1525,9 +1482,11 @@
       <p:sp>
         <p:nvSpPr>
           <p:cNvPr id="86" name="Google Shape;86;g29f43f0a72_0_24:notes"/>
-          <p:cNvSpPr txBox="1"/>
+          <p:cNvSpPr txBox="1">
+            <a:spLocks noGrp="1"/>
+          </p:cNvSpPr>
           <p:nvPr>
-            <p:ph idx="1" type="body"/>
+            <p:ph type="body" idx="1"/>
           </p:nvPr>
         </p:nvSpPr>
         <p:spPr>
@@ -1540,12 +1499,12 @@
           </a:prstGeom>
         </p:spPr>
         <p:txBody>
-          <a:bodyPr anchorCtr="0" anchor="t" bIns="91425" lIns="91425" spcFirstLastPara="1" rIns="91425" wrap="square" tIns="91425">
+          <a:bodyPr spcFirstLastPara="1" wrap="square" lIns="91425" tIns="91425" rIns="91425" bIns="91425" anchor="t" anchorCtr="0">
             <a:noAutofit/>
           </a:bodyPr>
           <a:lstStyle/>
           <a:p>
-            <a:pPr indent="0" lvl="0" marL="0" rtl="0" algn="l">
+            <a:pPr marL="0" lvl="0" indent="0" algn="l" rtl="0">
               <a:spcBef>
                 <a:spcPts val="0"/>
               </a:spcBef>
@@ -1554,9 +1513,6 @@
               </a:spcAft>
               <a:buNone/>
             </a:pPr>
-            <a:r>
-              <a:t/>
-            </a:r>
             <a:endParaRPr/>
           </a:p>
         </p:txBody>
@@ -1570,11 +1526,11 @@
 </file>
 
 <file path=ppt/slideLayouts/slideLayout1.xml><?xml version="1.0" encoding="utf-8"?>
-<p:sldLayout xmlns:a="http://schemas.openxmlformats.org/drawingml/2006/main" xmlns:r="http://schemas.openxmlformats.org/officeDocument/2006/relationships" xmlns:mc="http://schemas.openxmlformats.org/markup-compatibility/2006" xmlns:mv="urn:schemas-microsoft-com:mac:vml" xmlns:p="http://schemas.openxmlformats.org/presentationml/2006/main" xmlns:c="http://schemas.openxmlformats.org/drawingml/2006/chart" xmlns:dgm="http://schemas.openxmlformats.org/drawingml/2006/diagram" xmlns:o="urn:schemas-microsoft-com:office:office" xmlns:v="urn:schemas-microsoft-com:vml" xmlns:pvml="urn:schemas-microsoft-com:office:powerpoint" xmlns:com="http://schemas.openxmlformats.org/drawingml/2006/compatibility" xmlns:p14="http://schemas.microsoft.com/office/powerpoint/2010/main" xmlns:p15="http://schemas.microsoft.com/office/powerpoint/2012/main" xmlns:ahyp="http://schemas.microsoft.com/office/drawing/2018/hyperlinkcolor" matchingName="Title slide" type="title">
+<p:sldLayout xmlns:a="http://schemas.openxmlformats.org/drawingml/2006/main" xmlns:r="http://schemas.openxmlformats.org/officeDocument/2006/relationships" xmlns:p="http://schemas.openxmlformats.org/presentationml/2006/main" matchingName="Title slide" type="title">
   <p:cSld name="TITLE">
     <p:spTree>
       <p:nvGrpSpPr>
-        <p:cNvPr id="9" name="Shape 9"/>
+        <p:cNvPr id="1" name="Shape 9"/>
         <p:cNvGrpSpPr/>
         <p:nvPr/>
       </p:nvGrpSpPr>
@@ -1589,7 +1545,9 @@
       <p:sp>
         <p:nvSpPr>
           <p:cNvPr id="10" name="Google Shape;10;p2"/>
-          <p:cNvSpPr txBox="1"/>
+          <p:cNvSpPr txBox="1">
+            <a:spLocks noGrp="1"/>
+          </p:cNvSpPr>
           <p:nvPr>
             <p:ph type="ctrTitle"/>
           </p:nvPr>
@@ -1604,7 +1562,7 @@
           </a:prstGeom>
         </p:spPr>
         <p:txBody>
-          <a:bodyPr anchorCtr="0" anchor="b" bIns="91425" lIns="91425" spcFirstLastPara="1" rIns="91425" wrap="square" tIns="91425">
+          <a:bodyPr spcFirstLastPara="1" wrap="square" lIns="91425" tIns="91425" rIns="91425" bIns="91425" anchor="b" anchorCtr="0">
             <a:noAutofit/>
           </a:bodyPr>
           <a:lstStyle>
@@ -1708,15 +1666,19 @@
               <a:defRPr sz="5200"/>
             </a:lvl9pPr>
           </a:lstStyle>
-          <a:p/>
+          <a:p>
+            <a:endParaRPr/>
+          </a:p>
         </p:txBody>
       </p:sp>
       <p:sp>
         <p:nvSpPr>
           <p:cNvPr id="11" name="Google Shape;11;p2"/>
-          <p:cNvSpPr txBox="1"/>
+          <p:cNvSpPr txBox="1">
+            <a:spLocks noGrp="1"/>
+          </p:cNvSpPr>
           <p:nvPr>
-            <p:ph idx="1" type="subTitle"/>
+            <p:ph type="subTitle" idx="1"/>
           </p:nvPr>
         </p:nvSpPr>
         <p:spPr>
@@ -1729,7 +1691,7 @@
           </a:prstGeom>
         </p:spPr>
         <p:txBody>
-          <a:bodyPr anchorCtr="0" anchor="t" bIns="91425" lIns="91425" spcFirstLastPara="1" rIns="91425" wrap="square" tIns="91425">
+          <a:bodyPr spcFirstLastPara="1" wrap="square" lIns="91425" tIns="91425" rIns="91425" bIns="91425" anchor="t" anchorCtr="0">
             <a:noAutofit/>
           </a:bodyPr>
           <a:lstStyle>
@@ -1860,15 +1822,19 @@
               <a:defRPr sz="2800"/>
             </a:lvl9pPr>
           </a:lstStyle>
-          <a:p/>
+          <a:p>
+            <a:endParaRPr/>
+          </a:p>
         </p:txBody>
       </p:sp>
       <p:sp>
         <p:nvSpPr>
           <p:cNvPr id="12" name="Google Shape;12;p2"/>
-          <p:cNvSpPr txBox="1"/>
+          <p:cNvSpPr txBox="1">
+            <a:spLocks noGrp="1"/>
+          </p:cNvSpPr>
           <p:nvPr>
-            <p:ph idx="12" type="sldNum"/>
+            <p:ph type="sldNum" idx="12"/>
           </p:nvPr>
         </p:nvSpPr>
         <p:spPr>
@@ -1881,7 +1847,7 @@
           </a:prstGeom>
         </p:spPr>
         <p:txBody>
-          <a:bodyPr anchorCtr="0" anchor="ctr" bIns="91425" lIns="91425" spcFirstLastPara="1" rIns="91425" wrap="square" tIns="91425">
+          <a:bodyPr spcFirstLastPara="1" wrap="square" lIns="91425" tIns="91425" rIns="91425" bIns="91425" anchor="ctr" anchorCtr="0">
             <a:noAutofit/>
           </a:bodyPr>
           <a:lstStyle>
@@ -1923,7 +1889,7 @@
             </a:lvl9pPr>
           </a:lstStyle>
           <a:p>
-            <a:pPr indent="0" lvl="0" marL="0" rtl="0" algn="r">
+            <a:pPr marL="0" lvl="0" indent="0" algn="r" rtl="0">
               <a:spcBef>
                 <a:spcPts val="0"/>
               </a:spcBef>
@@ -1949,11 +1915,11 @@
 </file>
 
 <file path=ppt/slideLayouts/slideLayout10.xml><?xml version="1.0" encoding="utf-8"?>
-<p:sldLayout xmlns:a="http://schemas.openxmlformats.org/drawingml/2006/main" xmlns:r="http://schemas.openxmlformats.org/officeDocument/2006/relationships" xmlns:mc="http://schemas.openxmlformats.org/markup-compatibility/2006" xmlns:mv="urn:schemas-microsoft-com:mac:vml" xmlns:p="http://schemas.openxmlformats.org/presentationml/2006/main" xmlns:c="http://schemas.openxmlformats.org/drawingml/2006/chart" xmlns:dgm="http://schemas.openxmlformats.org/drawingml/2006/diagram" xmlns:o="urn:schemas-microsoft-com:office:office" xmlns:v="urn:schemas-microsoft-com:vml" xmlns:pvml="urn:schemas-microsoft-com:office:powerpoint" xmlns:com="http://schemas.openxmlformats.org/drawingml/2006/compatibility" xmlns:p14="http://schemas.microsoft.com/office/powerpoint/2010/main" xmlns:p15="http://schemas.microsoft.com/office/powerpoint/2012/main" xmlns:ahyp="http://schemas.microsoft.com/office/drawing/2018/hyperlinkcolor" matchingName="Big number">
+<p:sldLayout xmlns:a="http://schemas.openxmlformats.org/drawingml/2006/main" xmlns:r="http://schemas.openxmlformats.org/officeDocument/2006/relationships" xmlns:p="http://schemas.openxmlformats.org/presentationml/2006/main" matchingName="Big number">
   <p:cSld name="BIG_NUMBER">
     <p:spTree>
       <p:nvGrpSpPr>
-        <p:cNvPr id="44" name="Shape 44"/>
+        <p:cNvPr id="1" name="Shape 44"/>
         <p:cNvGrpSpPr/>
         <p:nvPr/>
       </p:nvGrpSpPr>
@@ -1968,9 +1934,11 @@
       <p:sp>
         <p:nvSpPr>
           <p:cNvPr id="45" name="Google Shape;45;p11"/>
-          <p:cNvSpPr txBox="1"/>
+          <p:cNvSpPr txBox="1">
+            <a:spLocks noGrp="1"/>
+          </p:cNvSpPr>
           <p:nvPr>
-            <p:ph hasCustomPrompt="1" type="title"/>
+            <p:ph type="title" hasCustomPrompt="1"/>
           </p:nvPr>
         </p:nvSpPr>
         <p:spPr>
@@ -1983,7 +1951,7 @@
           </a:prstGeom>
         </p:spPr>
         <p:txBody>
-          <a:bodyPr anchorCtr="0" anchor="b" bIns="91425" lIns="91425" spcFirstLastPara="1" rIns="91425" wrap="square" tIns="91425">
+          <a:bodyPr spcFirstLastPara="1" wrap="square" lIns="91425" tIns="91425" rIns="91425" bIns="91425" anchor="b" anchorCtr="0">
             <a:noAutofit/>
           </a:bodyPr>
           <a:lstStyle>
@@ -2097,9 +2065,11 @@
       <p:sp>
         <p:nvSpPr>
           <p:cNvPr id="46" name="Google Shape;46;p11"/>
-          <p:cNvSpPr txBox="1"/>
+          <p:cNvSpPr txBox="1">
+            <a:spLocks noGrp="1"/>
+          </p:cNvSpPr>
           <p:nvPr>
-            <p:ph idx="1" type="body"/>
+            <p:ph type="body" idx="1"/>
           </p:nvPr>
         </p:nvSpPr>
         <p:spPr>
@@ -2112,11 +2082,11 @@
           </a:prstGeom>
         </p:spPr>
         <p:txBody>
-          <a:bodyPr anchorCtr="0" anchor="t" bIns="91425" lIns="91425" spcFirstLastPara="1" rIns="91425" wrap="square" tIns="91425">
+          <a:bodyPr spcFirstLastPara="1" wrap="square" lIns="91425" tIns="91425" rIns="91425" bIns="91425" anchor="t" anchorCtr="0">
             <a:noAutofit/>
           </a:bodyPr>
           <a:lstStyle>
-            <a:lvl1pPr indent="-342900" lvl="0" marL="457200" algn="ctr">
+            <a:lvl1pPr marL="457200" lvl="0" indent="-342900" algn="ctr">
               <a:spcBef>
                 <a:spcPts val="0"/>
               </a:spcBef>
@@ -2127,7 +2097,7 @@
               <a:buChar char="●"/>
               <a:defRPr/>
             </a:lvl1pPr>
-            <a:lvl2pPr indent="-317500" lvl="1" marL="914400" algn="ctr">
+            <a:lvl2pPr marL="914400" lvl="1" indent="-317500" algn="ctr">
               <a:spcBef>
                 <a:spcPts val="1600"/>
               </a:spcBef>
@@ -2138,7 +2108,7 @@
               <a:buChar char="○"/>
               <a:defRPr/>
             </a:lvl2pPr>
-            <a:lvl3pPr indent="-317500" lvl="2" marL="1371600" algn="ctr">
+            <a:lvl3pPr marL="1371600" lvl="2" indent="-317500" algn="ctr">
               <a:spcBef>
                 <a:spcPts val="1600"/>
               </a:spcBef>
@@ -2149,7 +2119,7 @@
               <a:buChar char="■"/>
               <a:defRPr/>
             </a:lvl3pPr>
-            <a:lvl4pPr indent="-317500" lvl="3" marL="1828800" algn="ctr">
+            <a:lvl4pPr marL="1828800" lvl="3" indent="-317500" algn="ctr">
               <a:spcBef>
                 <a:spcPts val="1600"/>
               </a:spcBef>
@@ -2160,7 +2130,7 @@
               <a:buChar char="●"/>
               <a:defRPr/>
             </a:lvl4pPr>
-            <a:lvl5pPr indent="-317500" lvl="4" marL="2286000" algn="ctr">
+            <a:lvl5pPr marL="2286000" lvl="4" indent="-317500" algn="ctr">
               <a:spcBef>
                 <a:spcPts val="1600"/>
               </a:spcBef>
@@ -2171,7 +2141,7 @@
               <a:buChar char="○"/>
               <a:defRPr/>
             </a:lvl5pPr>
-            <a:lvl6pPr indent="-317500" lvl="5" marL="2743200" algn="ctr">
+            <a:lvl6pPr marL="2743200" lvl="5" indent="-317500" algn="ctr">
               <a:spcBef>
                 <a:spcPts val="1600"/>
               </a:spcBef>
@@ -2182,7 +2152,7 @@
               <a:buChar char="■"/>
               <a:defRPr/>
             </a:lvl6pPr>
-            <a:lvl7pPr indent="-317500" lvl="6" marL="3200400" algn="ctr">
+            <a:lvl7pPr marL="3200400" lvl="6" indent="-317500" algn="ctr">
               <a:spcBef>
                 <a:spcPts val="1600"/>
               </a:spcBef>
@@ -2193,7 +2163,7 @@
               <a:buChar char="●"/>
               <a:defRPr/>
             </a:lvl7pPr>
-            <a:lvl8pPr indent="-317500" lvl="7" marL="3657600" algn="ctr">
+            <a:lvl8pPr marL="3657600" lvl="7" indent="-317500" algn="ctr">
               <a:spcBef>
                 <a:spcPts val="1600"/>
               </a:spcBef>
@@ -2204,7 +2174,7 @@
               <a:buChar char="○"/>
               <a:defRPr/>
             </a:lvl8pPr>
-            <a:lvl9pPr indent="-317500" lvl="8" marL="4114800" algn="ctr">
+            <a:lvl9pPr marL="4114800" lvl="8" indent="-317500" algn="ctr">
               <a:spcBef>
                 <a:spcPts val="1600"/>
               </a:spcBef>
@@ -2216,15 +2186,19 @@
               <a:defRPr/>
             </a:lvl9pPr>
           </a:lstStyle>
-          <a:p/>
+          <a:p>
+            <a:endParaRPr/>
+          </a:p>
         </p:txBody>
       </p:sp>
       <p:sp>
         <p:nvSpPr>
           <p:cNvPr id="47" name="Google Shape;47;p11"/>
-          <p:cNvSpPr txBox="1"/>
+          <p:cNvSpPr txBox="1">
+            <a:spLocks noGrp="1"/>
+          </p:cNvSpPr>
           <p:nvPr>
-            <p:ph idx="12" type="sldNum"/>
+            <p:ph type="sldNum" idx="12"/>
           </p:nvPr>
         </p:nvSpPr>
         <p:spPr>
@@ -2237,7 +2211,7 @@
           </a:prstGeom>
         </p:spPr>
         <p:txBody>
-          <a:bodyPr anchorCtr="0" anchor="ctr" bIns="91425" lIns="91425" spcFirstLastPara="1" rIns="91425" wrap="square" tIns="91425">
+          <a:bodyPr spcFirstLastPara="1" wrap="square" lIns="91425" tIns="91425" rIns="91425" bIns="91425" anchor="ctr" anchorCtr="0">
             <a:noAutofit/>
           </a:bodyPr>
           <a:lstStyle>
@@ -2279,7 +2253,7 @@
             </a:lvl9pPr>
           </a:lstStyle>
           <a:p>
-            <a:pPr indent="0" lvl="0" marL="0" rtl="0" algn="r">
+            <a:pPr marL="0" lvl="0" indent="0" algn="r" rtl="0">
               <a:spcBef>
                 <a:spcPts val="0"/>
               </a:spcBef>
@@ -2305,11 +2279,11 @@
 </file>
 
 <file path=ppt/slideLayouts/slideLayout11.xml><?xml version="1.0" encoding="utf-8"?>
-<p:sldLayout xmlns:a="http://schemas.openxmlformats.org/drawingml/2006/main" xmlns:r="http://schemas.openxmlformats.org/officeDocument/2006/relationships" xmlns:mc="http://schemas.openxmlformats.org/markup-compatibility/2006" xmlns:mv="urn:schemas-microsoft-com:mac:vml" xmlns:p="http://schemas.openxmlformats.org/presentationml/2006/main" xmlns:c="http://schemas.openxmlformats.org/drawingml/2006/chart" xmlns:dgm="http://schemas.openxmlformats.org/drawingml/2006/diagram" xmlns:o="urn:schemas-microsoft-com:office:office" xmlns:v="urn:schemas-microsoft-com:vml" xmlns:pvml="urn:schemas-microsoft-com:office:powerpoint" xmlns:com="http://schemas.openxmlformats.org/drawingml/2006/compatibility" xmlns:p14="http://schemas.microsoft.com/office/powerpoint/2010/main" xmlns:p15="http://schemas.microsoft.com/office/powerpoint/2012/main" xmlns:ahyp="http://schemas.microsoft.com/office/drawing/2018/hyperlinkcolor" matchingName="Blank" type="blank">
+<p:sldLayout xmlns:a="http://schemas.openxmlformats.org/drawingml/2006/main" xmlns:r="http://schemas.openxmlformats.org/officeDocument/2006/relationships" xmlns:p="http://schemas.openxmlformats.org/presentationml/2006/main" matchingName="Blank" type="blank">
   <p:cSld name="BLANK">
     <p:spTree>
       <p:nvGrpSpPr>
-        <p:cNvPr id="48" name="Shape 48"/>
+        <p:cNvPr id="1" name="Shape 48"/>
         <p:cNvGrpSpPr/>
         <p:nvPr/>
       </p:nvGrpSpPr>
@@ -2324,9 +2298,11 @@
       <p:sp>
         <p:nvSpPr>
           <p:cNvPr id="49" name="Google Shape;49;p12"/>
-          <p:cNvSpPr txBox="1"/>
+          <p:cNvSpPr txBox="1">
+            <a:spLocks noGrp="1"/>
+          </p:cNvSpPr>
           <p:nvPr>
-            <p:ph idx="12" type="sldNum"/>
+            <p:ph type="sldNum" idx="12"/>
           </p:nvPr>
         </p:nvSpPr>
         <p:spPr>
@@ -2339,7 +2315,7 @@
           </a:prstGeom>
         </p:spPr>
         <p:txBody>
-          <a:bodyPr anchorCtr="0" anchor="ctr" bIns="91425" lIns="91425" spcFirstLastPara="1" rIns="91425" wrap="square" tIns="91425">
+          <a:bodyPr spcFirstLastPara="1" wrap="square" lIns="91425" tIns="91425" rIns="91425" bIns="91425" anchor="ctr" anchorCtr="0">
             <a:noAutofit/>
           </a:bodyPr>
           <a:lstStyle>
@@ -2381,7 +2357,7 @@
             </a:lvl9pPr>
           </a:lstStyle>
           <a:p>
-            <a:pPr indent="0" lvl="0" marL="0" rtl="0" algn="r">
+            <a:pPr marL="0" lvl="0" indent="0" algn="r" rtl="0">
               <a:spcBef>
                 <a:spcPts val="0"/>
               </a:spcBef>
@@ -2407,11 +2383,11 @@
 </file>
 
 <file path=ppt/slideLayouts/slideLayout2.xml><?xml version="1.0" encoding="utf-8"?>
-<p:sldLayout xmlns:a="http://schemas.openxmlformats.org/drawingml/2006/main" xmlns:r="http://schemas.openxmlformats.org/officeDocument/2006/relationships" xmlns:mc="http://schemas.openxmlformats.org/markup-compatibility/2006" xmlns:mv="urn:schemas-microsoft-com:mac:vml" xmlns:p="http://schemas.openxmlformats.org/presentationml/2006/main" xmlns:c="http://schemas.openxmlformats.org/drawingml/2006/chart" xmlns:dgm="http://schemas.openxmlformats.org/drawingml/2006/diagram" xmlns:o="urn:schemas-microsoft-com:office:office" xmlns:v="urn:schemas-microsoft-com:vml" xmlns:pvml="urn:schemas-microsoft-com:office:powerpoint" xmlns:com="http://schemas.openxmlformats.org/drawingml/2006/compatibility" xmlns:p14="http://schemas.microsoft.com/office/powerpoint/2010/main" xmlns:p15="http://schemas.microsoft.com/office/powerpoint/2012/main" xmlns:ahyp="http://schemas.microsoft.com/office/drawing/2018/hyperlinkcolor" matchingName="Section header" type="secHead">
+<p:sldLayout xmlns:a="http://schemas.openxmlformats.org/drawingml/2006/main" xmlns:r="http://schemas.openxmlformats.org/officeDocument/2006/relationships" xmlns:p="http://schemas.openxmlformats.org/presentationml/2006/main" matchingName="Section header" type="secHead">
   <p:cSld name="SECTION_HEADER">
     <p:spTree>
       <p:nvGrpSpPr>
-        <p:cNvPr id="13" name="Shape 13"/>
+        <p:cNvPr id="1" name="Shape 13"/>
         <p:cNvGrpSpPr/>
         <p:nvPr/>
       </p:nvGrpSpPr>
@@ -2426,7 +2402,9 @@
       <p:sp>
         <p:nvSpPr>
           <p:cNvPr id="14" name="Google Shape;14;p3"/>
-          <p:cNvSpPr txBox="1"/>
+          <p:cNvSpPr txBox="1">
+            <a:spLocks noGrp="1"/>
+          </p:cNvSpPr>
           <p:nvPr>
             <p:ph type="title"/>
           </p:nvPr>
@@ -2441,7 +2419,7 @@
           </a:prstGeom>
         </p:spPr>
         <p:txBody>
-          <a:bodyPr anchorCtr="0" anchor="ctr" bIns="91425" lIns="91425" spcFirstLastPara="1" rIns="91425" wrap="square" tIns="91425">
+          <a:bodyPr spcFirstLastPara="1" wrap="square" lIns="91425" tIns="91425" rIns="91425" bIns="91425" anchor="ctr" anchorCtr="0">
             <a:noAutofit/>
           </a:bodyPr>
           <a:lstStyle>
@@ -2545,15 +2523,19 @@
               <a:defRPr sz="3600"/>
             </a:lvl9pPr>
           </a:lstStyle>
-          <a:p/>
+          <a:p>
+            <a:endParaRPr/>
+          </a:p>
         </p:txBody>
       </p:sp>
       <p:sp>
         <p:nvSpPr>
           <p:cNvPr id="15" name="Google Shape;15;p3"/>
-          <p:cNvSpPr txBox="1"/>
+          <p:cNvSpPr txBox="1">
+            <a:spLocks noGrp="1"/>
+          </p:cNvSpPr>
           <p:nvPr>
-            <p:ph idx="12" type="sldNum"/>
+            <p:ph type="sldNum" idx="12"/>
           </p:nvPr>
         </p:nvSpPr>
         <p:spPr>
@@ -2566,7 +2548,7 @@
           </a:prstGeom>
         </p:spPr>
         <p:txBody>
-          <a:bodyPr anchorCtr="0" anchor="ctr" bIns="91425" lIns="91425" spcFirstLastPara="1" rIns="91425" wrap="square" tIns="91425">
+          <a:bodyPr spcFirstLastPara="1" wrap="square" lIns="91425" tIns="91425" rIns="91425" bIns="91425" anchor="ctr" anchorCtr="0">
             <a:noAutofit/>
           </a:bodyPr>
           <a:lstStyle>
@@ -2608,7 +2590,7 @@
             </a:lvl9pPr>
           </a:lstStyle>
           <a:p>
-            <a:pPr indent="0" lvl="0" marL="0" rtl="0" algn="r">
+            <a:pPr marL="0" lvl="0" indent="0" algn="r" rtl="0">
               <a:spcBef>
                 <a:spcPts val="0"/>
               </a:spcBef>
@@ -2634,11 +2616,11 @@
 </file>
 
 <file path=ppt/slideLayouts/slideLayout3.xml><?xml version="1.0" encoding="utf-8"?>
-<p:sldLayout xmlns:a="http://schemas.openxmlformats.org/drawingml/2006/main" xmlns:r="http://schemas.openxmlformats.org/officeDocument/2006/relationships" xmlns:mc="http://schemas.openxmlformats.org/markup-compatibility/2006" xmlns:mv="urn:schemas-microsoft-com:mac:vml" xmlns:p="http://schemas.openxmlformats.org/presentationml/2006/main" xmlns:c="http://schemas.openxmlformats.org/drawingml/2006/chart" xmlns:dgm="http://schemas.openxmlformats.org/drawingml/2006/diagram" xmlns:o="urn:schemas-microsoft-com:office:office" xmlns:v="urn:schemas-microsoft-com:vml" xmlns:pvml="urn:schemas-microsoft-com:office:powerpoint" xmlns:com="http://schemas.openxmlformats.org/drawingml/2006/compatibility" xmlns:p14="http://schemas.microsoft.com/office/powerpoint/2010/main" xmlns:p15="http://schemas.microsoft.com/office/powerpoint/2012/main" xmlns:ahyp="http://schemas.microsoft.com/office/drawing/2018/hyperlinkcolor" matchingName="Title and body" type="tx">
+<p:sldLayout xmlns:a="http://schemas.openxmlformats.org/drawingml/2006/main" xmlns:r="http://schemas.openxmlformats.org/officeDocument/2006/relationships" xmlns:p="http://schemas.openxmlformats.org/presentationml/2006/main" matchingName="Title and body" type="tx">
   <p:cSld name="TITLE_AND_BODY">
     <p:spTree>
       <p:nvGrpSpPr>
-        <p:cNvPr id="16" name="Shape 16"/>
+        <p:cNvPr id="1" name="Shape 16"/>
         <p:cNvGrpSpPr/>
         <p:nvPr/>
       </p:nvGrpSpPr>
@@ -2653,7 +2635,9 @@
       <p:sp>
         <p:nvSpPr>
           <p:cNvPr id="17" name="Google Shape;17;p4"/>
-          <p:cNvSpPr txBox="1"/>
+          <p:cNvSpPr txBox="1">
+            <a:spLocks noGrp="1"/>
+          </p:cNvSpPr>
           <p:nvPr>
             <p:ph type="title"/>
           </p:nvPr>
@@ -2668,7 +2652,7 @@
           </a:prstGeom>
         </p:spPr>
         <p:txBody>
-          <a:bodyPr anchorCtr="0" anchor="t" bIns="91425" lIns="91425" spcFirstLastPara="1" rIns="91425" wrap="square" tIns="91425">
+          <a:bodyPr spcFirstLastPara="1" wrap="square" lIns="91425" tIns="91425" rIns="91425" bIns="91425" anchor="t" anchorCtr="0">
             <a:noAutofit/>
           </a:bodyPr>
           <a:lstStyle>
@@ -2772,15 +2756,19 @@
               <a:defRPr/>
             </a:lvl9pPr>
           </a:lstStyle>
-          <a:p/>
+          <a:p>
+            <a:endParaRPr/>
+          </a:p>
         </p:txBody>
       </p:sp>
       <p:sp>
         <p:nvSpPr>
           <p:cNvPr id="18" name="Google Shape;18;p4"/>
-          <p:cNvSpPr txBox="1"/>
+          <p:cNvSpPr txBox="1">
+            <a:spLocks noGrp="1"/>
+          </p:cNvSpPr>
           <p:nvPr>
-            <p:ph idx="1" type="body"/>
+            <p:ph type="body" idx="1"/>
           </p:nvPr>
         </p:nvSpPr>
         <p:spPr>
@@ -2793,11 +2781,11 @@
           </a:prstGeom>
         </p:spPr>
         <p:txBody>
-          <a:bodyPr anchorCtr="0" anchor="t" bIns="91425" lIns="91425" spcFirstLastPara="1" rIns="91425" wrap="square" tIns="91425">
+          <a:bodyPr spcFirstLastPara="1" wrap="square" lIns="91425" tIns="91425" rIns="91425" bIns="91425" anchor="t" anchorCtr="0">
             <a:noAutofit/>
           </a:bodyPr>
           <a:lstStyle>
-            <a:lvl1pPr indent="-342900" lvl="0" marL="457200">
+            <a:lvl1pPr marL="457200" lvl="0" indent="-342900">
               <a:spcBef>
                 <a:spcPts val="0"/>
               </a:spcBef>
@@ -2808,7 +2796,7 @@
               <a:buChar char="●"/>
               <a:defRPr/>
             </a:lvl1pPr>
-            <a:lvl2pPr indent="-317500" lvl="1" marL="914400">
+            <a:lvl2pPr marL="914400" lvl="1" indent="-317500">
               <a:spcBef>
                 <a:spcPts val="1600"/>
               </a:spcBef>
@@ -2819,7 +2807,7 @@
               <a:buChar char="○"/>
               <a:defRPr/>
             </a:lvl2pPr>
-            <a:lvl3pPr indent="-317500" lvl="2" marL="1371600">
+            <a:lvl3pPr marL="1371600" lvl="2" indent="-317500">
               <a:spcBef>
                 <a:spcPts val="1600"/>
               </a:spcBef>
@@ -2830,7 +2818,7 @@
               <a:buChar char="■"/>
               <a:defRPr/>
             </a:lvl3pPr>
-            <a:lvl4pPr indent="-317500" lvl="3" marL="1828800">
+            <a:lvl4pPr marL="1828800" lvl="3" indent="-317500">
               <a:spcBef>
                 <a:spcPts val="1600"/>
               </a:spcBef>
@@ -2841,7 +2829,7 @@
               <a:buChar char="●"/>
               <a:defRPr/>
             </a:lvl4pPr>
-            <a:lvl5pPr indent="-317500" lvl="4" marL="2286000">
+            <a:lvl5pPr marL="2286000" lvl="4" indent="-317500">
               <a:spcBef>
                 <a:spcPts val="1600"/>
               </a:spcBef>
@@ -2852,7 +2840,7 @@
               <a:buChar char="○"/>
               <a:defRPr/>
             </a:lvl5pPr>
-            <a:lvl6pPr indent="-317500" lvl="5" marL="2743200">
+            <a:lvl6pPr marL="2743200" lvl="5" indent="-317500">
               <a:spcBef>
                 <a:spcPts val="1600"/>
               </a:spcBef>
@@ -2863,7 +2851,7 @@
               <a:buChar char="■"/>
               <a:defRPr/>
             </a:lvl6pPr>
-            <a:lvl7pPr indent="-317500" lvl="6" marL="3200400">
+            <a:lvl7pPr marL="3200400" lvl="6" indent="-317500">
               <a:spcBef>
                 <a:spcPts val="1600"/>
               </a:spcBef>
@@ -2874,7 +2862,7 @@
               <a:buChar char="●"/>
               <a:defRPr/>
             </a:lvl7pPr>
-            <a:lvl8pPr indent="-317500" lvl="7" marL="3657600">
+            <a:lvl8pPr marL="3657600" lvl="7" indent="-317500">
               <a:spcBef>
                 <a:spcPts val="1600"/>
               </a:spcBef>
@@ -2885,7 +2873,7 @@
               <a:buChar char="○"/>
               <a:defRPr/>
             </a:lvl8pPr>
-            <a:lvl9pPr indent="-317500" lvl="8" marL="4114800">
+            <a:lvl9pPr marL="4114800" lvl="8" indent="-317500">
               <a:spcBef>
                 <a:spcPts val="1600"/>
               </a:spcBef>
@@ -2897,15 +2885,19 @@
               <a:defRPr/>
             </a:lvl9pPr>
           </a:lstStyle>
-          <a:p/>
+          <a:p>
+            <a:endParaRPr/>
+          </a:p>
         </p:txBody>
       </p:sp>
       <p:sp>
         <p:nvSpPr>
           <p:cNvPr id="19" name="Google Shape;19;p4"/>
-          <p:cNvSpPr txBox="1"/>
+          <p:cNvSpPr txBox="1">
+            <a:spLocks noGrp="1"/>
+          </p:cNvSpPr>
           <p:nvPr>
-            <p:ph idx="12" type="sldNum"/>
+            <p:ph type="sldNum" idx="12"/>
           </p:nvPr>
         </p:nvSpPr>
         <p:spPr>
@@ -2918,7 +2910,7 @@
           </a:prstGeom>
         </p:spPr>
         <p:txBody>
-          <a:bodyPr anchorCtr="0" anchor="ctr" bIns="91425" lIns="91425" spcFirstLastPara="1" rIns="91425" wrap="square" tIns="91425">
+          <a:bodyPr spcFirstLastPara="1" wrap="square" lIns="91425" tIns="91425" rIns="91425" bIns="91425" anchor="ctr" anchorCtr="0">
             <a:noAutofit/>
           </a:bodyPr>
           <a:lstStyle>
@@ -2960,7 +2952,7 @@
             </a:lvl9pPr>
           </a:lstStyle>
           <a:p>
-            <a:pPr indent="0" lvl="0" marL="0" rtl="0" algn="r">
+            <a:pPr marL="0" lvl="0" indent="0" algn="r" rtl="0">
               <a:spcBef>
                 <a:spcPts val="0"/>
               </a:spcBef>
@@ -2986,11 +2978,11 @@
 </file>
 
 <file path=ppt/slideLayouts/slideLayout4.xml><?xml version="1.0" encoding="utf-8"?>
-<p:sldLayout xmlns:a="http://schemas.openxmlformats.org/drawingml/2006/main" xmlns:r="http://schemas.openxmlformats.org/officeDocument/2006/relationships" xmlns:mc="http://schemas.openxmlformats.org/markup-compatibility/2006" xmlns:mv="urn:schemas-microsoft-com:mac:vml" xmlns:p="http://schemas.openxmlformats.org/presentationml/2006/main" xmlns:c="http://schemas.openxmlformats.org/drawingml/2006/chart" xmlns:dgm="http://schemas.openxmlformats.org/drawingml/2006/diagram" xmlns:o="urn:schemas-microsoft-com:office:office" xmlns:v="urn:schemas-microsoft-com:vml" xmlns:pvml="urn:schemas-microsoft-com:office:powerpoint" xmlns:com="http://schemas.openxmlformats.org/drawingml/2006/compatibility" xmlns:p14="http://schemas.microsoft.com/office/powerpoint/2010/main" xmlns:p15="http://schemas.microsoft.com/office/powerpoint/2012/main" xmlns:ahyp="http://schemas.microsoft.com/office/drawing/2018/hyperlinkcolor" matchingName="Title and two columns" type="twoColTx">
+<p:sldLayout xmlns:a="http://schemas.openxmlformats.org/drawingml/2006/main" xmlns:r="http://schemas.openxmlformats.org/officeDocument/2006/relationships" xmlns:p="http://schemas.openxmlformats.org/presentationml/2006/main" matchingName="Title and two columns" type="twoColTx">
   <p:cSld name="TITLE_AND_TWO_COLUMNS">
     <p:spTree>
       <p:nvGrpSpPr>
-        <p:cNvPr id="20" name="Shape 20"/>
+        <p:cNvPr id="1" name="Shape 20"/>
         <p:cNvGrpSpPr/>
         <p:nvPr/>
       </p:nvGrpSpPr>
@@ -3005,7 +2997,9 @@
       <p:sp>
         <p:nvSpPr>
           <p:cNvPr id="21" name="Google Shape;21;p5"/>
-          <p:cNvSpPr txBox="1"/>
+          <p:cNvSpPr txBox="1">
+            <a:spLocks noGrp="1"/>
+          </p:cNvSpPr>
           <p:nvPr>
             <p:ph type="title"/>
           </p:nvPr>
@@ -3020,7 +3014,7 @@
           </a:prstGeom>
         </p:spPr>
         <p:txBody>
-          <a:bodyPr anchorCtr="0" anchor="t" bIns="91425" lIns="91425" spcFirstLastPara="1" rIns="91425" wrap="square" tIns="91425">
+          <a:bodyPr spcFirstLastPara="1" wrap="square" lIns="91425" tIns="91425" rIns="91425" bIns="91425" anchor="t" anchorCtr="0">
             <a:noAutofit/>
           </a:bodyPr>
           <a:lstStyle>
@@ -3124,15 +3118,19 @@
               <a:defRPr/>
             </a:lvl9pPr>
           </a:lstStyle>
-          <a:p/>
+          <a:p>
+            <a:endParaRPr/>
+          </a:p>
         </p:txBody>
       </p:sp>
       <p:sp>
         <p:nvSpPr>
           <p:cNvPr id="22" name="Google Shape;22;p5"/>
-          <p:cNvSpPr txBox="1"/>
+          <p:cNvSpPr txBox="1">
+            <a:spLocks noGrp="1"/>
+          </p:cNvSpPr>
           <p:nvPr>
-            <p:ph idx="1" type="body"/>
+            <p:ph type="body" idx="1"/>
           </p:nvPr>
         </p:nvSpPr>
         <p:spPr>
@@ -3145,11 +3143,11 @@
           </a:prstGeom>
         </p:spPr>
         <p:txBody>
-          <a:bodyPr anchorCtr="0" anchor="t" bIns="91425" lIns="91425" spcFirstLastPara="1" rIns="91425" wrap="square" tIns="91425">
+          <a:bodyPr spcFirstLastPara="1" wrap="square" lIns="91425" tIns="91425" rIns="91425" bIns="91425" anchor="t" anchorCtr="0">
             <a:noAutofit/>
           </a:bodyPr>
           <a:lstStyle>
-            <a:lvl1pPr indent="-317500" lvl="0" marL="457200">
+            <a:lvl1pPr marL="457200" lvl="0" indent="-317500">
               <a:spcBef>
                 <a:spcPts val="0"/>
               </a:spcBef>
@@ -3160,7 +3158,7 @@
               <a:buChar char="●"/>
               <a:defRPr sz="1400"/>
             </a:lvl1pPr>
-            <a:lvl2pPr indent="-304800" lvl="1" marL="914400">
+            <a:lvl2pPr marL="914400" lvl="1" indent="-304800">
               <a:spcBef>
                 <a:spcPts val="1600"/>
               </a:spcBef>
@@ -3171,7 +3169,7 @@
               <a:buChar char="○"/>
               <a:defRPr sz="1200"/>
             </a:lvl2pPr>
-            <a:lvl3pPr indent="-304800" lvl="2" marL="1371600">
+            <a:lvl3pPr marL="1371600" lvl="2" indent="-304800">
               <a:spcBef>
                 <a:spcPts val="1600"/>
               </a:spcBef>
@@ -3182,7 +3180,7 @@
               <a:buChar char="■"/>
               <a:defRPr sz="1200"/>
             </a:lvl3pPr>
-            <a:lvl4pPr indent="-304800" lvl="3" marL="1828800">
+            <a:lvl4pPr marL="1828800" lvl="3" indent="-304800">
               <a:spcBef>
                 <a:spcPts val="1600"/>
               </a:spcBef>
@@ -3193,7 +3191,7 @@
               <a:buChar char="●"/>
               <a:defRPr sz="1200"/>
             </a:lvl4pPr>
-            <a:lvl5pPr indent="-304800" lvl="4" marL="2286000">
+            <a:lvl5pPr marL="2286000" lvl="4" indent="-304800">
               <a:spcBef>
                 <a:spcPts val="1600"/>
               </a:spcBef>
@@ -3204,7 +3202,7 @@
               <a:buChar char="○"/>
               <a:defRPr sz="1200"/>
             </a:lvl5pPr>
-            <a:lvl6pPr indent="-304800" lvl="5" marL="2743200">
+            <a:lvl6pPr marL="2743200" lvl="5" indent="-304800">
               <a:spcBef>
                 <a:spcPts val="1600"/>
               </a:spcBef>
@@ -3215,7 +3213,7 @@
               <a:buChar char="■"/>
               <a:defRPr sz="1200"/>
             </a:lvl6pPr>
-            <a:lvl7pPr indent="-304800" lvl="6" marL="3200400">
+            <a:lvl7pPr marL="3200400" lvl="6" indent="-304800">
               <a:spcBef>
                 <a:spcPts val="1600"/>
               </a:spcBef>
@@ -3226,7 +3224,7 @@
               <a:buChar char="●"/>
               <a:defRPr sz="1200"/>
             </a:lvl7pPr>
-            <a:lvl8pPr indent="-304800" lvl="7" marL="3657600">
+            <a:lvl8pPr marL="3657600" lvl="7" indent="-304800">
               <a:spcBef>
                 <a:spcPts val="1600"/>
               </a:spcBef>
@@ -3237,7 +3235,7 @@
               <a:buChar char="○"/>
               <a:defRPr sz="1200"/>
             </a:lvl8pPr>
-            <a:lvl9pPr indent="-304800" lvl="8" marL="4114800">
+            <a:lvl9pPr marL="4114800" lvl="8" indent="-304800">
               <a:spcBef>
                 <a:spcPts val="1600"/>
               </a:spcBef>
@@ -3249,15 +3247,19 @@
               <a:defRPr sz="1200"/>
             </a:lvl9pPr>
           </a:lstStyle>
-          <a:p/>
+          <a:p>
+            <a:endParaRPr/>
+          </a:p>
         </p:txBody>
       </p:sp>
       <p:sp>
         <p:nvSpPr>
           <p:cNvPr id="23" name="Google Shape;23;p5"/>
-          <p:cNvSpPr txBox="1"/>
+          <p:cNvSpPr txBox="1">
+            <a:spLocks noGrp="1"/>
+          </p:cNvSpPr>
           <p:nvPr>
-            <p:ph idx="2" type="body"/>
+            <p:ph type="body" idx="2"/>
           </p:nvPr>
         </p:nvSpPr>
         <p:spPr>
@@ -3270,11 +3272,11 @@
           </a:prstGeom>
         </p:spPr>
         <p:txBody>
-          <a:bodyPr anchorCtr="0" anchor="t" bIns="91425" lIns="91425" spcFirstLastPara="1" rIns="91425" wrap="square" tIns="91425">
+          <a:bodyPr spcFirstLastPara="1" wrap="square" lIns="91425" tIns="91425" rIns="91425" bIns="91425" anchor="t" anchorCtr="0">
             <a:noAutofit/>
           </a:bodyPr>
           <a:lstStyle>
-            <a:lvl1pPr indent="-317500" lvl="0" marL="457200">
+            <a:lvl1pPr marL="457200" lvl="0" indent="-317500">
               <a:spcBef>
                 <a:spcPts val="0"/>
               </a:spcBef>
@@ -3285,7 +3287,7 @@
               <a:buChar char="●"/>
               <a:defRPr sz="1400"/>
             </a:lvl1pPr>
-            <a:lvl2pPr indent="-304800" lvl="1" marL="914400">
+            <a:lvl2pPr marL="914400" lvl="1" indent="-304800">
               <a:spcBef>
                 <a:spcPts val="1600"/>
               </a:spcBef>
@@ -3296,7 +3298,7 @@
               <a:buChar char="○"/>
               <a:defRPr sz="1200"/>
             </a:lvl2pPr>
-            <a:lvl3pPr indent="-304800" lvl="2" marL="1371600">
+            <a:lvl3pPr marL="1371600" lvl="2" indent="-304800">
               <a:spcBef>
                 <a:spcPts val="1600"/>
               </a:spcBef>
@@ -3307,7 +3309,7 @@
               <a:buChar char="■"/>
               <a:defRPr sz="1200"/>
             </a:lvl3pPr>
-            <a:lvl4pPr indent="-304800" lvl="3" marL="1828800">
+            <a:lvl4pPr marL="1828800" lvl="3" indent="-304800">
               <a:spcBef>
                 <a:spcPts val="1600"/>
               </a:spcBef>
@@ -3318,7 +3320,7 @@
               <a:buChar char="●"/>
               <a:defRPr sz="1200"/>
             </a:lvl4pPr>
-            <a:lvl5pPr indent="-304800" lvl="4" marL="2286000">
+            <a:lvl5pPr marL="2286000" lvl="4" indent="-304800">
               <a:spcBef>
                 <a:spcPts val="1600"/>
               </a:spcBef>
@@ -3329,7 +3331,7 @@
               <a:buChar char="○"/>
               <a:defRPr sz="1200"/>
             </a:lvl5pPr>
-            <a:lvl6pPr indent="-304800" lvl="5" marL="2743200">
+            <a:lvl6pPr marL="2743200" lvl="5" indent="-304800">
               <a:spcBef>
                 <a:spcPts val="1600"/>
               </a:spcBef>
@@ -3340,7 +3342,7 @@
               <a:buChar char="■"/>
               <a:defRPr sz="1200"/>
             </a:lvl6pPr>
-            <a:lvl7pPr indent="-304800" lvl="6" marL="3200400">
+            <a:lvl7pPr marL="3200400" lvl="6" indent="-304800">
               <a:spcBef>
                 <a:spcPts val="1600"/>
               </a:spcBef>
@@ -3351,7 +3353,7 @@
               <a:buChar char="●"/>
               <a:defRPr sz="1200"/>
             </a:lvl7pPr>
-            <a:lvl8pPr indent="-304800" lvl="7" marL="3657600">
+            <a:lvl8pPr marL="3657600" lvl="7" indent="-304800">
               <a:spcBef>
                 <a:spcPts val="1600"/>
               </a:spcBef>
@@ -3362,7 +3364,7 @@
               <a:buChar char="○"/>
               <a:defRPr sz="1200"/>
             </a:lvl8pPr>
-            <a:lvl9pPr indent="-304800" lvl="8" marL="4114800">
+            <a:lvl9pPr marL="4114800" lvl="8" indent="-304800">
               <a:spcBef>
                 <a:spcPts val="1600"/>
               </a:spcBef>
@@ -3374,15 +3376,19 @@
               <a:defRPr sz="1200"/>
             </a:lvl9pPr>
           </a:lstStyle>
-          <a:p/>
+          <a:p>
+            <a:endParaRPr/>
+          </a:p>
         </p:txBody>
       </p:sp>
       <p:sp>
         <p:nvSpPr>
           <p:cNvPr id="24" name="Google Shape;24;p5"/>
-          <p:cNvSpPr txBox="1"/>
+          <p:cNvSpPr txBox="1">
+            <a:spLocks noGrp="1"/>
+          </p:cNvSpPr>
           <p:nvPr>
-            <p:ph idx="12" type="sldNum"/>
+            <p:ph type="sldNum" idx="12"/>
           </p:nvPr>
         </p:nvSpPr>
         <p:spPr>
@@ -3395,7 +3401,7 @@
           </a:prstGeom>
         </p:spPr>
         <p:txBody>
-          <a:bodyPr anchorCtr="0" anchor="ctr" bIns="91425" lIns="91425" spcFirstLastPara="1" rIns="91425" wrap="square" tIns="91425">
+          <a:bodyPr spcFirstLastPara="1" wrap="square" lIns="91425" tIns="91425" rIns="91425" bIns="91425" anchor="ctr" anchorCtr="0">
             <a:noAutofit/>
           </a:bodyPr>
           <a:lstStyle>
@@ -3437,7 +3443,7 @@
             </a:lvl9pPr>
           </a:lstStyle>
           <a:p>
-            <a:pPr indent="0" lvl="0" marL="0" rtl="0" algn="r">
+            <a:pPr marL="0" lvl="0" indent="0" algn="r" rtl="0">
               <a:spcBef>
                 <a:spcPts val="0"/>
               </a:spcBef>
@@ -3463,11 +3469,11 @@
 </file>
 
 <file path=ppt/slideLayouts/slideLayout5.xml><?xml version="1.0" encoding="utf-8"?>
-<p:sldLayout xmlns:a="http://schemas.openxmlformats.org/drawingml/2006/main" xmlns:r="http://schemas.openxmlformats.org/officeDocument/2006/relationships" xmlns:mc="http://schemas.openxmlformats.org/markup-compatibility/2006" xmlns:mv="urn:schemas-microsoft-com:mac:vml" xmlns:p="http://schemas.openxmlformats.org/presentationml/2006/main" xmlns:c="http://schemas.openxmlformats.org/drawingml/2006/chart" xmlns:dgm="http://schemas.openxmlformats.org/drawingml/2006/diagram" xmlns:o="urn:schemas-microsoft-com:office:office" xmlns:v="urn:schemas-microsoft-com:vml" xmlns:pvml="urn:schemas-microsoft-com:office:powerpoint" xmlns:com="http://schemas.openxmlformats.org/drawingml/2006/compatibility" xmlns:p14="http://schemas.microsoft.com/office/powerpoint/2010/main" xmlns:p15="http://schemas.microsoft.com/office/powerpoint/2012/main" xmlns:ahyp="http://schemas.microsoft.com/office/drawing/2018/hyperlinkcolor" matchingName="Title only" type="titleOnly">
+<p:sldLayout xmlns:a="http://schemas.openxmlformats.org/drawingml/2006/main" xmlns:r="http://schemas.openxmlformats.org/officeDocument/2006/relationships" xmlns:p="http://schemas.openxmlformats.org/presentationml/2006/main" matchingName="Title only" type="titleOnly">
   <p:cSld name="TITLE_ONLY">
     <p:spTree>
       <p:nvGrpSpPr>
-        <p:cNvPr id="25" name="Shape 25"/>
+        <p:cNvPr id="1" name="Shape 25"/>
         <p:cNvGrpSpPr/>
         <p:nvPr/>
       </p:nvGrpSpPr>
@@ -3482,7 +3488,9 @@
       <p:sp>
         <p:nvSpPr>
           <p:cNvPr id="26" name="Google Shape;26;p6"/>
-          <p:cNvSpPr txBox="1"/>
+          <p:cNvSpPr txBox="1">
+            <a:spLocks noGrp="1"/>
+          </p:cNvSpPr>
           <p:nvPr>
             <p:ph type="title"/>
           </p:nvPr>
@@ -3497,7 +3505,7 @@
           </a:prstGeom>
         </p:spPr>
         <p:txBody>
-          <a:bodyPr anchorCtr="0" anchor="t" bIns="91425" lIns="91425" spcFirstLastPara="1" rIns="91425" wrap="square" tIns="91425">
+          <a:bodyPr spcFirstLastPara="1" wrap="square" lIns="91425" tIns="91425" rIns="91425" bIns="91425" anchor="t" anchorCtr="0">
             <a:noAutofit/>
           </a:bodyPr>
           <a:lstStyle>
@@ -3601,15 +3609,19 @@
               <a:defRPr/>
             </a:lvl9pPr>
           </a:lstStyle>
-          <a:p/>
+          <a:p>
+            <a:endParaRPr/>
+          </a:p>
         </p:txBody>
       </p:sp>
       <p:sp>
         <p:nvSpPr>
           <p:cNvPr id="27" name="Google Shape;27;p6"/>
-          <p:cNvSpPr txBox="1"/>
+          <p:cNvSpPr txBox="1">
+            <a:spLocks noGrp="1"/>
+          </p:cNvSpPr>
           <p:nvPr>
-            <p:ph idx="12" type="sldNum"/>
+            <p:ph type="sldNum" idx="12"/>
           </p:nvPr>
         </p:nvSpPr>
         <p:spPr>
@@ -3622,7 +3634,7 @@
           </a:prstGeom>
         </p:spPr>
         <p:txBody>
-          <a:bodyPr anchorCtr="0" anchor="ctr" bIns="91425" lIns="91425" spcFirstLastPara="1" rIns="91425" wrap="square" tIns="91425">
+          <a:bodyPr spcFirstLastPara="1" wrap="square" lIns="91425" tIns="91425" rIns="91425" bIns="91425" anchor="ctr" anchorCtr="0">
             <a:noAutofit/>
           </a:bodyPr>
           <a:lstStyle>
@@ -3664,7 +3676,7 @@
             </a:lvl9pPr>
           </a:lstStyle>
           <a:p>
-            <a:pPr indent="0" lvl="0" marL="0" rtl="0" algn="r">
+            <a:pPr marL="0" lvl="0" indent="0" algn="r" rtl="0">
               <a:spcBef>
                 <a:spcPts val="0"/>
               </a:spcBef>
@@ -3690,11 +3702,11 @@
 </file>
 
 <file path=ppt/slideLayouts/slideLayout6.xml><?xml version="1.0" encoding="utf-8"?>
-<p:sldLayout xmlns:a="http://schemas.openxmlformats.org/drawingml/2006/main" xmlns:r="http://schemas.openxmlformats.org/officeDocument/2006/relationships" xmlns:mc="http://schemas.openxmlformats.org/markup-compatibility/2006" xmlns:mv="urn:schemas-microsoft-com:mac:vml" xmlns:p="http://schemas.openxmlformats.org/presentationml/2006/main" xmlns:c="http://schemas.openxmlformats.org/drawingml/2006/chart" xmlns:dgm="http://schemas.openxmlformats.org/drawingml/2006/diagram" xmlns:o="urn:schemas-microsoft-com:office:office" xmlns:v="urn:schemas-microsoft-com:vml" xmlns:pvml="urn:schemas-microsoft-com:office:powerpoint" xmlns:com="http://schemas.openxmlformats.org/drawingml/2006/compatibility" xmlns:p14="http://schemas.microsoft.com/office/powerpoint/2010/main" xmlns:p15="http://schemas.microsoft.com/office/powerpoint/2012/main" xmlns:ahyp="http://schemas.microsoft.com/office/drawing/2018/hyperlinkcolor" matchingName="One column text">
+<p:sldLayout xmlns:a="http://schemas.openxmlformats.org/drawingml/2006/main" xmlns:r="http://schemas.openxmlformats.org/officeDocument/2006/relationships" xmlns:p="http://schemas.openxmlformats.org/presentationml/2006/main" matchingName="One column text">
   <p:cSld name="ONE_COLUMN_TEXT">
     <p:spTree>
       <p:nvGrpSpPr>
-        <p:cNvPr id="28" name="Shape 28"/>
+        <p:cNvPr id="1" name="Shape 28"/>
         <p:cNvGrpSpPr/>
         <p:nvPr/>
       </p:nvGrpSpPr>
@@ -3709,7 +3721,9 @@
       <p:sp>
         <p:nvSpPr>
           <p:cNvPr id="29" name="Google Shape;29;p7"/>
-          <p:cNvSpPr txBox="1"/>
+          <p:cNvSpPr txBox="1">
+            <a:spLocks noGrp="1"/>
+          </p:cNvSpPr>
           <p:nvPr>
             <p:ph type="title"/>
           </p:nvPr>
@@ -3724,7 +3738,7 @@
           </a:prstGeom>
         </p:spPr>
         <p:txBody>
-          <a:bodyPr anchorCtr="0" anchor="b" bIns="91425" lIns="91425" spcFirstLastPara="1" rIns="91425" wrap="square" tIns="91425">
+          <a:bodyPr spcFirstLastPara="1" wrap="square" lIns="91425" tIns="91425" rIns="91425" bIns="91425" anchor="b" anchorCtr="0">
             <a:noAutofit/>
           </a:bodyPr>
           <a:lstStyle>
@@ -3828,15 +3842,19 @@
               <a:defRPr sz="2400"/>
             </a:lvl9pPr>
           </a:lstStyle>
-          <a:p/>
+          <a:p>
+            <a:endParaRPr/>
+          </a:p>
         </p:txBody>
       </p:sp>
       <p:sp>
         <p:nvSpPr>
           <p:cNvPr id="30" name="Google Shape;30;p7"/>
-          <p:cNvSpPr txBox="1"/>
+          <p:cNvSpPr txBox="1">
+            <a:spLocks noGrp="1"/>
+          </p:cNvSpPr>
           <p:nvPr>
-            <p:ph idx="1" type="body"/>
+            <p:ph type="body" idx="1"/>
           </p:nvPr>
         </p:nvSpPr>
         <p:spPr>
@@ -3849,11 +3867,11 @@
           </a:prstGeom>
         </p:spPr>
         <p:txBody>
-          <a:bodyPr anchorCtr="0" anchor="t" bIns="91425" lIns="91425" spcFirstLastPara="1" rIns="91425" wrap="square" tIns="91425">
+          <a:bodyPr spcFirstLastPara="1" wrap="square" lIns="91425" tIns="91425" rIns="91425" bIns="91425" anchor="t" anchorCtr="0">
             <a:noAutofit/>
           </a:bodyPr>
           <a:lstStyle>
-            <a:lvl1pPr indent="-304800" lvl="0" marL="457200">
+            <a:lvl1pPr marL="457200" lvl="0" indent="-304800">
               <a:spcBef>
                 <a:spcPts val="0"/>
               </a:spcBef>
@@ -3864,7 +3882,7 @@
               <a:buChar char="●"/>
               <a:defRPr sz="1200"/>
             </a:lvl1pPr>
-            <a:lvl2pPr indent="-304800" lvl="1" marL="914400">
+            <a:lvl2pPr marL="914400" lvl="1" indent="-304800">
               <a:spcBef>
                 <a:spcPts val="1600"/>
               </a:spcBef>
@@ -3875,7 +3893,7 @@
               <a:buChar char="○"/>
               <a:defRPr sz="1200"/>
             </a:lvl2pPr>
-            <a:lvl3pPr indent="-304800" lvl="2" marL="1371600">
+            <a:lvl3pPr marL="1371600" lvl="2" indent="-304800">
               <a:spcBef>
                 <a:spcPts val="1600"/>
               </a:spcBef>
@@ -3886,7 +3904,7 @@
               <a:buChar char="■"/>
               <a:defRPr sz="1200"/>
             </a:lvl3pPr>
-            <a:lvl4pPr indent="-304800" lvl="3" marL="1828800">
+            <a:lvl4pPr marL="1828800" lvl="3" indent="-304800">
               <a:spcBef>
                 <a:spcPts val="1600"/>
               </a:spcBef>
@@ -3897,7 +3915,7 @@
               <a:buChar char="●"/>
               <a:defRPr sz="1200"/>
             </a:lvl4pPr>
-            <a:lvl5pPr indent="-304800" lvl="4" marL="2286000">
+            <a:lvl5pPr marL="2286000" lvl="4" indent="-304800">
               <a:spcBef>
                 <a:spcPts val="1600"/>
               </a:spcBef>
@@ -3908,7 +3926,7 @@
               <a:buChar char="○"/>
               <a:defRPr sz="1200"/>
             </a:lvl5pPr>
-            <a:lvl6pPr indent="-304800" lvl="5" marL="2743200">
+            <a:lvl6pPr marL="2743200" lvl="5" indent="-304800">
               <a:spcBef>
                 <a:spcPts val="1600"/>
               </a:spcBef>
@@ -3919,7 +3937,7 @@
               <a:buChar char="■"/>
               <a:defRPr sz="1200"/>
             </a:lvl6pPr>
-            <a:lvl7pPr indent="-304800" lvl="6" marL="3200400">
+            <a:lvl7pPr marL="3200400" lvl="6" indent="-304800">
               <a:spcBef>
                 <a:spcPts val="1600"/>
               </a:spcBef>
@@ -3930,7 +3948,7 @@
               <a:buChar char="●"/>
               <a:defRPr sz="1200"/>
             </a:lvl7pPr>
-            <a:lvl8pPr indent="-304800" lvl="7" marL="3657600">
+            <a:lvl8pPr marL="3657600" lvl="7" indent="-304800">
               <a:spcBef>
                 <a:spcPts val="1600"/>
               </a:spcBef>
@@ -3941,7 +3959,7 @@
               <a:buChar char="○"/>
               <a:defRPr sz="1200"/>
             </a:lvl8pPr>
-            <a:lvl9pPr indent="-304800" lvl="8" marL="4114800">
+            <a:lvl9pPr marL="4114800" lvl="8" indent="-304800">
               <a:spcBef>
                 <a:spcPts val="1600"/>
               </a:spcBef>
@@ -3953,15 +3971,19 @@
               <a:defRPr sz="1200"/>
             </a:lvl9pPr>
           </a:lstStyle>
-          <a:p/>
+          <a:p>
+            <a:endParaRPr/>
+          </a:p>
         </p:txBody>
       </p:sp>
       <p:sp>
         <p:nvSpPr>
           <p:cNvPr id="31" name="Google Shape;31;p7"/>
-          <p:cNvSpPr txBox="1"/>
+          <p:cNvSpPr txBox="1">
+            <a:spLocks noGrp="1"/>
+          </p:cNvSpPr>
           <p:nvPr>
-            <p:ph idx="12" type="sldNum"/>
+            <p:ph type="sldNum" idx="12"/>
           </p:nvPr>
         </p:nvSpPr>
         <p:spPr>
@@ -3974,7 +3996,7 @@
           </a:prstGeom>
         </p:spPr>
         <p:txBody>
-          <a:bodyPr anchorCtr="0" anchor="ctr" bIns="91425" lIns="91425" spcFirstLastPara="1" rIns="91425" wrap="square" tIns="91425">
+          <a:bodyPr spcFirstLastPara="1" wrap="square" lIns="91425" tIns="91425" rIns="91425" bIns="91425" anchor="ctr" anchorCtr="0">
             <a:noAutofit/>
           </a:bodyPr>
           <a:lstStyle>
@@ -4016,7 +4038,7 @@
             </a:lvl9pPr>
           </a:lstStyle>
           <a:p>
-            <a:pPr indent="0" lvl="0" marL="0" rtl="0" algn="r">
+            <a:pPr marL="0" lvl="0" indent="0" algn="r" rtl="0">
               <a:spcBef>
                 <a:spcPts val="0"/>
               </a:spcBef>
@@ -4042,11 +4064,11 @@
 </file>
 
 <file path=ppt/slideLayouts/slideLayout7.xml><?xml version="1.0" encoding="utf-8"?>
-<p:sldLayout xmlns:a="http://schemas.openxmlformats.org/drawingml/2006/main" xmlns:r="http://schemas.openxmlformats.org/officeDocument/2006/relationships" xmlns:mc="http://schemas.openxmlformats.org/markup-compatibility/2006" xmlns:mv="urn:schemas-microsoft-com:mac:vml" xmlns:p="http://schemas.openxmlformats.org/presentationml/2006/main" xmlns:c="http://schemas.openxmlformats.org/drawingml/2006/chart" xmlns:dgm="http://schemas.openxmlformats.org/drawingml/2006/diagram" xmlns:o="urn:schemas-microsoft-com:office:office" xmlns:v="urn:schemas-microsoft-com:vml" xmlns:pvml="urn:schemas-microsoft-com:office:powerpoint" xmlns:com="http://schemas.openxmlformats.org/drawingml/2006/compatibility" xmlns:p14="http://schemas.microsoft.com/office/powerpoint/2010/main" xmlns:p15="http://schemas.microsoft.com/office/powerpoint/2012/main" xmlns:ahyp="http://schemas.microsoft.com/office/drawing/2018/hyperlinkcolor" matchingName="Main point">
+<p:sldLayout xmlns:a="http://schemas.openxmlformats.org/drawingml/2006/main" xmlns:r="http://schemas.openxmlformats.org/officeDocument/2006/relationships" xmlns:p="http://schemas.openxmlformats.org/presentationml/2006/main" matchingName="Main point">
   <p:cSld name="MAIN_POINT">
     <p:spTree>
       <p:nvGrpSpPr>
-        <p:cNvPr id="32" name="Shape 32"/>
+        <p:cNvPr id="1" name="Shape 32"/>
         <p:cNvGrpSpPr/>
         <p:nvPr/>
       </p:nvGrpSpPr>
@@ -4061,7 +4083,9 @@
       <p:sp>
         <p:nvSpPr>
           <p:cNvPr id="33" name="Google Shape;33;p8"/>
-          <p:cNvSpPr txBox="1"/>
+          <p:cNvSpPr txBox="1">
+            <a:spLocks noGrp="1"/>
+          </p:cNvSpPr>
           <p:nvPr>
             <p:ph type="title"/>
           </p:nvPr>
@@ -4076,7 +4100,7 @@
           </a:prstGeom>
         </p:spPr>
         <p:txBody>
-          <a:bodyPr anchorCtr="0" anchor="ctr" bIns="91425" lIns="91425" spcFirstLastPara="1" rIns="91425" wrap="square" tIns="91425">
+          <a:bodyPr spcFirstLastPara="1" wrap="square" lIns="91425" tIns="91425" rIns="91425" bIns="91425" anchor="ctr" anchorCtr="0">
             <a:noAutofit/>
           </a:bodyPr>
           <a:lstStyle>
@@ -4180,15 +4204,19 @@
               <a:defRPr sz="4800"/>
             </a:lvl9pPr>
           </a:lstStyle>
-          <a:p/>
+          <a:p>
+            <a:endParaRPr/>
+          </a:p>
         </p:txBody>
       </p:sp>
       <p:sp>
         <p:nvSpPr>
           <p:cNvPr id="34" name="Google Shape;34;p8"/>
-          <p:cNvSpPr txBox="1"/>
+          <p:cNvSpPr txBox="1">
+            <a:spLocks noGrp="1"/>
+          </p:cNvSpPr>
           <p:nvPr>
-            <p:ph idx="12" type="sldNum"/>
+            <p:ph type="sldNum" idx="12"/>
           </p:nvPr>
         </p:nvSpPr>
         <p:spPr>
@@ -4201,7 +4229,7 @@
           </a:prstGeom>
         </p:spPr>
         <p:txBody>
-          <a:bodyPr anchorCtr="0" anchor="ctr" bIns="91425" lIns="91425" spcFirstLastPara="1" rIns="91425" wrap="square" tIns="91425">
+          <a:bodyPr spcFirstLastPara="1" wrap="square" lIns="91425" tIns="91425" rIns="91425" bIns="91425" anchor="ctr" anchorCtr="0">
             <a:noAutofit/>
           </a:bodyPr>
           <a:lstStyle>
@@ -4243,7 +4271,7 @@
             </a:lvl9pPr>
           </a:lstStyle>
           <a:p>
-            <a:pPr indent="0" lvl="0" marL="0" rtl="0" algn="r">
+            <a:pPr marL="0" lvl="0" indent="0" algn="r" rtl="0">
               <a:spcBef>
                 <a:spcPts val="0"/>
               </a:spcBef>
@@ -4269,11 +4297,11 @@
 </file>
 
 <file path=ppt/slideLayouts/slideLayout8.xml><?xml version="1.0" encoding="utf-8"?>
-<p:sldLayout xmlns:a="http://schemas.openxmlformats.org/drawingml/2006/main" xmlns:r="http://schemas.openxmlformats.org/officeDocument/2006/relationships" xmlns:mc="http://schemas.openxmlformats.org/markup-compatibility/2006" xmlns:mv="urn:schemas-microsoft-com:mac:vml" xmlns:p="http://schemas.openxmlformats.org/presentationml/2006/main" xmlns:c="http://schemas.openxmlformats.org/drawingml/2006/chart" xmlns:dgm="http://schemas.openxmlformats.org/drawingml/2006/diagram" xmlns:o="urn:schemas-microsoft-com:office:office" xmlns:v="urn:schemas-microsoft-com:vml" xmlns:pvml="urn:schemas-microsoft-com:office:powerpoint" xmlns:com="http://schemas.openxmlformats.org/drawingml/2006/compatibility" xmlns:p14="http://schemas.microsoft.com/office/powerpoint/2010/main" xmlns:p15="http://schemas.microsoft.com/office/powerpoint/2012/main" xmlns:ahyp="http://schemas.microsoft.com/office/drawing/2018/hyperlinkcolor" matchingName="Section title and description">
+<p:sldLayout xmlns:a="http://schemas.openxmlformats.org/drawingml/2006/main" xmlns:r="http://schemas.openxmlformats.org/officeDocument/2006/relationships" xmlns:p="http://schemas.openxmlformats.org/presentationml/2006/main" matchingName="Section title and description">
   <p:cSld name="SECTION_TITLE_AND_DESCRIPTION">
     <p:spTree>
       <p:nvGrpSpPr>
-        <p:cNvPr id="35" name="Shape 35"/>
+        <p:cNvPr id="1" name="Shape 35"/>
         <p:cNvGrpSpPr/>
         <p:nvPr/>
       </p:nvGrpSpPr>
@@ -4307,12 +4335,12 @@
           </a:ln>
         </p:spPr>
         <p:txBody>
-          <a:bodyPr anchorCtr="0" anchor="ctr" bIns="91425" lIns="91425" spcFirstLastPara="1" rIns="91425" wrap="square" tIns="91425">
+          <a:bodyPr spcFirstLastPara="1" wrap="square" lIns="91425" tIns="91425" rIns="91425" bIns="91425" anchor="ctr" anchorCtr="0">
             <a:noAutofit/>
           </a:bodyPr>
           <a:lstStyle/>
           <a:p>
-            <a:pPr indent="0" lvl="0" marL="0" rtl="0" algn="l">
+            <a:pPr marL="0" lvl="0" indent="0" algn="l" rtl="0">
               <a:spcBef>
                 <a:spcPts val="0"/>
               </a:spcBef>
@@ -4321,9 +4349,6 @@
               </a:spcAft>
               <a:buNone/>
             </a:pPr>
-            <a:r>
-              <a:t/>
-            </a:r>
             <a:endParaRPr/>
           </a:p>
         </p:txBody>
@@ -4331,7 +4356,9 @@
       <p:sp>
         <p:nvSpPr>
           <p:cNvPr id="37" name="Google Shape;37;p9"/>
-          <p:cNvSpPr txBox="1"/>
+          <p:cNvSpPr txBox="1">
+            <a:spLocks noGrp="1"/>
+          </p:cNvSpPr>
           <p:nvPr>
             <p:ph type="title"/>
           </p:nvPr>
@@ -4346,7 +4373,7 @@
           </a:prstGeom>
         </p:spPr>
         <p:txBody>
-          <a:bodyPr anchorCtr="0" anchor="b" bIns="91425" lIns="91425" spcFirstLastPara="1" rIns="91425" wrap="square" tIns="91425">
+          <a:bodyPr spcFirstLastPara="1" wrap="square" lIns="91425" tIns="91425" rIns="91425" bIns="91425" anchor="b" anchorCtr="0">
             <a:noAutofit/>
           </a:bodyPr>
           <a:lstStyle>
@@ -4450,15 +4477,19 @@
               <a:defRPr sz="4200"/>
             </a:lvl9pPr>
           </a:lstStyle>
-          <a:p/>
+          <a:p>
+            <a:endParaRPr/>
+          </a:p>
         </p:txBody>
       </p:sp>
       <p:sp>
         <p:nvSpPr>
           <p:cNvPr id="38" name="Google Shape;38;p9"/>
-          <p:cNvSpPr txBox="1"/>
+          <p:cNvSpPr txBox="1">
+            <a:spLocks noGrp="1"/>
+          </p:cNvSpPr>
           <p:nvPr>
-            <p:ph idx="1" type="subTitle"/>
+            <p:ph type="subTitle" idx="1"/>
           </p:nvPr>
         </p:nvSpPr>
         <p:spPr>
@@ -4471,7 +4502,7 @@
           </a:prstGeom>
         </p:spPr>
         <p:txBody>
-          <a:bodyPr anchorCtr="0" anchor="t" bIns="91425" lIns="91425" spcFirstLastPara="1" rIns="91425" wrap="square" tIns="91425">
+          <a:bodyPr spcFirstLastPara="1" wrap="square" lIns="91425" tIns="91425" rIns="91425" bIns="91425" anchor="t" anchorCtr="0">
             <a:noAutofit/>
           </a:bodyPr>
           <a:lstStyle>
@@ -4602,15 +4633,19 @@
               <a:defRPr sz="2100"/>
             </a:lvl9pPr>
           </a:lstStyle>
-          <a:p/>
+          <a:p>
+            <a:endParaRPr/>
+          </a:p>
         </p:txBody>
       </p:sp>
       <p:sp>
         <p:nvSpPr>
           <p:cNvPr id="39" name="Google Shape;39;p9"/>
-          <p:cNvSpPr txBox="1"/>
+          <p:cNvSpPr txBox="1">
+            <a:spLocks noGrp="1"/>
+          </p:cNvSpPr>
           <p:nvPr>
-            <p:ph idx="2" type="body"/>
+            <p:ph type="body" idx="2"/>
           </p:nvPr>
         </p:nvSpPr>
         <p:spPr>
@@ -4623,11 +4658,11 @@
           </a:prstGeom>
         </p:spPr>
         <p:txBody>
-          <a:bodyPr anchorCtr="0" anchor="ctr" bIns="91425" lIns="91425" spcFirstLastPara="1" rIns="91425" wrap="square" tIns="91425">
+          <a:bodyPr spcFirstLastPara="1" wrap="square" lIns="91425" tIns="91425" rIns="91425" bIns="91425" anchor="ctr" anchorCtr="0">
             <a:noAutofit/>
           </a:bodyPr>
           <a:lstStyle>
-            <a:lvl1pPr indent="-342900" lvl="0" marL="457200">
+            <a:lvl1pPr marL="457200" lvl="0" indent="-342900">
               <a:spcBef>
                 <a:spcPts val="0"/>
               </a:spcBef>
@@ -4638,7 +4673,7 @@
               <a:buChar char="●"/>
               <a:defRPr/>
             </a:lvl1pPr>
-            <a:lvl2pPr indent="-317500" lvl="1" marL="914400">
+            <a:lvl2pPr marL="914400" lvl="1" indent="-317500">
               <a:spcBef>
                 <a:spcPts val="1600"/>
               </a:spcBef>
@@ -4649,7 +4684,7 @@
               <a:buChar char="○"/>
               <a:defRPr/>
             </a:lvl2pPr>
-            <a:lvl3pPr indent="-317500" lvl="2" marL="1371600">
+            <a:lvl3pPr marL="1371600" lvl="2" indent="-317500">
               <a:spcBef>
                 <a:spcPts val="1600"/>
               </a:spcBef>
@@ -4660,7 +4695,7 @@
               <a:buChar char="■"/>
               <a:defRPr/>
             </a:lvl3pPr>
-            <a:lvl4pPr indent="-317500" lvl="3" marL="1828800">
+            <a:lvl4pPr marL="1828800" lvl="3" indent="-317500">
               <a:spcBef>
                 <a:spcPts val="1600"/>
               </a:spcBef>
@@ -4671,7 +4706,7 @@
               <a:buChar char="●"/>
               <a:defRPr/>
             </a:lvl4pPr>
-            <a:lvl5pPr indent="-317500" lvl="4" marL="2286000">
+            <a:lvl5pPr marL="2286000" lvl="4" indent="-317500">
               <a:spcBef>
                 <a:spcPts val="1600"/>
               </a:spcBef>
@@ -4682,7 +4717,7 @@
               <a:buChar char="○"/>
               <a:defRPr/>
             </a:lvl5pPr>
-            <a:lvl6pPr indent="-317500" lvl="5" marL="2743200">
+            <a:lvl6pPr marL="2743200" lvl="5" indent="-317500">
               <a:spcBef>
                 <a:spcPts val="1600"/>
               </a:spcBef>
@@ -4693,7 +4728,7 @@
               <a:buChar char="■"/>
               <a:defRPr/>
             </a:lvl6pPr>
-            <a:lvl7pPr indent="-317500" lvl="6" marL="3200400">
+            <a:lvl7pPr marL="3200400" lvl="6" indent="-317500">
               <a:spcBef>
                 <a:spcPts val="1600"/>
               </a:spcBef>
@@ -4704,7 +4739,7 @@
               <a:buChar char="●"/>
               <a:defRPr/>
             </a:lvl7pPr>
-            <a:lvl8pPr indent="-317500" lvl="7" marL="3657600">
+            <a:lvl8pPr marL="3657600" lvl="7" indent="-317500">
               <a:spcBef>
                 <a:spcPts val="1600"/>
               </a:spcBef>
@@ -4715,7 +4750,7 @@
               <a:buChar char="○"/>
               <a:defRPr/>
             </a:lvl8pPr>
-            <a:lvl9pPr indent="-317500" lvl="8" marL="4114800">
+            <a:lvl9pPr marL="4114800" lvl="8" indent="-317500">
               <a:spcBef>
                 <a:spcPts val="1600"/>
               </a:spcBef>
@@ -4727,15 +4762,19 @@
               <a:defRPr/>
             </a:lvl9pPr>
           </a:lstStyle>
-          <a:p/>
+          <a:p>
+            <a:endParaRPr/>
+          </a:p>
         </p:txBody>
       </p:sp>
       <p:sp>
         <p:nvSpPr>
           <p:cNvPr id="40" name="Google Shape;40;p9"/>
-          <p:cNvSpPr txBox="1"/>
+          <p:cNvSpPr txBox="1">
+            <a:spLocks noGrp="1"/>
+          </p:cNvSpPr>
           <p:nvPr>
-            <p:ph idx="12" type="sldNum"/>
+            <p:ph type="sldNum" idx="12"/>
           </p:nvPr>
         </p:nvSpPr>
         <p:spPr>
@@ -4748,7 +4787,7 @@
           </a:prstGeom>
         </p:spPr>
         <p:txBody>
-          <a:bodyPr anchorCtr="0" anchor="ctr" bIns="91425" lIns="91425" spcFirstLastPara="1" rIns="91425" wrap="square" tIns="91425">
+          <a:bodyPr spcFirstLastPara="1" wrap="square" lIns="91425" tIns="91425" rIns="91425" bIns="91425" anchor="ctr" anchorCtr="0">
             <a:noAutofit/>
           </a:bodyPr>
           <a:lstStyle>
@@ -4790,7 +4829,7 @@
             </a:lvl9pPr>
           </a:lstStyle>
           <a:p>
-            <a:pPr indent="0" lvl="0" marL="0" rtl="0" algn="r">
+            <a:pPr marL="0" lvl="0" indent="0" algn="r" rtl="0">
               <a:spcBef>
                 <a:spcPts val="0"/>
               </a:spcBef>
@@ -4816,11 +4855,11 @@
 </file>
 
 <file path=ppt/slideLayouts/slideLayout9.xml><?xml version="1.0" encoding="utf-8"?>
-<p:sldLayout xmlns:a="http://schemas.openxmlformats.org/drawingml/2006/main" xmlns:r="http://schemas.openxmlformats.org/officeDocument/2006/relationships" xmlns:mc="http://schemas.openxmlformats.org/markup-compatibility/2006" xmlns:mv="urn:schemas-microsoft-com:mac:vml" xmlns:p="http://schemas.openxmlformats.org/presentationml/2006/main" xmlns:c="http://schemas.openxmlformats.org/drawingml/2006/chart" xmlns:dgm="http://schemas.openxmlformats.org/drawingml/2006/diagram" xmlns:o="urn:schemas-microsoft-com:office:office" xmlns:v="urn:schemas-microsoft-com:vml" xmlns:pvml="urn:schemas-microsoft-com:office:powerpoint" xmlns:com="http://schemas.openxmlformats.org/drawingml/2006/compatibility" xmlns:p14="http://schemas.microsoft.com/office/powerpoint/2010/main" xmlns:p15="http://schemas.microsoft.com/office/powerpoint/2012/main" xmlns:ahyp="http://schemas.microsoft.com/office/drawing/2018/hyperlinkcolor" matchingName="Caption">
+<p:sldLayout xmlns:a="http://schemas.openxmlformats.org/drawingml/2006/main" xmlns:r="http://schemas.openxmlformats.org/officeDocument/2006/relationships" xmlns:p="http://schemas.openxmlformats.org/presentationml/2006/main" matchingName="Caption">
   <p:cSld name="CAPTION_ONLY">
     <p:spTree>
       <p:nvGrpSpPr>
-        <p:cNvPr id="41" name="Shape 41"/>
+        <p:cNvPr id="1" name="Shape 41"/>
         <p:cNvGrpSpPr/>
         <p:nvPr/>
       </p:nvGrpSpPr>
@@ -4835,9 +4874,11 @@
       <p:sp>
         <p:nvSpPr>
           <p:cNvPr id="42" name="Google Shape;42;p10"/>
-          <p:cNvSpPr txBox="1"/>
+          <p:cNvSpPr txBox="1">
+            <a:spLocks noGrp="1"/>
+          </p:cNvSpPr>
           <p:nvPr>
-            <p:ph idx="1" type="body"/>
+            <p:ph type="body" idx="1"/>
           </p:nvPr>
         </p:nvSpPr>
         <p:spPr>
@@ -4850,11 +4891,11 @@
           </a:prstGeom>
         </p:spPr>
         <p:txBody>
-          <a:bodyPr anchorCtr="0" anchor="ctr" bIns="91425" lIns="91425" spcFirstLastPara="1" rIns="91425" wrap="square" tIns="91425">
+          <a:bodyPr spcFirstLastPara="1" wrap="square" lIns="91425" tIns="91425" rIns="91425" bIns="91425" anchor="ctr" anchorCtr="0">
             <a:noAutofit/>
           </a:bodyPr>
           <a:lstStyle>
-            <a:lvl1pPr indent="-228600" lvl="0" marL="457200">
+            <a:lvl1pPr marL="457200" lvl="0" indent="-228600">
               <a:lnSpc>
                 <a:spcPct val="100000"/>
               </a:lnSpc>
@@ -4869,15 +4910,19 @@
               <a:defRPr/>
             </a:lvl1pPr>
           </a:lstStyle>
-          <a:p/>
+          <a:p>
+            <a:endParaRPr/>
+          </a:p>
         </p:txBody>
       </p:sp>
       <p:sp>
         <p:nvSpPr>
           <p:cNvPr id="43" name="Google Shape;43;p10"/>
-          <p:cNvSpPr txBox="1"/>
+          <p:cNvSpPr txBox="1">
+            <a:spLocks noGrp="1"/>
+          </p:cNvSpPr>
           <p:nvPr>
-            <p:ph idx="12" type="sldNum"/>
+            <p:ph type="sldNum" idx="12"/>
           </p:nvPr>
         </p:nvSpPr>
         <p:spPr>
@@ -4890,7 +4935,7 @@
           </a:prstGeom>
         </p:spPr>
         <p:txBody>
-          <a:bodyPr anchorCtr="0" anchor="ctr" bIns="91425" lIns="91425" spcFirstLastPara="1" rIns="91425" wrap="square" tIns="91425">
+          <a:bodyPr spcFirstLastPara="1" wrap="square" lIns="91425" tIns="91425" rIns="91425" bIns="91425" anchor="ctr" anchorCtr="0">
             <a:noAutofit/>
           </a:bodyPr>
           <a:lstStyle>
@@ -4932,7 +4977,7 @@
             </a:lvl9pPr>
           </a:lstStyle>
           <a:p>
-            <a:pPr indent="0" lvl="0" marL="0" rtl="0" algn="r">
+            <a:pPr marL="0" lvl="0" indent="0" algn="r" rtl="0">
               <a:spcBef>
                 <a:spcPts val="0"/>
               </a:spcBef>
@@ -4958,18 +5003,19 @@
 </file>
 
 <file path=ppt/slideMasters/slideMaster1.xml><?xml version="1.0" encoding="utf-8"?>
-<p:sldMaster xmlns:a="http://schemas.openxmlformats.org/drawingml/2006/main" xmlns:r="http://schemas.openxmlformats.org/officeDocument/2006/relationships" xmlns:mc="http://schemas.openxmlformats.org/markup-compatibility/2006" xmlns:mv="urn:schemas-microsoft-com:mac:vml" xmlns:p="http://schemas.openxmlformats.org/presentationml/2006/main" xmlns:c="http://schemas.openxmlformats.org/drawingml/2006/chart" xmlns:dgm="http://schemas.openxmlformats.org/drawingml/2006/diagram" xmlns:o="urn:schemas-microsoft-com:office:office" xmlns:v="urn:schemas-microsoft-com:vml" xmlns:pvml="urn:schemas-microsoft-com:office:powerpoint" xmlns:com="http://schemas.openxmlformats.org/drawingml/2006/compatibility" xmlns:p14="http://schemas.microsoft.com/office/powerpoint/2010/main" xmlns:p15="http://schemas.microsoft.com/office/powerpoint/2012/main" xmlns:ahyp="http://schemas.microsoft.com/office/drawing/2018/hyperlinkcolor">
+<p:sldMaster xmlns:a="http://schemas.openxmlformats.org/drawingml/2006/main" xmlns:r="http://schemas.openxmlformats.org/officeDocument/2006/relationships" xmlns:p="http://schemas.openxmlformats.org/presentationml/2006/main">
   <p:cSld name="simple-light-2">
     <p:bg>
       <p:bgPr>
         <a:solidFill>
           <a:schemeClr val="lt1"/>
         </a:solidFill>
+        <a:effectLst/>
       </p:bgPr>
     </p:bg>
     <p:spTree>
       <p:nvGrpSpPr>
-        <p:cNvPr id="5" name="Shape 5"/>
+        <p:cNvPr id="1" name="Shape 5"/>
         <p:cNvGrpSpPr/>
         <p:nvPr/>
       </p:nvGrpSpPr>
@@ -4984,7 +5030,9 @@
       <p:sp>
         <p:nvSpPr>
           <p:cNvPr id="6" name="Google Shape;6;p1"/>
-          <p:cNvSpPr txBox="1"/>
+          <p:cNvSpPr txBox="1">
+            <a:spLocks noGrp="1"/>
+          </p:cNvSpPr>
           <p:nvPr>
             <p:ph type="title"/>
           </p:nvPr>
@@ -5003,7 +5051,7 @@
           </a:ln>
         </p:spPr>
         <p:txBody>
-          <a:bodyPr anchorCtr="0" anchor="t" bIns="91425" lIns="91425" spcFirstLastPara="1" rIns="91425" wrap="square" tIns="91425">
+          <a:bodyPr spcFirstLastPara="1" wrap="square" lIns="91425" tIns="91425" rIns="91425" bIns="91425" anchor="t" anchorCtr="0">
             <a:noAutofit/>
           </a:bodyPr>
           <a:lstStyle>
@@ -5170,15 +5218,19 @@
               </a:defRPr>
             </a:lvl9pPr>
           </a:lstStyle>
-          <a:p/>
+          <a:p>
+            <a:endParaRPr/>
+          </a:p>
         </p:txBody>
       </p:sp>
       <p:sp>
         <p:nvSpPr>
           <p:cNvPr id="7" name="Google Shape;7;p1"/>
-          <p:cNvSpPr txBox="1"/>
+          <p:cNvSpPr txBox="1">
+            <a:spLocks noGrp="1"/>
+          </p:cNvSpPr>
           <p:nvPr>
-            <p:ph idx="1" type="body"/>
+            <p:ph type="body" idx="1"/>
           </p:nvPr>
         </p:nvSpPr>
         <p:spPr>
@@ -5195,11 +5247,11 @@
           </a:ln>
         </p:spPr>
         <p:txBody>
-          <a:bodyPr anchorCtr="0" anchor="t" bIns="91425" lIns="91425" spcFirstLastPara="1" rIns="91425" wrap="square" tIns="91425">
+          <a:bodyPr spcFirstLastPara="1" wrap="square" lIns="91425" tIns="91425" rIns="91425" bIns="91425" anchor="t" anchorCtr="0">
             <a:noAutofit/>
           </a:bodyPr>
           <a:lstStyle>
-            <a:lvl1pPr indent="-342900" lvl="0" marL="457200">
+            <a:lvl1pPr marL="457200" lvl="0" indent="-342900">
               <a:lnSpc>
                 <a:spcPct val="115000"/>
               </a:lnSpc>
@@ -5220,7 +5272,7 @@
                 </a:solidFill>
               </a:defRPr>
             </a:lvl1pPr>
-            <a:lvl2pPr indent="-317500" lvl="1" marL="914400">
+            <a:lvl2pPr marL="914400" lvl="1" indent="-317500">
               <a:lnSpc>
                 <a:spcPct val="115000"/>
               </a:lnSpc>
@@ -5241,7 +5293,7 @@
                 </a:solidFill>
               </a:defRPr>
             </a:lvl2pPr>
-            <a:lvl3pPr indent="-317500" lvl="2" marL="1371600">
+            <a:lvl3pPr marL="1371600" lvl="2" indent="-317500">
               <a:lnSpc>
                 <a:spcPct val="115000"/>
               </a:lnSpc>
@@ -5262,7 +5314,7 @@
                 </a:solidFill>
               </a:defRPr>
             </a:lvl3pPr>
-            <a:lvl4pPr indent="-317500" lvl="3" marL="1828800">
+            <a:lvl4pPr marL="1828800" lvl="3" indent="-317500">
               <a:lnSpc>
                 <a:spcPct val="115000"/>
               </a:lnSpc>
@@ -5283,7 +5335,7 @@
                 </a:solidFill>
               </a:defRPr>
             </a:lvl4pPr>
-            <a:lvl5pPr indent="-317500" lvl="4" marL="2286000">
+            <a:lvl5pPr marL="2286000" lvl="4" indent="-317500">
               <a:lnSpc>
                 <a:spcPct val="115000"/>
               </a:lnSpc>
@@ -5304,7 +5356,7 @@
                 </a:solidFill>
               </a:defRPr>
             </a:lvl5pPr>
-            <a:lvl6pPr indent="-317500" lvl="5" marL="2743200">
+            <a:lvl6pPr marL="2743200" lvl="5" indent="-317500">
               <a:lnSpc>
                 <a:spcPct val="115000"/>
               </a:lnSpc>
@@ -5325,7 +5377,7 @@
                 </a:solidFill>
               </a:defRPr>
             </a:lvl6pPr>
-            <a:lvl7pPr indent="-317500" lvl="6" marL="3200400">
+            <a:lvl7pPr marL="3200400" lvl="6" indent="-317500">
               <a:lnSpc>
                 <a:spcPct val="115000"/>
               </a:lnSpc>
@@ -5346,7 +5398,7 @@
                 </a:solidFill>
               </a:defRPr>
             </a:lvl7pPr>
-            <a:lvl8pPr indent="-317500" lvl="7" marL="3657600">
+            <a:lvl8pPr marL="3657600" lvl="7" indent="-317500">
               <a:lnSpc>
                 <a:spcPct val="115000"/>
               </a:lnSpc>
@@ -5367,7 +5419,7 @@
                 </a:solidFill>
               </a:defRPr>
             </a:lvl8pPr>
-            <a:lvl9pPr indent="-317500" lvl="8" marL="4114800">
+            <a:lvl9pPr marL="4114800" lvl="8" indent="-317500">
               <a:lnSpc>
                 <a:spcPct val="115000"/>
               </a:lnSpc>
@@ -5389,15 +5441,19 @@
               </a:defRPr>
             </a:lvl9pPr>
           </a:lstStyle>
-          <a:p/>
+          <a:p>
+            <a:endParaRPr/>
+          </a:p>
         </p:txBody>
       </p:sp>
       <p:sp>
         <p:nvSpPr>
           <p:cNvPr id="8" name="Google Shape;8;p1"/>
-          <p:cNvSpPr txBox="1"/>
+          <p:cNvSpPr txBox="1">
+            <a:spLocks noGrp="1"/>
+          </p:cNvSpPr>
           <p:nvPr>
-            <p:ph idx="12" type="sldNum"/>
+            <p:ph type="sldNum" idx="12"/>
           </p:nvPr>
         </p:nvSpPr>
         <p:spPr>
@@ -5414,7 +5470,7 @@
           </a:ln>
         </p:spPr>
         <p:txBody>
-          <a:bodyPr anchorCtr="0" anchor="ctr" bIns="91425" lIns="91425" spcFirstLastPara="1" rIns="91425" wrap="square" tIns="91425">
+          <a:bodyPr spcFirstLastPara="1" wrap="square" lIns="91425" tIns="91425" rIns="91425" bIns="91425" anchor="ctr" anchorCtr="0">
             <a:noAutofit/>
           </a:bodyPr>
           <a:lstStyle>
@@ -5492,7 +5548,7 @@
             </a:lvl9pPr>
           </a:lstStyle>
           <a:p>
-            <a:pPr indent="0" lvl="0" marL="0" rtl="0" algn="r">
+            <a:pPr marL="0" lvl="0" indent="0" algn="r" rtl="0">
               <a:spcBef>
                 <a:spcPts val="0"/>
               </a:spcBef>
@@ -5511,7 +5567,7 @@
       </p:sp>
     </p:spTree>
   </p:cSld>
-  <p:clrMap accent1="accent1" accent2="accent2" accent3="accent3" accent4="accent4" accent5="accent5" accent6="accent6" bg1="lt1" bg2="dk2" tx1="dk1" tx2="lt2" folHlink="folHlink" hlink="hlink"/>
+  <p:clrMap bg1="lt1" tx1="dk1" bg2="dk2" tx2="lt2" accent1="accent1" accent2="accent2" accent3="accent3" accent4="accent4" accent5="accent5" accent6="accent6" hlink="hlink" folHlink="folHlink"/>
   <p:sldLayoutIdLst>
     <p:sldLayoutId id="2147483648" r:id="rId1"/>
     <p:sldLayoutId id="2147483649" r:id="rId2"/>
@@ -5525,10 +5581,10 @@
     <p:sldLayoutId id="2147483657" r:id="rId10"/>
     <p:sldLayoutId id="2147483658" r:id="rId11"/>
   </p:sldLayoutIdLst>
-  <p:hf dt="0" ftr="0" hdr="0" sldNum="0"/>
+  <p:hf sldNum="0" hdr="0" ftr="0" dt="0"/>
   <p:txStyles>
     <p:titleStyle>
-      <a:defPPr lvl="0" marR="0" rtl="0" algn="l">
+      <a:defPPr marR="0" lvl="0" algn="l" rtl="0">
         <a:lnSpc>
           <a:spcPct val="100000"/>
         </a:lnSpc>
@@ -5539,7 +5595,7 @@
           <a:spcPts val="0"/>
         </a:spcAft>
       </a:defPPr>
-      <a:lvl1pPr lvl="0" marR="0" rtl="0" algn="l">
+      <a:lvl1pPr marR="0" lvl="0" algn="l" rtl="0">
         <a:lnSpc>
           <a:spcPct val="100000"/>
         </a:lnSpc>
@@ -5553,7 +5609,7 @@
           <a:srgbClr val="000000"/>
         </a:buClr>
         <a:buFont typeface="Arial"/>
-        <a:defRPr b="0" i="0" sz="1400" u="none" cap="none" strike="noStrike">
+        <a:defRPr sz="1400" b="0" i="0" u="none" strike="noStrike" cap="none">
           <a:solidFill>
             <a:srgbClr val="000000"/>
           </a:solidFill>
@@ -5563,7 +5619,7 @@
           <a:sym typeface="Arial"/>
         </a:defRPr>
       </a:lvl1pPr>
-      <a:lvl2pPr lvl="1" marR="0" rtl="0" algn="l">
+      <a:lvl2pPr marR="0" lvl="1" algn="l" rtl="0">
         <a:lnSpc>
           <a:spcPct val="100000"/>
         </a:lnSpc>
@@ -5577,7 +5633,7 @@
           <a:srgbClr val="000000"/>
         </a:buClr>
         <a:buFont typeface="Arial"/>
-        <a:defRPr b="0" i="0" sz="1400" u="none" cap="none" strike="noStrike">
+        <a:defRPr sz="1400" b="0" i="0" u="none" strike="noStrike" cap="none">
           <a:solidFill>
             <a:srgbClr val="000000"/>
           </a:solidFill>
@@ -5587,7 +5643,7 @@
           <a:sym typeface="Arial"/>
         </a:defRPr>
       </a:lvl2pPr>
-      <a:lvl3pPr lvl="2" marR="0" rtl="0" algn="l">
+      <a:lvl3pPr marR="0" lvl="2" algn="l" rtl="0">
         <a:lnSpc>
           <a:spcPct val="100000"/>
         </a:lnSpc>
@@ -5601,7 +5657,7 @@
           <a:srgbClr val="000000"/>
         </a:buClr>
         <a:buFont typeface="Arial"/>
-        <a:defRPr b="0" i="0" sz="1400" u="none" cap="none" strike="noStrike">
+        <a:defRPr sz="1400" b="0" i="0" u="none" strike="noStrike" cap="none">
           <a:solidFill>
             <a:srgbClr val="000000"/>
           </a:solidFill>
@@ -5611,7 +5667,7 @@
           <a:sym typeface="Arial"/>
         </a:defRPr>
       </a:lvl3pPr>
-      <a:lvl4pPr lvl="3" marR="0" rtl="0" algn="l">
+      <a:lvl4pPr marR="0" lvl="3" algn="l" rtl="0">
         <a:lnSpc>
           <a:spcPct val="100000"/>
         </a:lnSpc>
@@ -5625,7 +5681,7 @@
           <a:srgbClr val="000000"/>
         </a:buClr>
         <a:buFont typeface="Arial"/>
-        <a:defRPr b="0" i="0" sz="1400" u="none" cap="none" strike="noStrike">
+        <a:defRPr sz="1400" b="0" i="0" u="none" strike="noStrike" cap="none">
           <a:solidFill>
             <a:srgbClr val="000000"/>
           </a:solidFill>
@@ -5635,7 +5691,7 @@
           <a:sym typeface="Arial"/>
         </a:defRPr>
       </a:lvl4pPr>
-      <a:lvl5pPr lvl="4" marR="0" rtl="0" algn="l">
+      <a:lvl5pPr marR="0" lvl="4" algn="l" rtl="0">
         <a:lnSpc>
           <a:spcPct val="100000"/>
         </a:lnSpc>
@@ -5649,7 +5705,7 @@
           <a:srgbClr val="000000"/>
         </a:buClr>
         <a:buFont typeface="Arial"/>
-        <a:defRPr b="0" i="0" sz="1400" u="none" cap="none" strike="noStrike">
+        <a:defRPr sz="1400" b="0" i="0" u="none" strike="noStrike" cap="none">
           <a:solidFill>
             <a:srgbClr val="000000"/>
           </a:solidFill>
@@ -5659,7 +5715,7 @@
           <a:sym typeface="Arial"/>
         </a:defRPr>
       </a:lvl5pPr>
-      <a:lvl6pPr lvl="5" marR="0" rtl="0" algn="l">
+      <a:lvl6pPr marR="0" lvl="5" algn="l" rtl="0">
         <a:lnSpc>
           <a:spcPct val="100000"/>
         </a:lnSpc>
@@ -5673,7 +5729,7 @@
           <a:srgbClr val="000000"/>
         </a:buClr>
         <a:buFont typeface="Arial"/>
-        <a:defRPr b="0" i="0" sz="1400" u="none" cap="none" strike="noStrike">
+        <a:defRPr sz="1400" b="0" i="0" u="none" strike="noStrike" cap="none">
           <a:solidFill>
             <a:srgbClr val="000000"/>
           </a:solidFill>
@@ -5683,7 +5739,7 @@
           <a:sym typeface="Arial"/>
         </a:defRPr>
       </a:lvl6pPr>
-      <a:lvl7pPr lvl="6" marR="0" rtl="0" algn="l">
+      <a:lvl7pPr marR="0" lvl="6" algn="l" rtl="0">
         <a:lnSpc>
           <a:spcPct val="100000"/>
         </a:lnSpc>
@@ -5697,7 +5753,7 @@
           <a:srgbClr val="000000"/>
         </a:buClr>
         <a:buFont typeface="Arial"/>
-        <a:defRPr b="0" i="0" sz="1400" u="none" cap="none" strike="noStrike">
+        <a:defRPr sz="1400" b="0" i="0" u="none" strike="noStrike" cap="none">
           <a:solidFill>
             <a:srgbClr val="000000"/>
           </a:solidFill>
@@ -5707,7 +5763,7 @@
           <a:sym typeface="Arial"/>
         </a:defRPr>
       </a:lvl7pPr>
-      <a:lvl8pPr lvl="7" marR="0" rtl="0" algn="l">
+      <a:lvl8pPr marR="0" lvl="7" algn="l" rtl="0">
         <a:lnSpc>
           <a:spcPct val="100000"/>
         </a:lnSpc>
@@ -5721,7 +5777,7 @@
           <a:srgbClr val="000000"/>
         </a:buClr>
         <a:buFont typeface="Arial"/>
-        <a:defRPr b="0" i="0" sz="1400" u="none" cap="none" strike="noStrike">
+        <a:defRPr sz="1400" b="0" i="0" u="none" strike="noStrike" cap="none">
           <a:solidFill>
             <a:srgbClr val="000000"/>
           </a:solidFill>
@@ -5731,7 +5787,7 @@
           <a:sym typeface="Arial"/>
         </a:defRPr>
       </a:lvl8pPr>
-      <a:lvl9pPr lvl="8" marR="0" rtl="0" algn="l">
+      <a:lvl9pPr marR="0" lvl="8" algn="l" rtl="0">
         <a:lnSpc>
           <a:spcPct val="100000"/>
         </a:lnSpc>
@@ -5745,7 +5801,7 @@
           <a:srgbClr val="000000"/>
         </a:buClr>
         <a:buFont typeface="Arial"/>
-        <a:defRPr b="0" i="0" sz="1400" u="none" cap="none" strike="noStrike">
+        <a:defRPr sz="1400" b="0" i="0" u="none" strike="noStrike" cap="none">
           <a:solidFill>
             <a:srgbClr val="000000"/>
           </a:solidFill>
@@ -5757,7 +5813,7 @@
       </a:lvl9pPr>
     </p:titleStyle>
     <p:bodyStyle>
-      <a:defPPr lvl="0" marR="0" rtl="0" algn="l">
+      <a:defPPr marR="0" lvl="0" algn="l" rtl="0">
         <a:lnSpc>
           <a:spcPct val="100000"/>
         </a:lnSpc>
@@ -5768,7 +5824,7 @@
           <a:spcPts val="0"/>
         </a:spcAft>
       </a:defPPr>
-      <a:lvl1pPr lvl="0" marR="0" rtl="0" algn="l">
+      <a:lvl1pPr marR="0" lvl="0" algn="l" rtl="0">
         <a:lnSpc>
           <a:spcPct val="100000"/>
         </a:lnSpc>
@@ -5782,7 +5838,7 @@
           <a:srgbClr val="000000"/>
         </a:buClr>
         <a:buFont typeface="Arial"/>
-        <a:defRPr b="0" i="0" sz="1400" u="none" cap="none" strike="noStrike">
+        <a:defRPr sz="1400" b="0" i="0" u="none" strike="noStrike" cap="none">
           <a:solidFill>
             <a:srgbClr val="000000"/>
           </a:solidFill>
@@ -5792,7 +5848,7 @@
           <a:sym typeface="Arial"/>
         </a:defRPr>
       </a:lvl1pPr>
-      <a:lvl2pPr lvl="1" marR="0" rtl="0" algn="l">
+      <a:lvl2pPr marR="0" lvl="1" algn="l" rtl="0">
         <a:lnSpc>
           <a:spcPct val="100000"/>
         </a:lnSpc>
@@ -5806,7 +5862,7 @@
           <a:srgbClr val="000000"/>
         </a:buClr>
         <a:buFont typeface="Arial"/>
-        <a:defRPr b="0" i="0" sz="1400" u="none" cap="none" strike="noStrike">
+        <a:defRPr sz="1400" b="0" i="0" u="none" strike="noStrike" cap="none">
           <a:solidFill>
             <a:srgbClr val="000000"/>
           </a:solidFill>
@@ -5816,7 +5872,7 @@
           <a:sym typeface="Arial"/>
         </a:defRPr>
       </a:lvl2pPr>
-      <a:lvl3pPr lvl="2" marR="0" rtl="0" algn="l">
+      <a:lvl3pPr marR="0" lvl="2" algn="l" rtl="0">
         <a:lnSpc>
           <a:spcPct val="100000"/>
         </a:lnSpc>
@@ -5830,7 +5886,7 @@
           <a:srgbClr val="000000"/>
         </a:buClr>
         <a:buFont typeface="Arial"/>
-        <a:defRPr b="0" i="0" sz="1400" u="none" cap="none" strike="noStrike">
+        <a:defRPr sz="1400" b="0" i="0" u="none" strike="noStrike" cap="none">
           <a:solidFill>
             <a:srgbClr val="000000"/>
           </a:solidFill>
@@ -5840,7 +5896,7 @@
           <a:sym typeface="Arial"/>
         </a:defRPr>
       </a:lvl3pPr>
-      <a:lvl4pPr lvl="3" marR="0" rtl="0" algn="l">
+      <a:lvl4pPr marR="0" lvl="3" algn="l" rtl="0">
         <a:lnSpc>
           <a:spcPct val="100000"/>
         </a:lnSpc>
@@ -5854,7 +5910,7 @@
           <a:srgbClr val="000000"/>
         </a:buClr>
         <a:buFont typeface="Arial"/>
-        <a:defRPr b="0" i="0" sz="1400" u="none" cap="none" strike="noStrike">
+        <a:defRPr sz="1400" b="0" i="0" u="none" strike="noStrike" cap="none">
           <a:solidFill>
             <a:srgbClr val="000000"/>
           </a:solidFill>
@@ -5864,7 +5920,7 @@
           <a:sym typeface="Arial"/>
         </a:defRPr>
       </a:lvl4pPr>
-      <a:lvl5pPr lvl="4" marR="0" rtl="0" algn="l">
+      <a:lvl5pPr marR="0" lvl="4" algn="l" rtl="0">
         <a:lnSpc>
           <a:spcPct val="100000"/>
         </a:lnSpc>
@@ -5878,7 +5934,7 @@
           <a:srgbClr val="000000"/>
         </a:buClr>
         <a:buFont typeface="Arial"/>
-        <a:defRPr b="0" i="0" sz="1400" u="none" cap="none" strike="noStrike">
+        <a:defRPr sz="1400" b="0" i="0" u="none" strike="noStrike" cap="none">
           <a:solidFill>
             <a:srgbClr val="000000"/>
           </a:solidFill>
@@ -5888,7 +5944,7 @@
           <a:sym typeface="Arial"/>
         </a:defRPr>
       </a:lvl5pPr>
-      <a:lvl6pPr lvl="5" marR="0" rtl="0" algn="l">
+      <a:lvl6pPr marR="0" lvl="5" algn="l" rtl="0">
         <a:lnSpc>
           <a:spcPct val="100000"/>
         </a:lnSpc>
@@ -5902,7 +5958,7 @@
           <a:srgbClr val="000000"/>
         </a:buClr>
         <a:buFont typeface="Arial"/>
-        <a:defRPr b="0" i="0" sz="1400" u="none" cap="none" strike="noStrike">
+        <a:defRPr sz="1400" b="0" i="0" u="none" strike="noStrike" cap="none">
           <a:solidFill>
             <a:srgbClr val="000000"/>
           </a:solidFill>
@@ -5912,7 +5968,7 @@
           <a:sym typeface="Arial"/>
         </a:defRPr>
       </a:lvl6pPr>
-      <a:lvl7pPr lvl="6" marR="0" rtl="0" algn="l">
+      <a:lvl7pPr marR="0" lvl="6" algn="l" rtl="0">
         <a:lnSpc>
           <a:spcPct val="100000"/>
         </a:lnSpc>
@@ -5926,7 +5982,7 @@
           <a:srgbClr val="000000"/>
         </a:buClr>
         <a:buFont typeface="Arial"/>
-        <a:defRPr b="0" i="0" sz="1400" u="none" cap="none" strike="noStrike">
+        <a:defRPr sz="1400" b="0" i="0" u="none" strike="noStrike" cap="none">
           <a:solidFill>
             <a:srgbClr val="000000"/>
           </a:solidFill>
@@ -5936,7 +5992,7 @@
           <a:sym typeface="Arial"/>
         </a:defRPr>
       </a:lvl7pPr>
-      <a:lvl8pPr lvl="7" marR="0" rtl="0" algn="l">
+      <a:lvl8pPr marR="0" lvl="7" algn="l" rtl="0">
         <a:lnSpc>
           <a:spcPct val="100000"/>
         </a:lnSpc>
@@ -5950,7 +6006,7 @@
           <a:srgbClr val="000000"/>
         </a:buClr>
         <a:buFont typeface="Arial"/>
-        <a:defRPr b="0" i="0" sz="1400" u="none" cap="none" strike="noStrike">
+        <a:defRPr sz="1400" b="0" i="0" u="none" strike="noStrike" cap="none">
           <a:solidFill>
             <a:srgbClr val="000000"/>
           </a:solidFill>
@@ -5960,7 +6016,7 @@
           <a:sym typeface="Arial"/>
         </a:defRPr>
       </a:lvl8pPr>
-      <a:lvl9pPr lvl="8" marR="0" rtl="0" algn="l">
+      <a:lvl9pPr marR="0" lvl="8" algn="l" rtl="0">
         <a:lnSpc>
           <a:spcPct val="100000"/>
         </a:lnSpc>
@@ -5974,7 +6030,7 @@
           <a:srgbClr val="000000"/>
         </a:buClr>
         <a:buFont typeface="Arial"/>
-        <a:defRPr b="0" i="0" sz="1400" u="none" cap="none" strike="noStrike">
+        <a:defRPr sz="1400" b="0" i="0" u="none" strike="noStrike" cap="none">
           <a:solidFill>
             <a:srgbClr val="000000"/>
           </a:solidFill>
@@ -5986,7 +6042,7 @@
       </a:lvl9pPr>
     </p:bodyStyle>
     <p:otherStyle>
-      <a:defPPr lvl="0" marR="0" rtl="0" algn="l">
+      <a:defPPr marR="0" lvl="0" algn="l" rtl="0">
         <a:lnSpc>
           <a:spcPct val="100000"/>
         </a:lnSpc>
@@ -5997,7 +6053,7 @@
           <a:spcPts val="0"/>
         </a:spcAft>
       </a:defPPr>
-      <a:lvl1pPr lvl="0" marR="0" rtl="0" algn="l">
+      <a:lvl1pPr marR="0" lvl="0" algn="l" rtl="0">
         <a:lnSpc>
           <a:spcPct val="100000"/>
         </a:lnSpc>
@@ -6011,7 +6067,7 @@
           <a:srgbClr val="000000"/>
         </a:buClr>
         <a:buFont typeface="Arial"/>
-        <a:defRPr b="0" i="0" sz="1400" u="none" cap="none" strike="noStrike">
+        <a:defRPr sz="1400" b="0" i="0" u="none" strike="noStrike" cap="none">
           <a:solidFill>
             <a:srgbClr val="000000"/>
           </a:solidFill>
@@ -6021,7 +6077,7 @@
           <a:sym typeface="Arial"/>
         </a:defRPr>
       </a:lvl1pPr>
-      <a:lvl2pPr lvl="1" marR="0" rtl="0" algn="l">
+      <a:lvl2pPr marR="0" lvl="1" algn="l" rtl="0">
         <a:lnSpc>
           <a:spcPct val="100000"/>
         </a:lnSpc>
@@ -6035,7 +6091,7 @@
           <a:srgbClr val="000000"/>
         </a:buClr>
         <a:buFont typeface="Arial"/>
-        <a:defRPr b="0" i="0" sz="1400" u="none" cap="none" strike="noStrike">
+        <a:defRPr sz="1400" b="0" i="0" u="none" strike="noStrike" cap="none">
           <a:solidFill>
             <a:srgbClr val="000000"/>
           </a:solidFill>
@@ -6045,7 +6101,7 @@
           <a:sym typeface="Arial"/>
         </a:defRPr>
       </a:lvl2pPr>
-      <a:lvl3pPr lvl="2" marR="0" rtl="0" algn="l">
+      <a:lvl3pPr marR="0" lvl="2" algn="l" rtl="0">
         <a:lnSpc>
           <a:spcPct val="100000"/>
         </a:lnSpc>
@@ -6059,7 +6115,7 @@
           <a:srgbClr val="000000"/>
         </a:buClr>
         <a:buFont typeface="Arial"/>
-        <a:defRPr b="0" i="0" sz="1400" u="none" cap="none" strike="noStrike">
+        <a:defRPr sz="1400" b="0" i="0" u="none" strike="noStrike" cap="none">
           <a:solidFill>
             <a:srgbClr val="000000"/>
           </a:solidFill>
@@ -6069,7 +6125,7 @@
           <a:sym typeface="Arial"/>
         </a:defRPr>
       </a:lvl3pPr>
-      <a:lvl4pPr lvl="3" marR="0" rtl="0" algn="l">
+      <a:lvl4pPr marR="0" lvl="3" algn="l" rtl="0">
         <a:lnSpc>
           <a:spcPct val="100000"/>
         </a:lnSpc>
@@ -6083,7 +6139,7 @@
           <a:srgbClr val="000000"/>
         </a:buClr>
         <a:buFont typeface="Arial"/>
-        <a:defRPr b="0" i="0" sz="1400" u="none" cap="none" strike="noStrike">
+        <a:defRPr sz="1400" b="0" i="0" u="none" strike="noStrike" cap="none">
           <a:solidFill>
             <a:srgbClr val="000000"/>
           </a:solidFill>
@@ -6093,7 +6149,7 @@
           <a:sym typeface="Arial"/>
         </a:defRPr>
       </a:lvl4pPr>
-      <a:lvl5pPr lvl="4" marR="0" rtl="0" algn="l">
+      <a:lvl5pPr marR="0" lvl="4" algn="l" rtl="0">
         <a:lnSpc>
           <a:spcPct val="100000"/>
         </a:lnSpc>
@@ -6107,7 +6163,7 @@
           <a:srgbClr val="000000"/>
         </a:buClr>
         <a:buFont typeface="Arial"/>
-        <a:defRPr b="0" i="0" sz="1400" u="none" cap="none" strike="noStrike">
+        <a:defRPr sz="1400" b="0" i="0" u="none" strike="noStrike" cap="none">
           <a:solidFill>
             <a:srgbClr val="000000"/>
           </a:solidFill>
@@ -6117,7 +6173,7 @@
           <a:sym typeface="Arial"/>
         </a:defRPr>
       </a:lvl5pPr>
-      <a:lvl6pPr lvl="5" marR="0" rtl="0" algn="l">
+      <a:lvl6pPr marR="0" lvl="5" algn="l" rtl="0">
         <a:lnSpc>
           <a:spcPct val="100000"/>
         </a:lnSpc>
@@ -6131,7 +6187,7 @@
           <a:srgbClr val="000000"/>
         </a:buClr>
         <a:buFont typeface="Arial"/>
-        <a:defRPr b="0" i="0" sz="1400" u="none" cap="none" strike="noStrike">
+        <a:defRPr sz="1400" b="0" i="0" u="none" strike="noStrike" cap="none">
           <a:solidFill>
             <a:srgbClr val="000000"/>
           </a:solidFill>
@@ -6141,7 +6197,7 @@
           <a:sym typeface="Arial"/>
         </a:defRPr>
       </a:lvl6pPr>
-      <a:lvl7pPr lvl="6" marR="0" rtl="0" algn="l">
+      <a:lvl7pPr marR="0" lvl="6" algn="l" rtl="0">
         <a:lnSpc>
           <a:spcPct val="100000"/>
         </a:lnSpc>
@@ -6155,7 +6211,7 @@
           <a:srgbClr val="000000"/>
         </a:buClr>
         <a:buFont typeface="Arial"/>
-        <a:defRPr b="0" i="0" sz="1400" u="none" cap="none" strike="noStrike">
+        <a:defRPr sz="1400" b="0" i="0" u="none" strike="noStrike" cap="none">
           <a:solidFill>
             <a:srgbClr val="000000"/>
           </a:solidFill>
@@ -6165,7 +6221,7 @@
           <a:sym typeface="Arial"/>
         </a:defRPr>
       </a:lvl7pPr>
-      <a:lvl8pPr lvl="7" marR="0" rtl="0" algn="l">
+      <a:lvl8pPr marR="0" lvl="7" algn="l" rtl="0">
         <a:lnSpc>
           <a:spcPct val="100000"/>
         </a:lnSpc>
@@ -6179,7 +6235,7 @@
           <a:srgbClr val="000000"/>
         </a:buClr>
         <a:buFont typeface="Arial"/>
-        <a:defRPr b="0" i="0" sz="1400" u="none" cap="none" strike="noStrike">
+        <a:defRPr sz="1400" b="0" i="0" u="none" strike="noStrike" cap="none">
           <a:solidFill>
             <a:srgbClr val="000000"/>
           </a:solidFill>
@@ -6189,7 +6245,7 @@
           <a:sym typeface="Arial"/>
         </a:defRPr>
       </a:lvl8pPr>
-      <a:lvl9pPr lvl="8" marR="0" rtl="0" algn="l">
+      <a:lvl9pPr marR="0" lvl="8" algn="l" rtl="0">
         <a:lnSpc>
           <a:spcPct val="100000"/>
         </a:lnSpc>
@@ -6203,7 +6259,7 @@
           <a:srgbClr val="000000"/>
         </a:buClr>
         <a:buFont typeface="Arial"/>
-        <a:defRPr b="0" i="0" sz="1400" u="none" cap="none" strike="noStrike">
+        <a:defRPr sz="1400" b="0" i="0" u="none" strike="noStrike" cap="none">
           <a:solidFill>
             <a:srgbClr val="000000"/>
           </a:solidFill>
@@ -6219,7 +6275,7 @@
 </file>
 
 <file path=ppt/slides/slide1.xml><?xml version="1.0" encoding="utf-8"?>
-<p:sld xmlns:a="http://schemas.openxmlformats.org/drawingml/2006/main" xmlns:r="http://schemas.openxmlformats.org/officeDocument/2006/relationships" xmlns:mc="http://schemas.openxmlformats.org/markup-compatibility/2006" xmlns:mv="urn:schemas-microsoft-com:mac:vml" xmlns:p="http://schemas.openxmlformats.org/presentationml/2006/main" xmlns:c="http://schemas.openxmlformats.org/drawingml/2006/chart" xmlns:dgm="http://schemas.openxmlformats.org/drawingml/2006/diagram" xmlns:o="urn:schemas-microsoft-com:office:office" xmlns:v="urn:schemas-microsoft-com:vml" xmlns:pvml="urn:schemas-microsoft-com:office:powerpoint" xmlns:com="http://schemas.openxmlformats.org/drawingml/2006/compatibility" xmlns:p14="http://schemas.microsoft.com/office/powerpoint/2010/main" xmlns:p15="http://schemas.microsoft.com/office/powerpoint/2012/main" xmlns:ahyp="http://schemas.microsoft.com/office/drawing/2018/hyperlinkcolor">
+<p:sld xmlns:a="http://schemas.openxmlformats.org/drawingml/2006/main" xmlns:r="http://schemas.openxmlformats.org/officeDocument/2006/relationships" xmlns:p="http://schemas.openxmlformats.org/presentationml/2006/main">
   <p:cSld>
     <p:bg>
       <p:bgPr>
@@ -6231,11 +6287,12 @@
             <a:fillRect/>
           </a:stretch>
         </a:blipFill>
+        <a:effectLst/>
       </p:bgPr>
     </p:bg>
     <p:spTree>
       <p:nvGrpSpPr>
-        <p:cNvPr id="53" name="Shape 53"/>
+        <p:cNvPr id="1" name="Shape 53"/>
         <p:cNvGrpSpPr/>
         <p:nvPr/>
       </p:nvGrpSpPr>
@@ -6250,15 +6307,17 @@
       <p:sp>
         <p:nvSpPr>
           <p:cNvPr id="54" name="Google Shape;54;p13"/>
-          <p:cNvSpPr txBox="1"/>
+          <p:cNvSpPr txBox="1">
+            <a:spLocks noGrp="1"/>
+          </p:cNvSpPr>
           <p:nvPr>
             <p:ph type="ctrTitle"/>
           </p:nvPr>
         </p:nvSpPr>
         <p:spPr>
           <a:xfrm>
-            <a:off x="0" y="0"/>
-            <a:ext cx="2983500" cy="1787100"/>
+            <a:off x="0" y="152400"/>
+            <a:ext cx="4332513" cy="707572"/>
           </a:xfrm>
           <a:prstGeom prst="rect">
             <a:avLst/>
@@ -6266,12 +6325,12 @@
           <a:noFill/>
         </p:spPr>
         <p:txBody>
-          <a:bodyPr anchorCtr="0" anchor="b" bIns="91425" lIns="91425" spcFirstLastPara="1" rIns="91425" wrap="square" tIns="91425">
+          <a:bodyPr spcFirstLastPara="1" wrap="square" lIns="91425" tIns="91425" rIns="91425" bIns="91425" anchor="b" anchorCtr="0">
             <a:noAutofit/>
           </a:bodyPr>
           <a:lstStyle/>
           <a:p>
-            <a:pPr indent="0" lvl="0" marL="0" rtl="0" algn="ctr">
+            <a:pPr marL="0" lvl="0" indent="0" algn="ctr" rtl="0">
               <a:spcBef>
                 <a:spcPts val="0"/>
               </a:spcBef>
@@ -6281,22 +6340,30 @@
               <a:buNone/>
             </a:pPr>
             <a:r>
-              <a:rPr b="1" lang="en" sz="3400">
+              <a:rPr lang="en" sz="3400" b="1" dirty="0">
                 <a:solidFill>
                   <a:srgbClr val="FF0000"/>
                 </a:solidFill>
               </a:rPr>
-              <a:t>R</a:t>
+              <a:t>W</a:t>
             </a:r>
             <a:r>
-              <a:rPr b="1" lang="en" sz="3400">
+              <a:rPr lang="en-AU" sz="3400" b="1" dirty="0">
                 <a:solidFill>
                   <a:srgbClr val="FF0000"/>
                 </a:solidFill>
               </a:rPr>
-              <a:t>andom Word Guess Game</a:t>
+              <a:t>o</a:t>
             </a:r>
-            <a:endParaRPr b="1" sz="3400">
+            <a:r>
+              <a:rPr lang="en" sz="3400" b="1" dirty="0">
+                <a:solidFill>
+                  <a:srgbClr val="FF0000"/>
+                </a:solidFill>
+              </a:rPr>
+              <a:t>rd Generator</a:t>
+            </a:r>
+            <a:endParaRPr sz="3400" b="1" dirty="0">
               <a:solidFill>
                 <a:srgbClr val="FF0000"/>
               </a:solidFill>
@@ -6313,7 +6380,7 @@
 </file>
 
 <file path=ppt/slides/slide2.xml><?xml version="1.0" encoding="utf-8"?>
-<p:sld xmlns:a="http://schemas.openxmlformats.org/drawingml/2006/main" xmlns:r="http://schemas.openxmlformats.org/officeDocument/2006/relationships" xmlns:mc="http://schemas.openxmlformats.org/markup-compatibility/2006" xmlns:mv="urn:schemas-microsoft-com:mac:vml" xmlns:p="http://schemas.openxmlformats.org/presentationml/2006/main" xmlns:c="http://schemas.openxmlformats.org/drawingml/2006/chart" xmlns:dgm="http://schemas.openxmlformats.org/drawingml/2006/diagram" xmlns:o="urn:schemas-microsoft-com:office:office" xmlns:v="urn:schemas-microsoft-com:vml" xmlns:pvml="urn:schemas-microsoft-com:office:powerpoint" xmlns:com="http://schemas.openxmlformats.org/drawingml/2006/compatibility" xmlns:p14="http://schemas.microsoft.com/office/powerpoint/2010/main" xmlns:p15="http://schemas.microsoft.com/office/powerpoint/2012/main" xmlns:ahyp="http://schemas.microsoft.com/office/drawing/2018/hyperlinkcolor">
+<p:sld xmlns:a="http://schemas.openxmlformats.org/drawingml/2006/main" xmlns:r="http://schemas.openxmlformats.org/officeDocument/2006/relationships" xmlns:p="http://schemas.openxmlformats.org/presentationml/2006/main">
   <p:cSld>
     <p:bg>
       <p:bgPr>
@@ -6325,11 +6392,12 @@
             <a:fillRect/>
           </a:stretch>
         </a:blipFill>
+        <a:effectLst/>
       </p:bgPr>
     </p:bg>
     <p:spTree>
       <p:nvGrpSpPr>
-        <p:cNvPr id="58" name="Shape 58"/>
+        <p:cNvPr id="1" name="Shape 58"/>
         <p:cNvGrpSpPr/>
         <p:nvPr/>
       </p:nvGrpSpPr>
@@ -6350,7 +6418,66 @@
 </file>
 
 <file path=ppt/slides/slide3.xml><?xml version="1.0" encoding="utf-8"?>
-<p:sld xmlns:a="http://schemas.openxmlformats.org/drawingml/2006/main" xmlns:r="http://schemas.openxmlformats.org/officeDocument/2006/relationships" xmlns:mc="http://schemas.openxmlformats.org/markup-compatibility/2006" xmlns:mv="urn:schemas-microsoft-com:mac:vml" xmlns:p="http://schemas.openxmlformats.org/presentationml/2006/main" xmlns:c="http://schemas.openxmlformats.org/drawingml/2006/chart" xmlns:dgm="http://schemas.openxmlformats.org/drawingml/2006/diagram" xmlns:o="urn:schemas-microsoft-com:office:office" xmlns:v="urn:schemas-microsoft-com:vml" xmlns:pvml="urn:schemas-microsoft-com:office:powerpoint" xmlns:com="http://schemas.openxmlformats.org/drawingml/2006/compatibility" xmlns:p14="http://schemas.microsoft.com/office/powerpoint/2010/main" xmlns:p15="http://schemas.microsoft.com/office/powerpoint/2012/main" xmlns:ahyp="http://schemas.microsoft.com/office/drawing/2018/hyperlinkcolor">
+<p:sld xmlns:a="http://schemas.openxmlformats.org/drawingml/2006/main" xmlns:r="http://schemas.openxmlformats.org/officeDocument/2006/relationships" xmlns:p="http://schemas.openxmlformats.org/presentationml/2006/main">
+  <p:cSld>
+    <p:spTree>
+      <p:nvGrpSpPr>
+        <p:cNvPr id="1" name=""/>
+        <p:cNvGrpSpPr/>
+        <p:nvPr/>
+      </p:nvGrpSpPr>
+      <p:grpSpPr>
+        <a:xfrm>
+          <a:off x="0" y="0"/>
+          <a:ext cx="0" cy="0"/>
+          <a:chOff x="0" y="0"/>
+          <a:chExt cx="0" cy="0"/>
+        </a:xfrm>
+      </p:grpSpPr>
+      <p:pic>
+        <p:nvPicPr>
+          <p:cNvPr id="5" name="Picture 4">
+            <a:extLst>
+              <a:ext uri="{FF2B5EF4-FFF2-40B4-BE49-F238E27FC236}">
+                <a16:creationId xmlns:a16="http://schemas.microsoft.com/office/drawing/2014/main" id="{FC237890-1EA6-4D25-9F7D-E7DEA546C1EE}"/>
+              </a:ext>
+            </a:extLst>
+          </p:cNvPr>
+          <p:cNvPicPr>
+            <a:picLocks noChangeAspect="1"/>
+          </p:cNvPicPr>
+          <p:nvPr/>
+        </p:nvPicPr>
+        <p:blipFill rotWithShape="1">
+          <a:blip r:embed="rId2"/>
+          <a:srcRect t="12892" b="6010"/>
+          <a:stretch/>
+        </p:blipFill>
+        <p:spPr>
+          <a:xfrm>
+            <a:off x="0" y="457202"/>
+            <a:ext cx="9144000" cy="4169228"/>
+          </a:xfrm>
+          <a:prstGeom prst="rect">
+            <a:avLst/>
+          </a:prstGeom>
+        </p:spPr>
+      </p:pic>
+    </p:spTree>
+    <p:extLst>
+      <p:ext uri="{BB962C8B-B14F-4D97-AF65-F5344CB8AC3E}">
+        <p14:creationId xmlns:p14="http://schemas.microsoft.com/office/powerpoint/2010/main" val="1116963123"/>
+      </p:ext>
+    </p:extLst>
+  </p:cSld>
+  <p:clrMapOvr>
+    <a:masterClrMapping/>
+  </p:clrMapOvr>
+</p:sld>
+</file>
+
+<file path=ppt/slides/slide4.xml><?xml version="1.0" encoding="utf-8"?>
+<p:sld xmlns:a="http://schemas.openxmlformats.org/drawingml/2006/main" xmlns:r="http://schemas.openxmlformats.org/officeDocument/2006/relationships" xmlns:p="http://schemas.openxmlformats.org/presentationml/2006/main">
   <p:cSld>
     <p:bg>
       <p:bgPr>
@@ -6362,48 +6489,12 @@
             <a:fillRect/>
           </a:stretch>
         </a:blipFill>
+        <a:effectLst/>
       </p:bgPr>
     </p:bg>
     <p:spTree>
       <p:nvGrpSpPr>
-        <p:cNvPr id="62" name="Shape 62"/>
-        <p:cNvGrpSpPr/>
-        <p:nvPr/>
-      </p:nvGrpSpPr>
-      <p:grpSpPr>
-        <a:xfrm>
-          <a:off x="0" y="0"/>
-          <a:ext cx="0" cy="0"/>
-          <a:chOff x="0" y="0"/>
-          <a:chExt cx="0" cy="0"/>
-        </a:xfrm>
-      </p:grpSpPr>
-    </p:spTree>
-  </p:cSld>
-  <p:clrMapOvr>
-    <a:masterClrMapping/>
-  </p:clrMapOvr>
-</p:sld>
-</file>
-
-<file path=ppt/slides/slide4.xml><?xml version="1.0" encoding="utf-8"?>
-<p:sld xmlns:a="http://schemas.openxmlformats.org/drawingml/2006/main" xmlns:r="http://schemas.openxmlformats.org/officeDocument/2006/relationships" xmlns:mc="http://schemas.openxmlformats.org/markup-compatibility/2006" xmlns:mv="urn:schemas-microsoft-com:mac:vml" xmlns:p="http://schemas.openxmlformats.org/presentationml/2006/main" xmlns:c="http://schemas.openxmlformats.org/drawingml/2006/chart" xmlns:dgm="http://schemas.openxmlformats.org/drawingml/2006/diagram" xmlns:o="urn:schemas-microsoft-com:office:office" xmlns:v="urn:schemas-microsoft-com:vml" xmlns:pvml="urn:schemas-microsoft-com:office:powerpoint" xmlns:com="http://schemas.openxmlformats.org/drawingml/2006/compatibility" xmlns:p14="http://schemas.microsoft.com/office/powerpoint/2010/main" xmlns:p15="http://schemas.microsoft.com/office/powerpoint/2012/main" xmlns:ahyp="http://schemas.microsoft.com/office/drawing/2018/hyperlinkcolor">
-  <p:cSld>
-    <p:bg>
-      <p:bgPr>
-        <a:blipFill>
-          <a:blip r:embed="rId3">
-            <a:alphaModFix/>
-          </a:blip>
-          <a:stretch>
-            <a:fillRect/>
-          </a:stretch>
-        </a:blipFill>
-      </p:bgPr>
-    </p:bg>
-    <p:spTree>
-      <p:nvGrpSpPr>
-        <p:cNvPr id="66" name="Shape 66"/>
+        <p:cNvPr id="1" name="Shape 66"/>
         <p:cNvGrpSpPr/>
         <p:nvPr/>
       </p:nvGrpSpPr>
@@ -6424,7 +6515,7 @@
 </file>
 
 <file path=ppt/slides/slide5.xml><?xml version="1.0" encoding="utf-8"?>
-<p:sld xmlns:a="http://schemas.openxmlformats.org/drawingml/2006/main" xmlns:r="http://schemas.openxmlformats.org/officeDocument/2006/relationships" xmlns:mc="http://schemas.openxmlformats.org/markup-compatibility/2006" xmlns:mv="urn:schemas-microsoft-com:mac:vml" xmlns:p="http://schemas.openxmlformats.org/presentationml/2006/main" xmlns:c="http://schemas.openxmlformats.org/drawingml/2006/chart" xmlns:dgm="http://schemas.openxmlformats.org/drawingml/2006/diagram" xmlns:o="urn:schemas-microsoft-com:office:office" xmlns:v="urn:schemas-microsoft-com:vml" xmlns:pvml="urn:schemas-microsoft-com:office:powerpoint" xmlns:com="http://schemas.openxmlformats.org/drawingml/2006/compatibility" xmlns:p14="http://schemas.microsoft.com/office/powerpoint/2010/main" xmlns:p15="http://schemas.microsoft.com/office/powerpoint/2012/main" xmlns:ahyp="http://schemas.microsoft.com/office/drawing/2018/hyperlinkcolor">
+<p:sld xmlns:a="http://schemas.openxmlformats.org/drawingml/2006/main" xmlns:r="http://schemas.openxmlformats.org/officeDocument/2006/relationships" xmlns:p="http://schemas.openxmlformats.org/presentationml/2006/main">
   <p:cSld>
     <p:bg>
       <p:bgPr>
@@ -6436,11 +6527,12 @@
             <a:fillRect/>
           </a:stretch>
         </a:blipFill>
+        <a:effectLst/>
       </p:bgPr>
     </p:bg>
     <p:spTree>
       <p:nvGrpSpPr>
-        <p:cNvPr id="70" name="Shape 70"/>
+        <p:cNvPr id="1" name="Shape 70"/>
         <p:cNvGrpSpPr/>
         <p:nvPr/>
       </p:nvGrpSpPr>
@@ -6461,7 +6553,7 @@
 </file>
 
 <file path=ppt/slides/slide6.xml><?xml version="1.0" encoding="utf-8"?>
-<p:sld xmlns:a="http://schemas.openxmlformats.org/drawingml/2006/main" xmlns:r="http://schemas.openxmlformats.org/officeDocument/2006/relationships" xmlns:mc="http://schemas.openxmlformats.org/markup-compatibility/2006" xmlns:mv="urn:schemas-microsoft-com:mac:vml" xmlns:p="http://schemas.openxmlformats.org/presentationml/2006/main" xmlns:c="http://schemas.openxmlformats.org/drawingml/2006/chart" xmlns:dgm="http://schemas.openxmlformats.org/drawingml/2006/diagram" xmlns:o="urn:schemas-microsoft-com:office:office" xmlns:v="urn:schemas-microsoft-com:vml" xmlns:pvml="urn:schemas-microsoft-com:office:powerpoint" xmlns:com="http://schemas.openxmlformats.org/drawingml/2006/compatibility" xmlns:p14="http://schemas.microsoft.com/office/powerpoint/2010/main" xmlns:p15="http://schemas.microsoft.com/office/powerpoint/2012/main" xmlns:ahyp="http://schemas.microsoft.com/office/drawing/2018/hyperlinkcolor">
+<p:sld xmlns:a="http://schemas.openxmlformats.org/drawingml/2006/main" xmlns:r="http://schemas.openxmlformats.org/officeDocument/2006/relationships" xmlns:p="http://schemas.openxmlformats.org/presentationml/2006/main">
   <p:cSld>
     <p:bg>
       <p:bgPr>
@@ -6473,11 +6565,12 @@
             <a:fillRect/>
           </a:stretch>
         </a:blipFill>
+        <a:effectLst/>
       </p:bgPr>
     </p:bg>
     <p:spTree>
       <p:nvGrpSpPr>
-        <p:cNvPr id="74" name="Shape 74"/>
+        <p:cNvPr id="1" name="Shape 74"/>
         <p:cNvGrpSpPr/>
         <p:nvPr/>
       </p:nvGrpSpPr>
@@ -6498,11 +6591,11 @@
 </file>
 
 <file path=ppt/slides/slide7.xml><?xml version="1.0" encoding="utf-8"?>
-<p:sld xmlns:a="http://schemas.openxmlformats.org/drawingml/2006/main" xmlns:r="http://schemas.openxmlformats.org/officeDocument/2006/relationships" xmlns:mc="http://schemas.openxmlformats.org/markup-compatibility/2006" xmlns:mv="urn:schemas-microsoft-com:mac:vml" xmlns:p="http://schemas.openxmlformats.org/presentationml/2006/main" xmlns:c="http://schemas.openxmlformats.org/drawingml/2006/chart" xmlns:dgm="http://schemas.openxmlformats.org/drawingml/2006/diagram" xmlns:o="urn:schemas-microsoft-com:office:office" xmlns:v="urn:schemas-microsoft-com:vml" xmlns:pvml="urn:schemas-microsoft-com:office:powerpoint" xmlns:com="http://schemas.openxmlformats.org/drawingml/2006/compatibility" xmlns:p14="http://schemas.microsoft.com/office/powerpoint/2010/main" xmlns:p15="http://schemas.microsoft.com/office/powerpoint/2012/main" xmlns:ahyp="http://schemas.microsoft.com/office/drawing/2018/hyperlinkcolor">
+<p:sld xmlns:a="http://schemas.openxmlformats.org/drawingml/2006/main" xmlns:r="http://schemas.openxmlformats.org/officeDocument/2006/relationships" xmlns:p="http://schemas.openxmlformats.org/presentationml/2006/main">
   <p:cSld>
     <p:spTree>
       <p:nvGrpSpPr>
-        <p:cNvPr id="78" name="Shape 78"/>
+        <p:cNvPr id="1" name="Shape 78"/>
         <p:cNvGrpSpPr/>
         <p:nvPr/>
       </p:nvGrpSpPr>
@@ -6517,7 +6610,9 @@
       <p:sp>
         <p:nvSpPr>
           <p:cNvPr id="79" name="Google Shape;79;p19"/>
-          <p:cNvSpPr txBox="1"/>
+          <p:cNvSpPr txBox="1">
+            <a:spLocks noGrp="1"/>
+          </p:cNvSpPr>
           <p:nvPr>
             <p:ph type="title"/>
           </p:nvPr>
@@ -6532,12 +6627,12 @@
           </a:prstGeom>
         </p:spPr>
         <p:txBody>
-          <a:bodyPr anchorCtr="0" anchor="ctr" bIns="91425" lIns="91425" spcFirstLastPara="1" rIns="91425" wrap="square" tIns="91425">
+          <a:bodyPr spcFirstLastPara="1" wrap="square" lIns="91425" tIns="91425" rIns="91425" bIns="91425" anchor="ctr" anchorCtr="0">
             <a:noAutofit/>
           </a:bodyPr>
           <a:lstStyle/>
           <a:p>
-            <a:pPr indent="0" lvl="0" marL="0" rtl="0" algn="ctr">
+            <a:pPr marL="0" lvl="0" indent="0" algn="ctr" rtl="0">
               <a:spcBef>
                 <a:spcPts val="0"/>
               </a:spcBef>
@@ -6563,7 +6658,7 @@
 </file>
 
 <file path=ppt/slides/slide8.xml><?xml version="1.0" encoding="utf-8"?>
-<p:sld xmlns:a="http://schemas.openxmlformats.org/drawingml/2006/main" xmlns:r="http://schemas.openxmlformats.org/officeDocument/2006/relationships" xmlns:mc="http://schemas.openxmlformats.org/markup-compatibility/2006" xmlns:mv="urn:schemas-microsoft-com:mac:vml" xmlns:p="http://schemas.openxmlformats.org/presentationml/2006/main" xmlns:c="http://schemas.openxmlformats.org/drawingml/2006/chart" xmlns:dgm="http://schemas.openxmlformats.org/drawingml/2006/diagram" xmlns:o="urn:schemas-microsoft-com:office:office" xmlns:v="urn:schemas-microsoft-com:vml" xmlns:pvml="urn:schemas-microsoft-com:office:powerpoint" xmlns:com="http://schemas.openxmlformats.org/drawingml/2006/compatibility" xmlns:p14="http://schemas.microsoft.com/office/powerpoint/2010/main" xmlns:p15="http://schemas.microsoft.com/office/powerpoint/2012/main" xmlns:ahyp="http://schemas.microsoft.com/office/drawing/2018/hyperlinkcolor">
+<p:sld xmlns:a="http://schemas.openxmlformats.org/drawingml/2006/main" xmlns:r="http://schemas.openxmlformats.org/officeDocument/2006/relationships" xmlns:p="http://schemas.openxmlformats.org/presentationml/2006/main">
   <p:cSld>
     <p:bg>
       <p:bgPr>
@@ -6575,11 +6670,12 @@
             <a:fillRect/>
           </a:stretch>
         </a:blipFill>
+        <a:effectLst/>
       </p:bgPr>
     </p:bg>
     <p:spTree>
       <p:nvGrpSpPr>
-        <p:cNvPr id="83" name="Shape 83"/>
+        <p:cNvPr id="1" name="Shape 83"/>
         <p:cNvGrpSpPr/>
         <p:nvPr/>
       </p:nvGrpSpPr>
@@ -6600,11 +6696,11 @@
 </file>
 
 <file path=ppt/slides/slide9.xml><?xml version="1.0" encoding="utf-8"?>
-<p:sld xmlns:a="http://schemas.openxmlformats.org/drawingml/2006/main" xmlns:r="http://schemas.openxmlformats.org/officeDocument/2006/relationships" xmlns:mc="http://schemas.openxmlformats.org/markup-compatibility/2006" xmlns:mv="urn:schemas-microsoft-com:mac:vml" xmlns:p="http://schemas.openxmlformats.org/presentationml/2006/main" xmlns:c="http://schemas.openxmlformats.org/drawingml/2006/chart" xmlns:dgm="http://schemas.openxmlformats.org/drawingml/2006/diagram" xmlns:o="urn:schemas-microsoft-com:office:office" xmlns:v="urn:schemas-microsoft-com:vml" xmlns:pvml="urn:schemas-microsoft-com:office:powerpoint" xmlns:com="http://schemas.openxmlformats.org/drawingml/2006/compatibility" xmlns:p14="http://schemas.microsoft.com/office/powerpoint/2010/main" xmlns:p15="http://schemas.microsoft.com/office/powerpoint/2012/main" xmlns:ahyp="http://schemas.microsoft.com/office/drawing/2018/hyperlinkcolor">
+<p:sld xmlns:a="http://schemas.openxmlformats.org/drawingml/2006/main" xmlns:r="http://schemas.openxmlformats.org/officeDocument/2006/relationships" xmlns:p="http://schemas.openxmlformats.org/presentationml/2006/main">
   <p:cSld>
     <p:spTree>
       <p:nvGrpSpPr>
-        <p:cNvPr id="87" name="Shape 87"/>
+        <p:cNvPr id="1" name="Shape 87"/>
         <p:cNvGrpSpPr/>
         <p:nvPr/>
       </p:nvGrpSpPr>
@@ -6619,7 +6715,9 @@
       <p:sp>
         <p:nvSpPr>
           <p:cNvPr id="88" name="Google Shape;88;p21"/>
-          <p:cNvSpPr txBox="1"/>
+          <p:cNvSpPr txBox="1">
+            <a:spLocks noGrp="1"/>
+          </p:cNvSpPr>
           <p:nvPr>
             <p:ph type="title"/>
           </p:nvPr>
@@ -6634,12 +6732,12 @@
           </a:prstGeom>
         </p:spPr>
         <p:txBody>
-          <a:bodyPr anchorCtr="0" anchor="t" bIns="91425" lIns="91425" spcFirstLastPara="1" rIns="91425" wrap="square" tIns="91425">
+          <a:bodyPr spcFirstLastPara="1" wrap="square" lIns="91425" tIns="91425" rIns="91425" bIns="91425" anchor="t" anchorCtr="0">
             <a:noAutofit/>
           </a:bodyPr>
           <a:lstStyle/>
           <a:p>
-            <a:pPr indent="0" lvl="0" marL="0" rtl="0" algn="l">
+            <a:pPr marL="0" lvl="0" indent="0" algn="l" rtl="0">
               <a:spcBef>
                 <a:spcPts val="0"/>
               </a:spcBef>
@@ -6659,9 +6757,11 @@
       <p:sp>
         <p:nvSpPr>
           <p:cNvPr id="89" name="Google Shape;89;p21"/>
-          <p:cNvSpPr txBox="1"/>
+          <p:cNvSpPr txBox="1">
+            <a:spLocks noGrp="1"/>
+          </p:cNvSpPr>
           <p:nvPr>
-            <p:ph idx="1" type="body"/>
+            <p:ph type="body" idx="1"/>
           </p:nvPr>
         </p:nvSpPr>
         <p:spPr>
@@ -6677,12 +6777,12 @@
           </a:solidFill>
         </p:spPr>
         <p:txBody>
-          <a:bodyPr anchorCtr="0" anchor="t" bIns="91425" lIns="91425" spcFirstLastPara="1" rIns="91425" wrap="square" tIns="91425">
+          <a:bodyPr spcFirstLastPara="1" wrap="square" lIns="91425" tIns="91425" rIns="91425" bIns="91425" anchor="t" anchorCtr="0">
             <a:noAutofit/>
           </a:bodyPr>
           <a:lstStyle/>
           <a:p>
-            <a:pPr indent="-304800" lvl="0" marL="457200" rtl="0" algn="l">
+            <a:pPr marL="457200" lvl="0" indent="-304800" algn="l" rtl="0">
               <a:spcBef>
                 <a:spcPts val="0"/>
               </a:spcBef>
@@ -6694,7 +6794,7 @@
               <a:buChar char="●"/>
             </a:pPr>
             <a:r>
-              <a:rPr b="1" lang="en" sz="1200">
+              <a:rPr lang="en" sz="1200" b="1">
                 <a:highlight>
                   <a:srgbClr val="FFFFFF"/>
                 </a:highlight>
@@ -6705,7 +6805,7 @@
               </a:rPr>
               <a:t>https://mattdsena.github.io/GroupProject/</a:t>
             </a:r>
-            <a:endParaRPr b="1" sz="1200">
+            <a:endParaRPr sz="1200" b="1">
               <a:latin typeface="Calibri"/>
               <a:ea typeface="Calibri"/>
               <a:cs typeface="Calibri"/>
@@ -6713,7 +6813,7 @@
             </a:endParaRPr>
           </a:p>
           <a:p>
-            <a:pPr indent="-304800" lvl="0" marL="457200" rtl="0" algn="l">
+            <a:pPr marL="457200" lvl="0" indent="-304800" algn="l" rtl="0">
               <a:spcBef>
                 <a:spcPts val="0"/>
               </a:spcBef>
@@ -6725,7 +6825,7 @@
               <a:buChar char="●"/>
             </a:pPr>
             <a:r>
-              <a:rPr b="1" lang="en" sz="1200">
+              <a:rPr lang="en" sz="1200" b="1">
                 <a:latin typeface="Calibri"/>
                 <a:ea typeface="Calibri"/>
                 <a:cs typeface="Calibri"/>
@@ -6733,7 +6833,7 @@
               </a:rPr>
               <a:t>https://github.com/Mattdsena/GroupProject</a:t>
             </a:r>
-            <a:endParaRPr b="1" sz="1200">
+            <a:endParaRPr sz="1200" b="1">
               <a:latin typeface="Calibri"/>
               <a:ea typeface="Calibri"/>
               <a:cs typeface="Calibri"/>
@@ -6751,7 +6851,288 @@
 </file>
 
 <file path=ppt/theme/theme1.xml><?xml version="1.0" encoding="utf-8"?>
-<a:theme xmlns:a="http://schemas.openxmlformats.org/drawingml/2006/main" xmlns:r="http://schemas.openxmlformats.org/officeDocument/2006/relationships">
+<a:theme xmlns:a="http://schemas.openxmlformats.org/drawingml/2006/main" name="Simple Light">
+  <a:themeElements>
+    <a:clrScheme name="Simple Light">
+      <a:dk1>
+        <a:srgbClr val="000000"/>
+      </a:dk1>
+      <a:lt1>
+        <a:srgbClr val="FFFFFF"/>
+      </a:lt1>
+      <a:dk2>
+        <a:srgbClr val="595959"/>
+      </a:dk2>
+      <a:lt2>
+        <a:srgbClr val="EEEEEE"/>
+      </a:lt2>
+      <a:accent1>
+        <a:srgbClr val="FFAB40"/>
+      </a:accent1>
+      <a:accent2>
+        <a:srgbClr val="212121"/>
+      </a:accent2>
+      <a:accent3>
+        <a:srgbClr val="78909C"/>
+      </a:accent3>
+      <a:accent4>
+        <a:srgbClr val="FFAB40"/>
+      </a:accent4>
+      <a:accent5>
+        <a:srgbClr val="0097A7"/>
+      </a:accent5>
+      <a:accent6>
+        <a:srgbClr val="EEFF41"/>
+      </a:accent6>
+      <a:hlink>
+        <a:srgbClr val="0097A7"/>
+      </a:hlink>
+      <a:folHlink>
+        <a:srgbClr val="0097A7"/>
+      </a:folHlink>
+    </a:clrScheme>
+    <a:fontScheme name="Office">
+      <a:majorFont>
+        <a:latin typeface="Arial"/>
+        <a:ea typeface=""/>
+        <a:cs typeface=""/>
+        <a:font script="Jpan" typeface="ＭＳ Ｐゴシック"/>
+        <a:font script="Hang" typeface="맑은 고딕"/>
+        <a:font script="Hans" typeface="宋体"/>
+        <a:font script="Hant" typeface="新細明體"/>
+        <a:font script="Arab" typeface="Times New Roman"/>
+        <a:font script="Hebr" typeface="Times New Roman"/>
+        <a:font script="Thai" typeface="Angsana New"/>
+        <a:font script="Ethi" typeface="Nyala"/>
+        <a:font script="Beng" typeface="Vrinda"/>
+        <a:font script="Gujr" typeface="Shruti"/>
+        <a:font script="Khmr" typeface="MoolBoran"/>
+        <a:font script="Knda" typeface="Tunga"/>
+        <a:font script="Guru" typeface="Raavi"/>
+        <a:font script="Cans" typeface="Euphemia"/>
+        <a:font script="Cher" typeface="Plantagenet Cherokee"/>
+        <a:font script="Yiii" typeface="Microsoft Yi Baiti"/>
+        <a:font script="Tibt" typeface="Microsoft Himalaya"/>
+        <a:font script="Thaa" typeface="MV Boli"/>
+        <a:font script="Deva" typeface="Mangal"/>
+        <a:font script="Telu" typeface="Gautami"/>
+        <a:font script="Taml" typeface="Latha"/>
+        <a:font script="Syrc" typeface="Estrangelo Edessa"/>
+        <a:font script="Orya" typeface="Kalinga"/>
+        <a:font script="Mlym" typeface="Kartika"/>
+        <a:font script="Laoo" typeface="DokChampa"/>
+        <a:font script="Sinh" typeface="Iskoola Pota"/>
+        <a:font script="Mong" typeface="Mongolian Baiti"/>
+        <a:font script="Viet" typeface="Times New Roman"/>
+        <a:font script="Uigh" typeface="Microsoft Uighur"/>
+        <a:font script="Geor" typeface="Sylfaen"/>
+      </a:majorFont>
+      <a:minorFont>
+        <a:latin typeface="Arial"/>
+        <a:ea typeface=""/>
+        <a:cs typeface=""/>
+        <a:font script="Jpan" typeface="ＭＳ Ｐゴシック"/>
+        <a:font script="Hang" typeface="맑은 고딕"/>
+        <a:font script="Hans" typeface="宋体"/>
+        <a:font script="Hant" typeface="新細明體"/>
+        <a:font script="Arab" typeface="Arial"/>
+        <a:font script="Hebr" typeface="Arial"/>
+        <a:font script="Thai" typeface="Cordia New"/>
+        <a:font script="Ethi" typeface="Nyala"/>
+        <a:font script="Beng" typeface="Vrinda"/>
+        <a:font script="Gujr" typeface="Shruti"/>
+        <a:font script="Khmr" typeface="DaunPenh"/>
+        <a:font script="Knda" typeface="Tunga"/>
+        <a:font script="Guru" typeface="Raavi"/>
+        <a:font script="Cans" typeface="Euphemia"/>
+        <a:font script="Cher" typeface="Plantagenet Cherokee"/>
+        <a:font script="Yiii" typeface="Microsoft Yi Baiti"/>
+        <a:font script="Tibt" typeface="Microsoft Himalaya"/>
+        <a:font script="Thaa" typeface="MV Boli"/>
+        <a:font script="Deva" typeface="Mangal"/>
+        <a:font script="Telu" typeface="Gautami"/>
+        <a:font script="Taml" typeface="Latha"/>
+        <a:font script="Syrc" typeface="Estrangelo Edessa"/>
+        <a:font script="Orya" typeface="Kalinga"/>
+        <a:font script="Mlym" typeface="Kartika"/>
+        <a:font script="Laoo" typeface="DokChampa"/>
+        <a:font script="Sinh" typeface="Iskoola Pota"/>
+        <a:font script="Mong" typeface="Mongolian Baiti"/>
+        <a:font script="Viet" typeface="Arial"/>
+        <a:font script="Uigh" typeface="Microsoft Uighur"/>
+        <a:font script="Geor" typeface="Sylfaen"/>
+      </a:minorFont>
+    </a:fontScheme>
+    <a:fmtScheme name="Office">
+      <a:fillStyleLst>
+        <a:solidFill>
+          <a:schemeClr val="phClr"/>
+        </a:solidFill>
+        <a:gradFill rotWithShape="1">
+          <a:gsLst>
+            <a:gs pos="0">
+              <a:schemeClr val="phClr">
+                <a:tint val="50000"/>
+                <a:satMod val="300000"/>
+              </a:schemeClr>
+            </a:gs>
+            <a:gs pos="35000">
+              <a:schemeClr val="phClr">
+                <a:tint val="37000"/>
+                <a:satMod val="300000"/>
+              </a:schemeClr>
+            </a:gs>
+            <a:gs pos="100000">
+              <a:schemeClr val="phClr">
+                <a:tint val="15000"/>
+                <a:satMod val="350000"/>
+              </a:schemeClr>
+            </a:gs>
+          </a:gsLst>
+          <a:lin ang="16200000" scaled="1"/>
+        </a:gradFill>
+        <a:gradFill rotWithShape="1">
+          <a:gsLst>
+            <a:gs pos="0">
+              <a:schemeClr val="phClr">
+                <a:tint val="100000"/>
+                <a:shade val="100000"/>
+                <a:satMod val="130000"/>
+              </a:schemeClr>
+            </a:gs>
+            <a:gs pos="100000">
+              <a:schemeClr val="phClr">
+                <a:tint val="50000"/>
+                <a:shade val="100000"/>
+                <a:satMod val="350000"/>
+              </a:schemeClr>
+            </a:gs>
+          </a:gsLst>
+          <a:lin ang="16200000" scaled="0"/>
+        </a:gradFill>
+      </a:fillStyleLst>
+      <a:lnStyleLst>
+        <a:ln w="9525" cap="flat" cmpd="sng" algn="ctr">
+          <a:solidFill>
+            <a:schemeClr val="phClr">
+              <a:shade val="95000"/>
+              <a:satMod val="105000"/>
+            </a:schemeClr>
+          </a:solidFill>
+          <a:prstDash val="solid"/>
+        </a:ln>
+        <a:ln w="25400" cap="flat" cmpd="sng" algn="ctr">
+          <a:solidFill>
+            <a:schemeClr val="phClr"/>
+          </a:solidFill>
+          <a:prstDash val="solid"/>
+        </a:ln>
+        <a:ln w="38100" cap="flat" cmpd="sng" algn="ctr">
+          <a:solidFill>
+            <a:schemeClr val="phClr"/>
+          </a:solidFill>
+          <a:prstDash val="solid"/>
+        </a:ln>
+      </a:lnStyleLst>
+      <a:effectStyleLst>
+        <a:effectStyle>
+          <a:effectLst>
+            <a:outerShdw blurRad="40000" dist="20000" dir="5400000" rotWithShape="0">
+              <a:srgbClr val="000000">
+                <a:alpha val="38000"/>
+              </a:srgbClr>
+            </a:outerShdw>
+          </a:effectLst>
+        </a:effectStyle>
+        <a:effectStyle>
+          <a:effectLst>
+            <a:outerShdw blurRad="40000" dist="23000" dir="5400000" rotWithShape="0">
+              <a:srgbClr val="000000">
+                <a:alpha val="35000"/>
+              </a:srgbClr>
+            </a:outerShdw>
+          </a:effectLst>
+        </a:effectStyle>
+        <a:effectStyle>
+          <a:effectLst>
+            <a:outerShdw blurRad="40000" dist="23000" dir="5400000" rotWithShape="0">
+              <a:srgbClr val="000000">
+                <a:alpha val="35000"/>
+              </a:srgbClr>
+            </a:outerShdw>
+          </a:effectLst>
+          <a:scene3d>
+            <a:camera prst="orthographicFront">
+              <a:rot lat="0" lon="0" rev="0"/>
+            </a:camera>
+            <a:lightRig rig="threePt" dir="t">
+              <a:rot lat="0" lon="0" rev="1200000"/>
+            </a:lightRig>
+          </a:scene3d>
+          <a:sp3d>
+            <a:bevelT w="63500" h="25400"/>
+          </a:sp3d>
+        </a:effectStyle>
+      </a:effectStyleLst>
+      <a:bgFillStyleLst>
+        <a:solidFill>
+          <a:schemeClr val="phClr"/>
+        </a:solidFill>
+        <a:gradFill rotWithShape="1">
+          <a:gsLst>
+            <a:gs pos="0">
+              <a:schemeClr val="phClr">
+                <a:tint val="40000"/>
+                <a:satMod val="350000"/>
+              </a:schemeClr>
+            </a:gs>
+            <a:gs pos="40000">
+              <a:schemeClr val="phClr">
+                <a:tint val="45000"/>
+                <a:shade val="99000"/>
+                <a:satMod val="350000"/>
+              </a:schemeClr>
+            </a:gs>
+            <a:gs pos="100000">
+              <a:schemeClr val="phClr">
+                <a:shade val="20000"/>
+                <a:satMod val="255000"/>
+              </a:schemeClr>
+            </a:gs>
+          </a:gsLst>
+          <a:path path="circle">
+            <a:fillToRect l="50000" t="-80000" r="50000" b="180000"/>
+          </a:path>
+        </a:gradFill>
+        <a:gradFill rotWithShape="1">
+          <a:gsLst>
+            <a:gs pos="0">
+              <a:schemeClr val="phClr">
+                <a:tint val="80000"/>
+                <a:satMod val="300000"/>
+              </a:schemeClr>
+            </a:gs>
+            <a:gs pos="100000">
+              <a:schemeClr val="phClr">
+                <a:shade val="30000"/>
+                <a:satMod val="200000"/>
+              </a:schemeClr>
+            </a:gs>
+          </a:gsLst>
+          <a:path path="circle">
+            <a:fillToRect l="50000" t="50000" r="50000" b="50000"/>
+          </a:path>
+        </a:gradFill>
+      </a:bgFillStyleLst>
+    </a:fmtScheme>
+  </a:themeElements>
+  <a:objectDefaults/>
+  <a:extraClrSchemeLst/>
+</a:theme>
+</file>
+
+<file path=ppt/theme/theme2.xml><?xml version="1.0" encoding="utf-8"?>
+<a:theme xmlns:a="http://schemas.openxmlformats.org/drawingml/2006/main">
   <a:themeElements>
     <a:clrScheme name="Default">
       <a:dk1>
@@ -7026,284 +7407,7 @@
       </a:bgFillStyleLst>
     </a:fmtScheme>
   </a:themeElements>
-</a:theme>
-</file>
-
-<file path=ppt/theme/theme2.xml><?xml version="1.0" encoding="utf-8"?>
-<a:theme xmlns:a="http://schemas.openxmlformats.org/drawingml/2006/main" xmlns:r="http://schemas.openxmlformats.org/officeDocument/2006/relationships" name="Simple Light">
-  <a:themeElements>
-    <a:clrScheme name="Simple Light">
-      <a:dk1>
-        <a:srgbClr val="000000"/>
-      </a:dk1>
-      <a:lt1>
-        <a:srgbClr val="FFFFFF"/>
-      </a:lt1>
-      <a:dk2>
-        <a:srgbClr val="595959"/>
-      </a:dk2>
-      <a:lt2>
-        <a:srgbClr val="EEEEEE"/>
-      </a:lt2>
-      <a:accent1>
-        <a:srgbClr val="FFAB40"/>
-      </a:accent1>
-      <a:accent2>
-        <a:srgbClr val="212121"/>
-      </a:accent2>
-      <a:accent3>
-        <a:srgbClr val="78909C"/>
-      </a:accent3>
-      <a:accent4>
-        <a:srgbClr val="FFAB40"/>
-      </a:accent4>
-      <a:accent5>
-        <a:srgbClr val="0097A7"/>
-      </a:accent5>
-      <a:accent6>
-        <a:srgbClr val="EEFF41"/>
-      </a:accent6>
-      <a:hlink>
-        <a:srgbClr val="0097A7"/>
-      </a:hlink>
-      <a:folHlink>
-        <a:srgbClr val="0097A7"/>
-      </a:folHlink>
-    </a:clrScheme>
-    <a:fontScheme name="Office">
-      <a:majorFont>
-        <a:latin typeface="Arial"/>
-        <a:ea typeface=""/>
-        <a:cs typeface=""/>
-        <a:font script="Jpan" typeface="ＭＳ Ｐゴシック"/>
-        <a:font script="Hang" typeface="맑은 고딕"/>
-        <a:font script="Hans" typeface="宋体"/>
-        <a:font script="Hant" typeface="新細明體"/>
-        <a:font script="Arab" typeface="Times New Roman"/>
-        <a:font script="Hebr" typeface="Times New Roman"/>
-        <a:font script="Thai" typeface="Angsana New"/>
-        <a:font script="Ethi" typeface="Nyala"/>
-        <a:font script="Beng" typeface="Vrinda"/>
-        <a:font script="Gujr" typeface="Shruti"/>
-        <a:font script="Khmr" typeface="MoolBoran"/>
-        <a:font script="Knda" typeface="Tunga"/>
-        <a:font script="Guru" typeface="Raavi"/>
-        <a:font script="Cans" typeface="Euphemia"/>
-        <a:font script="Cher" typeface="Plantagenet Cherokee"/>
-        <a:font script="Yiii" typeface="Microsoft Yi Baiti"/>
-        <a:font script="Tibt" typeface="Microsoft Himalaya"/>
-        <a:font script="Thaa" typeface="MV Boli"/>
-        <a:font script="Deva" typeface="Mangal"/>
-        <a:font script="Telu" typeface="Gautami"/>
-        <a:font script="Taml" typeface="Latha"/>
-        <a:font script="Syrc" typeface="Estrangelo Edessa"/>
-        <a:font script="Orya" typeface="Kalinga"/>
-        <a:font script="Mlym" typeface="Kartika"/>
-        <a:font script="Laoo" typeface="DokChampa"/>
-        <a:font script="Sinh" typeface="Iskoola Pota"/>
-        <a:font script="Mong" typeface="Mongolian Baiti"/>
-        <a:font script="Viet" typeface="Times New Roman"/>
-        <a:font script="Uigh" typeface="Microsoft Uighur"/>
-        <a:font script="Geor" typeface="Sylfaen"/>
-      </a:majorFont>
-      <a:minorFont>
-        <a:latin typeface="Arial"/>
-        <a:ea typeface=""/>
-        <a:cs typeface=""/>
-        <a:font script="Jpan" typeface="ＭＳ Ｐゴシック"/>
-        <a:font script="Hang" typeface="맑은 고딕"/>
-        <a:font script="Hans" typeface="宋体"/>
-        <a:font script="Hant" typeface="新細明體"/>
-        <a:font script="Arab" typeface="Arial"/>
-        <a:font script="Hebr" typeface="Arial"/>
-        <a:font script="Thai" typeface="Cordia New"/>
-        <a:font script="Ethi" typeface="Nyala"/>
-        <a:font script="Beng" typeface="Vrinda"/>
-        <a:font script="Gujr" typeface="Shruti"/>
-        <a:font script="Khmr" typeface="DaunPenh"/>
-        <a:font script="Knda" typeface="Tunga"/>
-        <a:font script="Guru" typeface="Raavi"/>
-        <a:font script="Cans" typeface="Euphemia"/>
-        <a:font script="Cher" typeface="Plantagenet Cherokee"/>
-        <a:font script="Yiii" typeface="Microsoft Yi Baiti"/>
-        <a:font script="Tibt" typeface="Microsoft Himalaya"/>
-        <a:font script="Thaa" typeface="MV Boli"/>
-        <a:font script="Deva" typeface="Mangal"/>
-        <a:font script="Telu" typeface="Gautami"/>
-        <a:font script="Taml" typeface="Latha"/>
-        <a:font script="Syrc" typeface="Estrangelo Edessa"/>
-        <a:font script="Orya" typeface="Kalinga"/>
-        <a:font script="Mlym" typeface="Kartika"/>
-        <a:font script="Laoo" typeface="DokChampa"/>
-        <a:font script="Sinh" typeface="Iskoola Pota"/>
-        <a:font script="Mong" typeface="Mongolian Baiti"/>
-        <a:font script="Viet" typeface="Arial"/>
-        <a:font script="Uigh" typeface="Microsoft Uighur"/>
-        <a:font script="Geor" typeface="Sylfaen"/>
-      </a:minorFont>
-    </a:fontScheme>
-    <a:fmtScheme name="Office">
-      <a:fillStyleLst>
-        <a:solidFill>
-          <a:schemeClr val="phClr"/>
-        </a:solidFill>
-        <a:gradFill rotWithShape="1">
-          <a:gsLst>
-            <a:gs pos="0">
-              <a:schemeClr val="phClr">
-                <a:tint val="50000"/>
-                <a:satMod val="300000"/>
-              </a:schemeClr>
-            </a:gs>
-            <a:gs pos="35000">
-              <a:schemeClr val="phClr">
-                <a:tint val="37000"/>
-                <a:satMod val="300000"/>
-              </a:schemeClr>
-            </a:gs>
-            <a:gs pos="100000">
-              <a:schemeClr val="phClr">
-                <a:tint val="15000"/>
-                <a:satMod val="350000"/>
-              </a:schemeClr>
-            </a:gs>
-          </a:gsLst>
-          <a:lin ang="16200000" scaled="1"/>
-        </a:gradFill>
-        <a:gradFill rotWithShape="1">
-          <a:gsLst>
-            <a:gs pos="0">
-              <a:schemeClr val="phClr">
-                <a:tint val="100000"/>
-                <a:shade val="100000"/>
-                <a:satMod val="130000"/>
-              </a:schemeClr>
-            </a:gs>
-            <a:gs pos="100000">
-              <a:schemeClr val="phClr">
-                <a:tint val="50000"/>
-                <a:shade val="100000"/>
-                <a:satMod val="350000"/>
-              </a:schemeClr>
-            </a:gs>
-          </a:gsLst>
-          <a:lin ang="16200000" scaled="0"/>
-        </a:gradFill>
-      </a:fillStyleLst>
-      <a:lnStyleLst>
-        <a:ln w="9525" cap="flat" cmpd="sng" algn="ctr">
-          <a:solidFill>
-            <a:schemeClr val="phClr">
-              <a:shade val="95000"/>
-              <a:satMod val="105000"/>
-            </a:schemeClr>
-          </a:solidFill>
-          <a:prstDash val="solid"/>
-        </a:ln>
-        <a:ln w="25400" cap="flat" cmpd="sng" algn="ctr">
-          <a:solidFill>
-            <a:schemeClr val="phClr"/>
-          </a:solidFill>
-          <a:prstDash val="solid"/>
-        </a:ln>
-        <a:ln w="38100" cap="flat" cmpd="sng" algn="ctr">
-          <a:solidFill>
-            <a:schemeClr val="phClr"/>
-          </a:solidFill>
-          <a:prstDash val="solid"/>
-        </a:ln>
-      </a:lnStyleLst>
-      <a:effectStyleLst>
-        <a:effectStyle>
-          <a:effectLst>
-            <a:outerShdw blurRad="40000" dist="20000" dir="5400000" rotWithShape="0">
-              <a:srgbClr val="000000">
-                <a:alpha val="38000"/>
-              </a:srgbClr>
-            </a:outerShdw>
-          </a:effectLst>
-        </a:effectStyle>
-        <a:effectStyle>
-          <a:effectLst>
-            <a:outerShdw blurRad="40000" dist="23000" dir="5400000" rotWithShape="0">
-              <a:srgbClr val="000000">
-                <a:alpha val="35000"/>
-              </a:srgbClr>
-            </a:outerShdw>
-          </a:effectLst>
-        </a:effectStyle>
-        <a:effectStyle>
-          <a:effectLst>
-            <a:outerShdw blurRad="40000" dist="23000" dir="5400000" rotWithShape="0">
-              <a:srgbClr val="000000">
-                <a:alpha val="35000"/>
-              </a:srgbClr>
-            </a:outerShdw>
-          </a:effectLst>
-          <a:scene3d>
-            <a:camera prst="orthographicFront">
-              <a:rot lat="0" lon="0" rev="0"/>
-            </a:camera>
-            <a:lightRig rig="threePt" dir="t">
-              <a:rot lat="0" lon="0" rev="1200000"/>
-            </a:lightRig>
-          </a:scene3d>
-          <a:sp3d>
-            <a:bevelT w="63500" h="25400"/>
-          </a:sp3d>
-        </a:effectStyle>
-      </a:effectStyleLst>
-      <a:bgFillStyleLst>
-        <a:solidFill>
-          <a:schemeClr val="phClr"/>
-        </a:solidFill>
-        <a:gradFill rotWithShape="1">
-          <a:gsLst>
-            <a:gs pos="0">
-              <a:schemeClr val="phClr">
-                <a:tint val="40000"/>
-                <a:satMod val="350000"/>
-              </a:schemeClr>
-            </a:gs>
-            <a:gs pos="40000">
-              <a:schemeClr val="phClr">
-                <a:tint val="45000"/>
-                <a:shade val="99000"/>
-                <a:satMod val="350000"/>
-              </a:schemeClr>
-            </a:gs>
-            <a:gs pos="100000">
-              <a:schemeClr val="phClr">
-                <a:shade val="20000"/>
-                <a:satMod val="255000"/>
-              </a:schemeClr>
-            </a:gs>
-          </a:gsLst>
-          <a:path path="circle">
-            <a:fillToRect l="50000" t="-80000" r="50000" b="180000"/>
-          </a:path>
-        </a:gradFill>
-        <a:gradFill rotWithShape="1">
-          <a:gsLst>
-            <a:gs pos="0">
-              <a:schemeClr val="phClr">
-                <a:tint val="80000"/>
-                <a:satMod val="300000"/>
-              </a:schemeClr>
-            </a:gs>
-            <a:gs pos="100000">
-              <a:schemeClr val="phClr">
-                <a:shade val="30000"/>
-                <a:satMod val="200000"/>
-              </a:schemeClr>
-            </a:gs>
-          </a:gsLst>
-          <a:path path="circle">
-            <a:fillToRect l="50000" t="50000" r="50000" b="50000"/>
-          </a:path>
-        </a:gradFill>
-      </a:bgFillStyleLst>
-    </a:fmtScheme>
-  </a:themeElements>
+  <a:objectDefaults/>
+  <a:extraClrSchemeLst/>
 </a:theme>
 </file>